--- a/documentation/GroupMeetingPresentation.pptx
+++ b/documentation/GroupMeetingPresentation.pptx
@@ -6,7 +6,7 @@
     <p:sldMasterId id="2147483672" r:id="rId2"/>
   </p:sldMasterIdLst>
   <p:notesMasterIdLst>
-    <p:notesMasterId r:id="rId45"/>
+    <p:notesMasterId r:id="rId49"/>
   </p:notesMasterIdLst>
   <p:sldIdLst>
     <p:sldId id="267" r:id="rId3"/>
@@ -42,15 +42,19 @@
     <p:sldId id="322" r:id="rId33"/>
     <p:sldId id="321" r:id="rId34"/>
     <p:sldId id="323" r:id="rId35"/>
-    <p:sldId id="308" r:id="rId36"/>
-    <p:sldId id="320" r:id="rId37"/>
-    <p:sldId id="309" r:id="rId38"/>
-    <p:sldId id="319" r:id="rId39"/>
-    <p:sldId id="300" r:id="rId40"/>
-    <p:sldId id="311" r:id="rId41"/>
-    <p:sldId id="305" r:id="rId42"/>
-    <p:sldId id="307" r:id="rId43"/>
+    <p:sldId id="325" r:id="rId36"/>
+    <p:sldId id="308" r:id="rId37"/>
+    <p:sldId id="324" r:id="rId38"/>
+    <p:sldId id="320" r:id="rId39"/>
+    <p:sldId id="309" r:id="rId40"/>
+    <p:sldId id="319" r:id="rId41"/>
+    <p:sldId id="328" r:id="rId42"/>
+    <p:sldId id="327" r:id="rId43"/>
     <p:sldId id="282" r:id="rId44"/>
+    <p:sldId id="305" r:id="rId45"/>
+    <p:sldId id="329" r:id="rId46"/>
+    <p:sldId id="307" r:id="rId47"/>
+    <p:sldId id="326" r:id="rId48"/>
   </p:sldIdLst>
   <p:sldSz cx="9144000" cy="6858000" type="screen4x3"/>
   <p:notesSz cx="6858000" cy="9144000"/>
@@ -2114,7 +2118,49 @@
           <a:bodyPr/>
           <a:lstStyle/>
           <a:p>
-            <a:endParaRPr lang="en-US" dirty="0"/>
+            <a:r>
+              <a:rPr lang="en-US" dirty="0" smtClean="0"/>
+              <a:t>-measuring </a:t>
+            </a:r>
+            <a:r>
+              <a:rPr lang="en-US" dirty="0" err="1" smtClean="0"/>
+              <a:t>boudning</a:t>
+            </a:r>
+            <a:r>
+              <a:rPr lang="en-US" baseline="0" dirty="0" smtClean="0"/>
+              <a:t> box intersection tests: </a:t>
+            </a:r>
+            <a:r>
+              <a:rPr lang="en-US" dirty="0" smtClean="0"/>
+              <a:t>lower is</a:t>
+            </a:r>
+            <a:r>
+              <a:rPr lang="en-US" baseline="0" dirty="0" smtClean="0"/>
+              <a:t> better</a:t>
+            </a:r>
+            <a:endParaRPr lang="en-US" dirty="0" smtClean="0"/>
+          </a:p>
+          <a:p>
+            <a:r>
+              <a:rPr lang="en-US" dirty="0" smtClean="0"/>
+              <a:t>-8</a:t>
+            </a:r>
+            <a:r>
+              <a:rPr lang="en-US" baseline="0" dirty="0" smtClean="0"/>
+              <a:t> scenes</a:t>
+            </a:r>
+          </a:p>
+          <a:p>
+            <a:r>
+              <a:rPr lang="en-US" baseline="0" dirty="0" smtClean="0"/>
+              <a:t>-for each scene 3 groups of bars (red, green, blue)</a:t>
+            </a:r>
+          </a:p>
+          <a:p>
+            <a:r>
+              <a:rPr lang="en-US" baseline="0" dirty="0" smtClean="0"/>
+              <a:t>-for now, compare red to green</a:t>
+            </a:r>
           </a:p>
         </p:txBody>
       </p:sp>
@@ -2135,7 +2181,7 @@
           <a:p>
             <a:fld id="{D674814E-3B37-41B6-B818-E442EEBAD402}" type="slidenum">
               <a:rPr lang="en-US" smtClean="0"/>
-              <a:t>36</a:t>
+              <a:t>38</a:t>
             </a:fld>
             <a:endParaRPr lang="en-US"/>
           </a:p>
@@ -2198,6 +2244,26 @@
           <a:bodyPr/>
           <a:lstStyle/>
           <a:p>
+            <a:r>
+              <a:rPr lang="en-US" dirty="0" smtClean="0"/>
+              <a:t>In this graph,</a:t>
+            </a:r>
+            <a:r>
+              <a:rPr lang="en-US" baseline="0" dirty="0" smtClean="0"/>
+              <a:t> I’ve split each vertical column into two.</a:t>
+            </a:r>
+          </a:p>
+          <a:p>
+            <a:r>
+              <a:rPr lang="en-US" baseline="0" dirty="0" smtClean="0"/>
+              <a:t>The left is the standard expected bounding box, but the right is expected number of bounding box intersection tests using a special traverser which always takes the correct path to a triangle hit if there is one. </a:t>
+            </a:r>
+          </a:p>
+          <a:p>
+            <a:r>
+              <a:rPr lang="en-US" baseline="0" dirty="0" smtClean="0"/>
+              <a:t>We call this the oracle traverser.</a:t>
+            </a:r>
             <a:endParaRPr lang="en-US" dirty="0"/>
           </a:p>
         </p:txBody>
@@ -2219,7 +2285,7 @@
           <a:p>
             <a:fld id="{D674814E-3B37-41B6-B818-E442EEBAD402}" type="slidenum">
               <a:rPr lang="en-US" smtClean="0"/>
-              <a:t>37</a:t>
+              <a:t>39</a:t>
             </a:fld>
             <a:endParaRPr lang="en-US"/>
           </a:p>
@@ -11285,7 +11351,9 @@
           </a:xfrm>
         </p:spPr>
         <p:txBody>
-          <a:bodyPr/>
+          <a:bodyPr>
+            <a:normAutofit fontScale="92500" lnSpcReduction="20000"/>
+          </a:bodyPr>
           <a:lstStyle/>
           <a:p>
             <a:pPr marL="0" indent="0" algn="ctr">
@@ -11294,6 +11362,15 @@
             <a:r>
               <a:rPr lang="en-US" dirty="0" smtClean="0"/>
               <a:t>Use information about the rays in the build process.</a:t>
+            </a:r>
+          </a:p>
+          <a:p>
+            <a:pPr marL="0" indent="0" algn="ctr">
+              <a:buNone/>
+            </a:pPr>
+            <a:r>
+              <a:rPr lang="en-US" dirty="0" smtClean="0"/>
+              <a:t>(Today, we’re using the full set of rays as the prior.)</a:t>
             </a:r>
             <a:endParaRPr lang="en-US" dirty="0"/>
           </a:p>
@@ -18054,7 +18131,7 @@
             </a:pPr>
             <a:r>
               <a:rPr lang="en-US" dirty="0" smtClean="0"/>
-              <a:t>Building BVHs (in theory)</a:t>
+              <a:t>Building BVHs </a:t>
             </a:r>
           </a:p>
           <a:p>
@@ -18064,7 +18141,7 @@
             </a:pPr>
             <a:r>
               <a:rPr lang="en-US" dirty="0" smtClean="0"/>
-              <a:t>Building BVHs (in practice)</a:t>
+              <a:t>Results</a:t>
             </a:r>
           </a:p>
           <a:p>
@@ -21464,37 +21541,6 @@
                 </a:effectLst>
               </a:rPr>
               <a:t>Building BVHs</a:t>
-            </a:r>
-            <a:br>
-              <a:rPr lang="en-US" b="1" spc="150" dirty="0" smtClean="0">
-                <a:ln w="11430"/>
-                <a:solidFill>
-                  <a:srgbClr val="F8F8F8"/>
-                </a:solidFill>
-                <a:effectLst>
-                  <a:outerShdw blurRad="25400" algn="tl" rotWithShape="0">
-                    <a:srgbClr val="000000">
-                      <a:alpha val="43000"/>
-                    </a:srgbClr>
-                  </a:outerShdw>
-                </a:effectLst>
-              </a:rPr>
-            </a:br>
-            <a:r>
-              <a:rPr lang="en-US" b="1" spc="150" dirty="0" smtClean="0">
-                <a:ln w="11430"/>
-                <a:solidFill>
-                  <a:srgbClr val="F8F8F8"/>
-                </a:solidFill>
-                <a:effectLst>
-                  <a:outerShdw blurRad="25400" algn="tl" rotWithShape="0">
-                    <a:srgbClr val="000000">
-                      <a:alpha val="43000"/>
-                    </a:srgbClr>
-                  </a:outerShdw>
-                </a:effectLst>
-              </a:rPr>
-              <a:t>(in theory)</a:t>
             </a:r>
             <a:endParaRPr lang="en-US" b="1" spc="150" dirty="0">
               <a:ln w="11430"/>
@@ -23874,7 +23920,7 @@
             </a:r>
             <a:r>
               <a:rPr lang="en-US" sz="2800" dirty="0" smtClean="0"/>
-              <a:t>: Linear Splits in Each Dimension</a:t>
+              <a:t>: Linear splits in each dimension</a:t>
             </a:r>
             <a:endParaRPr lang="en-US" sz="2800" dirty="0"/>
           </a:p>
@@ -24646,7 +24692,7 @@
             </a:r>
             <a:r>
               <a:rPr lang="en-US" sz="2800" dirty="0" smtClean="0"/>
-              <a:t>: Linear Splits in Each Dimension</a:t>
+              <a:t>: Radial splits from a point</a:t>
             </a:r>
             <a:endParaRPr lang="en-US" sz="2800" dirty="0"/>
           </a:p>
@@ -25122,8 +25168,8 @@
         </p:nvSpPr>
         <p:spPr>
           <a:xfrm>
-            <a:off x="4367570" y="3352800"/>
-            <a:ext cx="433030" cy="457200"/>
+            <a:off x="3905760" y="2960616"/>
+            <a:ext cx="1275840" cy="1306584"/>
           </a:xfrm>
           <a:prstGeom prst="ellipse">
             <a:avLst/>
@@ -25169,8 +25215,8 @@
         </p:nvSpPr>
         <p:spPr>
           <a:xfrm>
-            <a:off x="3986570" y="2950822"/>
-            <a:ext cx="1195030" cy="1219200"/>
+            <a:off x="3448560" y="2503413"/>
+            <a:ext cx="2190240" cy="2220988"/>
           </a:xfrm>
           <a:prstGeom prst="ellipse">
             <a:avLst/>
@@ -25216,8 +25262,8 @@
         </p:nvSpPr>
         <p:spPr>
           <a:xfrm>
-            <a:off x="3433434" y="2404651"/>
-            <a:ext cx="2414230" cy="2327956"/>
+            <a:off x="2801405" y="1933895"/>
+            <a:ext cx="3484548" cy="3360025"/>
           </a:xfrm>
           <a:prstGeom prst="ellipse">
             <a:avLst/>
@@ -25257,61 +25303,14 @@
       </p:sp>
       <p:sp>
         <p:nvSpPr>
-          <p:cNvPr id="27" name="Oval 26"/>
-          <p:cNvSpPr/>
-          <p:nvPr/>
-        </p:nvSpPr>
-        <p:spPr>
-          <a:xfrm>
-            <a:off x="2949652" y="1929950"/>
-            <a:ext cx="3381793" cy="3260943"/>
-          </a:xfrm>
-          <a:prstGeom prst="ellipse">
-            <a:avLst/>
-          </a:prstGeom>
-          <a:noFill/>
-          <a:ln w="57150">
-            <a:solidFill>
-              <a:schemeClr val="tx1"/>
-            </a:solidFill>
-            <a:prstDash val="sysDash"/>
-          </a:ln>
-        </p:spPr>
-        <p:style>
-          <a:lnRef idx="2">
-            <a:schemeClr val="accent1">
-              <a:shade val="50000"/>
-            </a:schemeClr>
-          </a:lnRef>
-          <a:fillRef idx="1">
-            <a:schemeClr val="accent1"/>
-          </a:fillRef>
-          <a:effectRef idx="0">
-            <a:schemeClr val="accent1"/>
-          </a:effectRef>
-          <a:fontRef idx="minor">
-            <a:schemeClr val="lt1"/>
-          </a:fontRef>
-        </p:style>
-        <p:txBody>
-          <a:bodyPr rtlCol="0" anchor="ctr"/>
-          <a:lstStyle/>
-          <a:p>
-            <a:pPr algn="ctr"/>
-            <a:endParaRPr lang="en-US"/>
-          </a:p>
-        </p:txBody>
-      </p:sp>
-      <p:sp>
-        <p:nvSpPr>
           <p:cNvPr id="28" name="Oval 27"/>
           <p:cNvSpPr/>
           <p:nvPr/>
         </p:nvSpPr>
         <p:spPr>
           <a:xfrm>
-            <a:off x="2342638" y="1343852"/>
-            <a:ext cx="4482894" cy="4322695"/>
+            <a:off x="2119732" y="1284217"/>
+            <a:ext cx="4847896" cy="4659384"/>
           </a:xfrm>
           <a:prstGeom prst="ellipse">
             <a:avLst/>
@@ -25577,7 +25576,7 @@
           <a:p>
             <a:r>
               <a:rPr lang="en-US" dirty="0" smtClean="0"/>
-              <a:t>Scoring Partitions: SAH in detail.</a:t>
+              <a:t>Scoring Partitions: SAM in detail.</a:t>
             </a:r>
             <a:endParaRPr lang="en-US" dirty="0"/>
           </a:p>
@@ -27491,7 +27490,7 @@
             </p:nvSpPr>
             <p:spPr>
               <a:xfrm>
-                <a:off x="961311" y="2209800"/>
+                <a:off x="1418511" y="2209800"/>
                 <a:ext cx="7344489" cy="903428"/>
               </a:xfrm>
               <a:prstGeom prst="rect">
@@ -27738,7 +27737,7 @@
             </p:nvSpPr>
             <p:spPr>
               <a:xfrm>
-                <a:off x="961311" y="2209800"/>
+                <a:off x="1418511" y="2209800"/>
                 <a:ext cx="7344489" cy="903428"/>
               </a:xfrm>
               <a:prstGeom prst="rect">
@@ -27776,7 +27775,7 @@
             </p:nvSpPr>
             <p:spPr>
               <a:xfrm>
-                <a:off x="1066800" y="4368225"/>
+                <a:off x="1676400" y="4368225"/>
                 <a:ext cx="7086600" cy="584775"/>
               </a:xfrm>
               <a:prstGeom prst="rect">
@@ -27929,7 +27928,7 @@
             </p:nvSpPr>
             <p:spPr>
               <a:xfrm>
-                <a:off x="1066800" y="4368225"/>
+                <a:off x="1676400" y="4368225"/>
                 <a:ext cx="7086600" cy="584775"/>
               </a:xfrm>
               <a:prstGeom prst="rect">
@@ -27965,7 +27964,7 @@
         </p:nvSpPr>
         <p:spPr>
           <a:xfrm>
-            <a:off x="4023955" y="3048000"/>
+            <a:off x="4495800" y="3048000"/>
             <a:ext cx="1219200" cy="1066800"/>
           </a:xfrm>
           <a:prstGeom prst="downArrow">
@@ -28098,6 +28097,158 @@
           </p:sp>
         </mc:Fallback>
       </mc:AlternateContent>
+      <p:sp>
+        <p:nvSpPr>
+          <p:cNvPr id="9" name="TextBox 8"/>
+          <p:cNvSpPr txBox="1"/>
+          <p:nvPr/>
+        </p:nvSpPr>
+        <p:spPr>
+          <a:xfrm rot="20306675">
+            <a:off x="846704" y="1891620"/>
+            <a:ext cx="2324847" cy="954107"/>
+          </a:xfrm>
+          <a:prstGeom prst="rect">
+            <a:avLst/>
+          </a:prstGeom>
+          <a:noFill/>
+        </p:spPr>
+        <p:txBody>
+          <a:bodyPr wrap="square" rtlCol="0">
+            <a:spAutoFit/>
+          </a:bodyPr>
+          <a:lstStyle/>
+          <a:p>
+            <a:r>
+              <a:rPr lang="en-US" sz="2800" b="1" spc="50" dirty="0" smtClean="0">
+                <a:ln w="12700" cmpd="sng">
+                  <a:solidFill>
+                    <a:schemeClr val="accent6">
+                      <a:satMod val="120000"/>
+                      <a:shade val="80000"/>
+                    </a:schemeClr>
+                  </a:solidFill>
+                  <a:prstDash val="solid"/>
+                </a:ln>
+                <a:solidFill>
+                  <a:schemeClr val="accent6">
+                    <a:tint val="1000"/>
+                  </a:schemeClr>
+                </a:solidFill>
+                <a:effectLst>
+                  <a:glow rad="53100">
+                    <a:schemeClr val="accent6">
+                      <a:satMod val="180000"/>
+                      <a:alpha val="30000"/>
+                    </a:schemeClr>
+                  </a:glow>
+                </a:effectLst>
+              </a:rPr>
+              <a:t>Surface Area Metric</a:t>
+            </a:r>
+            <a:endParaRPr lang="en-US" sz="2800" b="1" spc="50" dirty="0">
+              <a:ln w="12700" cmpd="sng">
+                <a:solidFill>
+                  <a:schemeClr val="accent6">
+                    <a:satMod val="120000"/>
+                    <a:shade val="80000"/>
+                  </a:schemeClr>
+                </a:solidFill>
+                <a:prstDash val="solid"/>
+              </a:ln>
+              <a:solidFill>
+                <a:schemeClr val="accent6">
+                  <a:tint val="1000"/>
+                </a:schemeClr>
+              </a:solidFill>
+              <a:effectLst>
+                <a:glow rad="53100">
+                  <a:schemeClr val="accent6">
+                    <a:satMod val="180000"/>
+                    <a:alpha val="30000"/>
+                  </a:schemeClr>
+                </a:glow>
+              </a:effectLst>
+            </a:endParaRPr>
+          </a:p>
+        </p:txBody>
+      </p:sp>
+      <p:sp>
+        <p:nvSpPr>
+          <p:cNvPr id="10" name="TextBox 9"/>
+          <p:cNvSpPr txBox="1"/>
+          <p:nvPr/>
+        </p:nvSpPr>
+        <p:spPr>
+          <a:xfrm rot="20269323">
+            <a:off x="313303" y="3891171"/>
+            <a:ext cx="2324847" cy="954107"/>
+          </a:xfrm>
+          <a:prstGeom prst="rect">
+            <a:avLst/>
+          </a:prstGeom>
+          <a:noFill/>
+        </p:spPr>
+        <p:txBody>
+          <a:bodyPr wrap="square" rtlCol="0">
+            <a:spAutoFit/>
+          </a:bodyPr>
+          <a:lstStyle/>
+          <a:p>
+            <a:r>
+              <a:rPr lang="en-US" sz="2800" b="1" spc="50" dirty="0" smtClean="0">
+                <a:ln w="12700" cmpd="sng">
+                  <a:solidFill>
+                    <a:schemeClr val="accent6">
+                      <a:satMod val="120000"/>
+                      <a:shade val="80000"/>
+                    </a:schemeClr>
+                  </a:solidFill>
+                  <a:prstDash val="solid"/>
+                </a:ln>
+                <a:solidFill>
+                  <a:schemeClr val="accent6">
+                    <a:tint val="1000"/>
+                  </a:schemeClr>
+                </a:solidFill>
+                <a:effectLst>
+                  <a:glow rad="53100">
+                    <a:schemeClr val="accent6">
+                      <a:satMod val="180000"/>
+                      <a:alpha val="30000"/>
+                    </a:schemeClr>
+                  </a:glow>
+                </a:effectLst>
+              </a:rPr>
+              <a:t>Surface Area Heuristic</a:t>
+            </a:r>
+            <a:endParaRPr lang="en-US" sz="2800" b="1" spc="50" dirty="0">
+              <a:ln w="12700" cmpd="sng">
+                <a:solidFill>
+                  <a:schemeClr val="accent6">
+                    <a:satMod val="120000"/>
+                    <a:shade val="80000"/>
+                  </a:schemeClr>
+                </a:solidFill>
+                <a:prstDash val="solid"/>
+              </a:ln>
+              <a:solidFill>
+                <a:schemeClr val="accent6">
+                  <a:tint val="1000"/>
+                </a:schemeClr>
+              </a:solidFill>
+              <a:effectLst>
+                <a:glow rad="53100">
+                  <a:schemeClr val="accent6">
+                    <a:satMod val="180000"/>
+                    <a:alpha val="30000"/>
+                  </a:schemeClr>
+                </a:glow>
+              </a:effectLst>
+            </a:endParaRPr>
+          </a:p>
+        </p:txBody>
+      </p:sp>
     </p:spTree>
     <p:extLst>
       <p:ext uri="{BB962C8B-B14F-4D97-AF65-F5344CB8AC3E}">
@@ -28154,7 +28305,7 @@
           <a:p>
             <a:r>
               <a:rPr lang="en-US" dirty="0" smtClean="0"/>
-              <a:t>Scoring Partitions: SRDH in detail.</a:t>
+              <a:t>Scoring Partitions: SRDM in detail.</a:t>
             </a:r>
             <a:endParaRPr lang="en-US" dirty="0"/>
           </a:p>
@@ -30004,17 +30155,49 @@
           <a:p>
             <a:r>
               <a:rPr lang="en-US" sz="3200" dirty="0" smtClean="0"/>
-              <a:t>The true cost of a </a:t>
-            </a:r>
-            <a:r>
-              <a:rPr lang="en-US" sz="3200" dirty="0" err="1" smtClean="0"/>
-              <a:t>subtree</a:t>
-            </a:r>
-            <a:r>
-              <a:rPr lang="en-US" sz="3200" dirty="0" smtClean="0"/>
-              <a:t> cannot be known.  We must estimate score with a heuristic.</a:t>
+              <a:t>As before, we need to estimate SRDM</a:t>
             </a:r>
             <a:endParaRPr lang="en-US" sz="3200" dirty="0"/>
+          </a:p>
+        </p:txBody>
+      </p:sp>
+      <p:sp>
+        <p:nvSpPr>
+          <p:cNvPr id="7" name="Down Arrow 6"/>
+          <p:cNvSpPr/>
+          <p:nvPr/>
+        </p:nvSpPr>
+        <p:spPr>
+          <a:xfrm>
+            <a:off x="5105400" y="3048000"/>
+            <a:ext cx="1219200" cy="1066800"/>
+          </a:xfrm>
+          <a:prstGeom prst="downArrow">
+            <a:avLst/>
+          </a:prstGeom>
+        </p:spPr>
+        <p:style>
+          <a:lnRef idx="2">
+            <a:schemeClr val="accent2">
+              <a:shade val="50000"/>
+            </a:schemeClr>
+          </a:lnRef>
+          <a:fillRef idx="1">
+            <a:schemeClr val="accent2"/>
+          </a:fillRef>
+          <a:effectRef idx="0">
+            <a:schemeClr val="accent2"/>
+          </a:effectRef>
+          <a:fontRef idx="minor">
+            <a:schemeClr val="lt1"/>
+          </a:fontRef>
+        </p:style>
+        <p:txBody>
+          <a:bodyPr rtlCol="0" anchor="ctr"/>
+          <a:lstStyle/>
+          <a:p>
+            <a:pPr algn="ctr"/>
+            <a:endParaRPr lang="en-US"/>
           </a:p>
         </p:txBody>
       </p:sp>
@@ -30022,7 +30205,184 @@
         <mc:Choice xmlns:a14="http://schemas.microsoft.com/office/drawing/2010/main" Requires="a14">
           <p:sp>
             <p:nvSpPr>
-              <p:cNvPr id="5" name="Subtitle 2"/>
+              <p:cNvPr id="8" name="TextBox 7"/>
+              <p:cNvSpPr txBox="1"/>
+              <p:nvPr/>
+            </p:nvSpPr>
+            <p:spPr>
+              <a:xfrm>
+                <a:off x="1524000" y="6006260"/>
+                <a:ext cx="4724400" cy="369332"/>
+              </a:xfrm>
+              <a:prstGeom prst="rect">
+                <a:avLst/>
+              </a:prstGeom>
+              <a:noFill/>
+            </p:spPr>
+            <p:txBody>
+              <a:bodyPr wrap="square" rtlCol="0">
+                <a:spAutoFit/>
+              </a:bodyPr>
+              <a:lstStyle/>
+              <a:p>
+                <a14:m>
+                  <m:oMath xmlns:m="http://schemas.openxmlformats.org/officeDocument/2006/math">
+                    <m:d>
+                      <m:dPr>
+                        <m:begChr m:val="|"/>
+                        <m:endChr m:val="|"/>
+                        <m:ctrlPr>
+                          <a:rPr lang="en-US" b="0" i="1" smtClean="0">
+                            <a:latin typeface="Cambria Math"/>
+                          </a:rPr>
+                        </m:ctrlPr>
+                      </m:dPr>
+                      <m:e>
+                        <m:r>
+                          <a:rPr lang="en-US" b="0" i="1" smtClean="0">
+                            <a:latin typeface="Cambria Math"/>
+                          </a:rPr>
+                          <m:t>𝐴</m:t>
+                        </m:r>
+                      </m:e>
+                    </m:d>
+                    <m:r>
+                      <a:rPr lang="en-US" b="0" i="1" smtClean="0">
+                        <a:latin typeface="Cambria Math"/>
+                      </a:rPr>
+                      <m:t>= </m:t>
+                    </m:r>
+                  </m:oMath>
+                </a14:m>
+                <a:r>
+                  <a:rPr lang="en-US" dirty="0" smtClean="0"/>
+                  <a:t>Number of Leaves in A</a:t>
+                </a:r>
+                <a:endParaRPr lang="en-US" dirty="0"/>
+              </a:p>
+            </p:txBody>
+          </p:sp>
+        </mc:Choice>
+        <mc:Fallback>
+          <p:sp>
+            <p:nvSpPr>
+              <p:cNvPr id="8" name="TextBox 7"/>
+              <p:cNvSpPr txBox="1">
+                <a:spLocks noRot="1" noChangeAspect="1" noMove="1" noResize="1" noEditPoints="1" noAdjustHandles="1" noChangeArrowheads="1" noChangeShapeType="1" noTextEdit="1"/>
+              </p:cNvSpPr>
+              <p:nvPr/>
+            </p:nvSpPr>
+            <p:spPr>
+              <a:xfrm>
+                <a:off x="1524000" y="6006260"/>
+                <a:ext cx="4724400" cy="369332"/>
+              </a:xfrm>
+              <a:prstGeom prst="rect">
+                <a:avLst/>
+              </a:prstGeom>
+              <a:blipFill rotWithShape="1">
+                <a:blip r:embed="rId2"/>
+                <a:stretch>
+                  <a:fillRect t="-8197" b="-24590"/>
+                </a:stretch>
+              </a:blipFill>
+            </p:spPr>
+            <p:txBody>
+              <a:bodyPr/>
+              <a:lstStyle/>
+              <a:p>
+                <a:r>
+                  <a:rPr lang="en-US">
+                    <a:noFill/>
+                  </a:rPr>
+                  <a:t> </a:t>
+                </a:r>
+              </a:p>
+            </p:txBody>
+          </p:sp>
+        </mc:Fallback>
+      </mc:AlternateContent>
+      <p:sp>
+        <p:nvSpPr>
+          <p:cNvPr id="9" name="TextBox 8"/>
+          <p:cNvSpPr txBox="1"/>
+          <p:nvPr/>
+        </p:nvSpPr>
+        <p:spPr>
+          <a:xfrm rot="20306675">
+            <a:off x="305719" y="1397109"/>
+            <a:ext cx="2891336" cy="1384995"/>
+          </a:xfrm>
+          <a:prstGeom prst="rect">
+            <a:avLst/>
+          </a:prstGeom>
+          <a:noFill/>
+        </p:spPr>
+        <p:txBody>
+          <a:bodyPr wrap="square" rtlCol="0">
+            <a:spAutoFit/>
+          </a:bodyPr>
+          <a:lstStyle/>
+          <a:p>
+            <a:r>
+              <a:rPr lang="en-US" sz="2800" b="1" spc="50" dirty="0" smtClean="0">
+                <a:ln w="12700" cmpd="sng">
+                  <a:solidFill>
+                    <a:schemeClr val="accent6">
+                      <a:satMod val="120000"/>
+                      <a:shade val="80000"/>
+                    </a:schemeClr>
+                  </a:solidFill>
+                  <a:prstDash val="solid"/>
+                </a:ln>
+                <a:solidFill>
+                  <a:schemeClr val="accent6">
+                    <a:tint val="1000"/>
+                  </a:schemeClr>
+                </a:solidFill>
+                <a:effectLst>
+                  <a:glow rad="53100">
+                    <a:schemeClr val="accent6">
+                      <a:satMod val="180000"/>
+                      <a:alpha val="30000"/>
+                    </a:schemeClr>
+                  </a:glow>
+                </a:effectLst>
+              </a:rPr>
+              <a:t>Shadow Ray Distribution Metric</a:t>
+            </a:r>
+            <a:endParaRPr lang="en-US" sz="2800" b="1" spc="50" dirty="0">
+              <a:ln w="12700" cmpd="sng">
+                <a:solidFill>
+                  <a:schemeClr val="accent6">
+                    <a:satMod val="120000"/>
+                    <a:shade val="80000"/>
+                  </a:schemeClr>
+                </a:solidFill>
+                <a:prstDash val="solid"/>
+              </a:ln>
+              <a:solidFill>
+                <a:schemeClr val="accent6">
+                  <a:tint val="1000"/>
+                </a:schemeClr>
+              </a:solidFill>
+              <a:effectLst>
+                <a:glow rad="53100">
+                  <a:schemeClr val="accent6">
+                    <a:satMod val="180000"/>
+                    <a:alpha val="30000"/>
+                  </a:schemeClr>
+                </a:glow>
+              </a:effectLst>
+            </a:endParaRPr>
+          </a:p>
+        </p:txBody>
+      </p:sp>
+      <mc:AlternateContent xmlns:mc="http://schemas.openxmlformats.org/markup-compatibility/2006">
+        <mc:Choice xmlns:a14="http://schemas.microsoft.com/office/drawing/2010/main" Requires="a14">
+          <p:sp>
+            <p:nvSpPr>
+              <p:cNvPr id="10" name="Subtitle 2"/>
               <p:cNvSpPr txBox="1">
                 <a:spLocks/>
               </p:cNvSpPr>
@@ -30030,8 +30390,8 @@
             </p:nvSpPr>
             <p:spPr>
               <a:xfrm>
-                <a:off x="961311" y="2209800"/>
-                <a:ext cx="7344489" cy="903428"/>
+                <a:off x="2104311" y="2144572"/>
+                <a:ext cx="6963489" cy="903428"/>
               </a:xfrm>
               <a:prstGeom prst="rect">
                 <a:avLst/>
@@ -30039,7 +30399,7 @@
             </p:spPr>
             <p:txBody>
               <a:bodyPr vert="horz" lIns="91440" tIns="45720" rIns="91440" bIns="45720" rtlCol="0">
-                <a:normAutofit/>
+                <a:normAutofit fontScale="77500" lnSpcReduction="20000"/>
               </a:bodyPr>
               <a:lstStyle>
                 <a:lvl1pPr marL="342900" indent="-342900" algn="l" defTabSz="914400" rtl="0" eaLnBrk="1" latinLnBrk="0" hangingPunct="1">
@@ -30200,14 +30560,869 @@
                         </a:rPr>
                         <m:t>=</m:t>
                       </m:r>
+                      <m:d>
+                        <m:dPr>
+                          <m:ctrlPr>
+                            <a:rPr lang="en-US" b="0" i="1" smtClean="0">
+                              <a:latin typeface="Cambria Math"/>
+                            </a:rPr>
+                          </m:ctrlPr>
+                        </m:dPr>
+                        <m:e>
+                          <m:sSub>
+                            <m:sSubPr>
+                              <m:ctrlPr>
+                                <a:rPr lang="en-US" b="0" i="1" smtClean="0">
+                                  <a:latin typeface="Cambria Math"/>
+                                </a:rPr>
+                              </m:ctrlPr>
+                            </m:sSubPr>
+                            <m:e>
+                              <m:r>
+                                <a:rPr lang="en-US" b="0" i="1" smtClean="0">
+                                  <a:latin typeface="Cambria Math"/>
+                                </a:rPr>
+                                <m:t>𝑝</m:t>
+                              </m:r>
+                            </m:e>
+                            <m:sub>
+                              <m:r>
+                                <a:rPr lang="en-US" b="0" i="1" smtClean="0">
+                                  <a:latin typeface="Cambria Math"/>
+                                </a:rPr>
+                                <m:t>𝑁</m:t>
+                              </m:r>
+                            </m:sub>
+                          </m:sSub>
+                          <m:r>
+                            <a:rPr lang="en-US" i="1">
+                              <a:latin typeface="Cambria Math"/>
+                            </a:rPr>
+                            <m:t>𝐻</m:t>
+                          </m:r>
+                          <m:d>
+                            <m:dPr>
+                              <m:ctrlPr>
+                                <a:rPr lang="en-US" i="1">
+                                  <a:latin typeface="Cambria Math"/>
+                                </a:rPr>
+                              </m:ctrlPr>
+                            </m:dPr>
+                            <m:e>
+                              <m:r>
+                                <a:rPr lang="en-US" b="0" i="1" smtClean="0">
+                                  <a:latin typeface="Cambria Math"/>
+                                </a:rPr>
+                                <m:t>𝐵</m:t>
+                              </m:r>
+                              <m:r>
+                                <a:rPr lang="en-US" b="0" i="1" smtClean="0">
+                                  <a:latin typeface="Cambria Math"/>
+                                </a:rPr>
+                                <m:t>,</m:t>
+                              </m:r>
+                              <m:r>
+                                <a:rPr lang="en-US" b="0" i="1" smtClean="0">
+                                  <a:latin typeface="Cambria Math"/>
+                                </a:rPr>
+                                <m:t>𝑟</m:t>
+                              </m:r>
+                            </m:e>
+                          </m:d>
+                          <m:r>
+                            <a:rPr lang="en-US" b="0" i="1" smtClean="0">
+                              <a:latin typeface="Cambria Math"/>
+                            </a:rPr>
+                            <m:t>+</m:t>
+                          </m:r>
+                          <m:r>
+                            <a:rPr lang="en-US" b="0" i="1" smtClean="0">
+                              <a:latin typeface="Cambria Math"/>
+                            </a:rPr>
+                            <m:t>𝐹</m:t>
+                          </m:r>
+                          <m:d>
+                            <m:dPr>
+                              <m:ctrlPr>
+                                <a:rPr lang="en-US" b="0" i="1" smtClean="0">
+                                  <a:latin typeface="Cambria Math"/>
+                                </a:rPr>
+                              </m:ctrlPr>
+                            </m:dPr>
+                            <m:e>
+                              <m:r>
+                                <a:rPr lang="en-US" b="0" i="1" smtClean="0">
+                                  <a:latin typeface="Cambria Math"/>
+                                </a:rPr>
+                                <m:t>𝐵</m:t>
+                              </m:r>
+                              <m:r>
+                                <a:rPr lang="en-US" b="0" i="1" smtClean="0">
+                                  <a:latin typeface="Cambria Math"/>
+                                </a:rPr>
+                                <m:t>,</m:t>
+                              </m:r>
+                              <m:r>
+                                <a:rPr lang="en-US" b="0" i="1" smtClean="0">
+                                  <a:latin typeface="Cambria Math"/>
+                                </a:rPr>
+                                <m:t>𝑟</m:t>
+                              </m:r>
+                            </m:e>
+                          </m:d>
+                          <m:r>
+                            <a:rPr lang="en-US" b="0" i="1" smtClean="0">
+                              <a:latin typeface="Cambria Math"/>
+                            </a:rPr>
+                            <m:t>+</m:t>
+                          </m:r>
+                          <m:r>
+                            <a:rPr lang="en-US" b="0" i="1" smtClean="0">
+                              <a:latin typeface="Cambria Math"/>
+                            </a:rPr>
+                            <m:t>𝑀</m:t>
+                          </m:r>
+                          <m:d>
+                            <m:dPr>
+                              <m:ctrlPr>
+                                <a:rPr lang="en-US" i="1">
+                                  <a:latin typeface="Cambria Math"/>
+                                </a:rPr>
+                              </m:ctrlPr>
+                            </m:dPr>
+                            <m:e>
+                              <m:r>
+                                <a:rPr lang="en-US" b="0" i="1" smtClean="0">
+                                  <a:latin typeface="Cambria Math"/>
+                                </a:rPr>
+                                <m:t>𝐵</m:t>
+                              </m:r>
+                              <m:r>
+                                <a:rPr lang="en-US" i="1">
+                                  <a:latin typeface="Cambria Math"/>
+                                </a:rPr>
+                                <m:t>,</m:t>
+                              </m:r>
+                              <m:r>
+                                <a:rPr lang="en-US" i="1">
+                                  <a:latin typeface="Cambria Math"/>
+                                </a:rPr>
+                                <m:t>𝑟</m:t>
+                              </m:r>
+                            </m:e>
+                          </m:d>
+                        </m:e>
+                      </m:d>
+                      <m:r>
+                        <a:rPr lang="en-US" b="0" i="1" smtClean="0">
+                          <a:latin typeface="Cambria Math"/>
+                        </a:rPr>
+                        <m:t>𝐶</m:t>
+                      </m:r>
+                      <m:d>
+                        <m:dPr>
+                          <m:ctrlPr>
+                            <a:rPr lang="en-US" b="0" i="1" smtClean="0">
+                              <a:latin typeface="Cambria Math"/>
+                            </a:rPr>
+                          </m:ctrlPr>
+                        </m:dPr>
+                        <m:e>
+                          <m:r>
+                            <a:rPr lang="en-US" b="0" i="1" smtClean="0">
+                              <a:latin typeface="Cambria Math"/>
+                            </a:rPr>
+                            <m:t>𝐴</m:t>
+                          </m:r>
+                          <m:r>
+                            <a:rPr lang="en-US" b="0" i="1" smtClean="0">
+                              <a:latin typeface="Cambria Math"/>
+                            </a:rPr>
+                            <m:t>,</m:t>
+                          </m:r>
+                          <m:r>
+                            <a:rPr lang="en-US" b="0" i="1" smtClean="0">
+                              <a:latin typeface="Cambria Math"/>
+                            </a:rPr>
+                            <m:t>𝑟</m:t>
+                          </m:r>
+                        </m:e>
+                      </m:d>
+                      <m:r>
+                        <a:rPr lang="en-US" b="0" i="1" smtClean="0">
+                          <a:latin typeface="Cambria Math"/>
+                        </a:rPr>
+                        <m:t>+</m:t>
+                      </m:r>
+                      <m:d>
+                        <m:dPr>
+                          <m:ctrlPr>
+                            <a:rPr lang="en-US" i="1">
+                              <a:latin typeface="Cambria Math"/>
+                            </a:rPr>
+                          </m:ctrlPr>
+                        </m:dPr>
+                        <m:e>
+                          <m:sSub>
+                            <m:sSubPr>
+                              <m:ctrlPr>
+                                <a:rPr lang="en-US" i="1">
+                                  <a:latin typeface="Cambria Math"/>
+                                </a:rPr>
+                              </m:ctrlPr>
+                            </m:sSubPr>
+                            <m:e>
+                              <m:r>
+                                <a:rPr lang="en-US" b="0" i="1" smtClean="0">
+                                  <a:latin typeface="Cambria Math"/>
+                                </a:rPr>
+                                <m:t>𝑞</m:t>
+                              </m:r>
+                            </m:e>
+                            <m:sub>
+                              <m:r>
+                                <a:rPr lang="en-US" i="1">
+                                  <a:latin typeface="Cambria Math"/>
+                                </a:rPr>
+                                <m:t>𝑁</m:t>
+                              </m:r>
+                            </m:sub>
+                          </m:sSub>
+                          <m:r>
+                            <a:rPr lang="en-US" i="1">
+                              <a:latin typeface="Cambria Math"/>
+                            </a:rPr>
+                            <m:t>𝐻</m:t>
+                          </m:r>
+                          <m:d>
+                            <m:dPr>
+                              <m:ctrlPr>
+                                <a:rPr lang="en-US" i="1">
+                                  <a:latin typeface="Cambria Math"/>
+                                </a:rPr>
+                              </m:ctrlPr>
+                            </m:dPr>
+                            <m:e>
+                              <m:r>
+                                <a:rPr lang="en-US" b="0" i="1" smtClean="0">
+                                  <a:latin typeface="Cambria Math"/>
+                                </a:rPr>
+                                <m:t>𝐴</m:t>
+                              </m:r>
+                              <m:r>
+                                <a:rPr lang="en-US" i="1">
+                                  <a:latin typeface="Cambria Math"/>
+                                </a:rPr>
+                                <m:t>,</m:t>
+                              </m:r>
+                              <m:r>
+                                <a:rPr lang="en-US" i="1">
+                                  <a:latin typeface="Cambria Math"/>
+                                </a:rPr>
+                                <m:t>𝑟</m:t>
+                              </m:r>
+                            </m:e>
+                          </m:d>
+                          <m:r>
+                            <a:rPr lang="en-US" i="1">
+                              <a:latin typeface="Cambria Math"/>
+                            </a:rPr>
+                            <m:t>+</m:t>
+                          </m:r>
+                          <m:r>
+                            <a:rPr lang="en-US" i="1">
+                              <a:latin typeface="Cambria Math"/>
+                            </a:rPr>
+                            <m:t>𝐹</m:t>
+                          </m:r>
+                          <m:d>
+                            <m:dPr>
+                              <m:ctrlPr>
+                                <a:rPr lang="en-US" i="1">
+                                  <a:latin typeface="Cambria Math"/>
+                                </a:rPr>
+                              </m:ctrlPr>
+                            </m:dPr>
+                            <m:e>
+                              <m:r>
+                                <a:rPr lang="en-US" b="0" i="1" smtClean="0">
+                                  <a:latin typeface="Cambria Math"/>
+                                </a:rPr>
+                                <m:t>𝐴</m:t>
+                              </m:r>
+                              <m:r>
+                                <a:rPr lang="en-US" i="1">
+                                  <a:latin typeface="Cambria Math"/>
+                                </a:rPr>
+                                <m:t>,</m:t>
+                              </m:r>
+                              <m:r>
+                                <a:rPr lang="en-US" i="1">
+                                  <a:latin typeface="Cambria Math"/>
+                                </a:rPr>
+                                <m:t>𝑟</m:t>
+                              </m:r>
+                            </m:e>
+                          </m:d>
+                          <m:r>
+                            <a:rPr lang="en-US" i="1">
+                              <a:latin typeface="Cambria Math"/>
+                            </a:rPr>
+                            <m:t>+</m:t>
+                          </m:r>
+                          <m:r>
+                            <a:rPr lang="en-US" i="1">
+                              <a:latin typeface="Cambria Math"/>
+                            </a:rPr>
+                            <m:t>𝑀</m:t>
+                          </m:r>
+                          <m:d>
+                            <m:dPr>
+                              <m:ctrlPr>
+                                <a:rPr lang="en-US" i="1">
+                                  <a:latin typeface="Cambria Math"/>
+                                </a:rPr>
+                              </m:ctrlPr>
+                            </m:dPr>
+                            <m:e>
+                              <m:r>
+                                <a:rPr lang="en-US" b="0" i="1" smtClean="0">
+                                  <a:latin typeface="Cambria Math"/>
+                                </a:rPr>
+                                <m:t>𝐴</m:t>
+                              </m:r>
+                              <m:r>
+                                <a:rPr lang="en-US" i="1">
+                                  <a:latin typeface="Cambria Math"/>
+                                </a:rPr>
+                                <m:t>,</m:t>
+                              </m:r>
+                              <m:r>
+                                <a:rPr lang="en-US" i="1">
+                                  <a:latin typeface="Cambria Math"/>
+                                </a:rPr>
+                                <m:t>𝑟</m:t>
+                              </m:r>
+                            </m:e>
+                          </m:d>
+                        </m:e>
+                      </m:d>
                       <m:r>
                         <a:rPr lang="en-US" i="1">
                           <a:latin typeface="Cambria Math"/>
                         </a:rPr>
                         <m:t>𝐶</m:t>
                       </m:r>
+                      <m:r>
+                        <a:rPr lang="en-US" i="1">
+                          <a:latin typeface="Cambria Math"/>
+                        </a:rPr>
+                        <m:t>(</m:t>
+                      </m:r>
+                      <m:r>
+                        <a:rPr lang="en-US" b="0" i="1" smtClean="0">
+                          <a:latin typeface="Cambria Math"/>
+                        </a:rPr>
+                        <m:t>𝐵</m:t>
+                      </m:r>
+                      <m:r>
+                        <a:rPr lang="en-US" i="1">
+                          <a:latin typeface="Cambria Math"/>
+                        </a:rPr>
+                        <m:t>,</m:t>
+                      </m:r>
+                      <m:r>
+                        <a:rPr lang="en-US" i="1">
+                          <a:latin typeface="Cambria Math"/>
+                        </a:rPr>
+                        <m:t>𝑟</m:t>
+                      </m:r>
+                      <m:r>
+                        <a:rPr lang="en-US" i="1">
+                          <a:latin typeface="Cambria Math"/>
+                        </a:rPr>
+                        <m:t>)</m:t>
+                      </m:r>
+                    </m:oMath>
+                  </m:oMathPara>
+                </a14:m>
+                <a:endParaRPr lang="en-US" dirty="0"/>
+              </a:p>
+              <a:p>
+                <a:pPr marL="0" indent="0">
+                  <a:buNone/>
+                </a:pPr>
+                <a:endParaRPr lang="en-US" dirty="0"/>
+              </a:p>
+            </p:txBody>
+          </p:sp>
+        </mc:Choice>
+        <mc:Fallback>
+          <p:sp>
+            <p:nvSpPr>
+              <p:cNvPr id="10" name="Subtitle 2"/>
+              <p:cNvSpPr txBox="1">
+                <a:spLocks noRot="1" noChangeAspect="1" noMove="1" noResize="1" noEditPoints="1" noAdjustHandles="1" noChangeArrowheads="1" noChangeShapeType="1" noTextEdit="1"/>
+              </p:cNvSpPr>
+              <p:nvPr/>
+            </p:nvSpPr>
+            <p:spPr>
+              <a:xfrm>
+                <a:off x="2104311" y="2144572"/>
+                <a:ext cx="6963489" cy="903428"/>
+              </a:xfrm>
+              <a:prstGeom prst="rect">
+                <a:avLst/>
+              </a:prstGeom>
+              <a:blipFill rotWithShape="1">
+                <a:blip r:embed="rId3"/>
+                <a:stretch>
+                  <a:fillRect b="-3378"/>
+                </a:stretch>
+              </a:blipFill>
+            </p:spPr>
+            <p:txBody>
+              <a:bodyPr/>
+              <a:lstStyle/>
+              <a:p>
+                <a:r>
+                  <a:rPr lang="en-US">
+                    <a:noFill/>
+                  </a:rPr>
+                  <a:t> </a:t>
+                </a:r>
+              </a:p>
+            </p:txBody>
+          </p:sp>
+        </mc:Fallback>
+      </mc:AlternateContent>
+      <mc:AlternateContent xmlns:mc="http://schemas.openxmlformats.org/markup-compatibility/2006">
+        <mc:Choice xmlns:a14="http://schemas.microsoft.com/office/drawing/2010/main" Requires="a14">
+          <p:sp>
+            <p:nvSpPr>
+              <p:cNvPr id="11" name="Subtitle 2"/>
+              <p:cNvSpPr txBox="1">
+                <a:spLocks/>
+              </p:cNvSpPr>
+              <p:nvPr/>
+            </p:nvSpPr>
+            <p:spPr>
+              <a:xfrm>
+                <a:off x="1951911" y="4191000"/>
+                <a:ext cx="6963489" cy="903428"/>
+              </a:xfrm>
+              <a:prstGeom prst="rect">
+                <a:avLst/>
+              </a:prstGeom>
+            </p:spPr>
+            <p:txBody>
+              <a:bodyPr vert="horz" lIns="91440" tIns="45720" rIns="91440" bIns="45720" rtlCol="0">
+                <a:normAutofit fontScale="55000" lnSpcReduction="20000"/>
+              </a:bodyPr>
+              <a:lstStyle>
+                <a:lvl1pPr marL="342900" indent="-342900" algn="l" defTabSz="914400" rtl="0" eaLnBrk="1" latinLnBrk="0" hangingPunct="1">
+                  <a:spcBef>
+                    <a:spcPct val="20000"/>
+                  </a:spcBef>
+                  <a:buFont typeface="Arial" pitchFamily="34" charset="0"/>
+                  <a:buChar char="•"/>
+                  <a:defRPr sz="3200" kern="1200">
+                    <a:solidFill>
+                      <a:schemeClr val="tx1"/>
+                    </a:solidFill>
+                    <a:latin typeface="+mn-lt"/>
+                    <a:ea typeface="+mn-ea"/>
+                    <a:cs typeface="+mn-cs"/>
+                  </a:defRPr>
+                </a:lvl1pPr>
+                <a:lvl2pPr marL="742950" indent="-285750" algn="l" defTabSz="914400" rtl="0" eaLnBrk="1" latinLnBrk="0" hangingPunct="1">
+                  <a:spcBef>
+                    <a:spcPct val="20000"/>
+                  </a:spcBef>
+                  <a:buFont typeface="Arial" pitchFamily="34" charset="0"/>
+                  <a:buChar char="–"/>
+                  <a:defRPr sz="2800" kern="1200">
+                    <a:solidFill>
+                      <a:schemeClr val="tx1"/>
+                    </a:solidFill>
+                    <a:latin typeface="+mn-lt"/>
+                    <a:ea typeface="+mn-ea"/>
+                    <a:cs typeface="+mn-cs"/>
+                  </a:defRPr>
+                </a:lvl2pPr>
+                <a:lvl3pPr marL="1143000" indent="-228600" algn="l" defTabSz="914400" rtl="0" eaLnBrk="1" latinLnBrk="0" hangingPunct="1">
+                  <a:spcBef>
+                    <a:spcPct val="20000"/>
+                  </a:spcBef>
+                  <a:buFont typeface="Arial" pitchFamily="34" charset="0"/>
+                  <a:buChar char="•"/>
+                  <a:defRPr sz="2400" kern="1200">
+                    <a:solidFill>
+                      <a:schemeClr val="tx1"/>
+                    </a:solidFill>
+                    <a:latin typeface="+mn-lt"/>
+                    <a:ea typeface="+mn-ea"/>
+                    <a:cs typeface="+mn-cs"/>
+                  </a:defRPr>
+                </a:lvl3pPr>
+                <a:lvl4pPr marL="1600200" indent="-228600" algn="l" defTabSz="914400" rtl="0" eaLnBrk="1" latinLnBrk="0" hangingPunct="1">
+                  <a:spcBef>
+                    <a:spcPct val="20000"/>
+                  </a:spcBef>
+                  <a:buFont typeface="Arial" pitchFamily="34" charset="0"/>
+                  <a:buChar char="–"/>
+                  <a:defRPr sz="2000" kern="1200">
+                    <a:solidFill>
+                      <a:schemeClr val="tx1"/>
+                    </a:solidFill>
+                    <a:latin typeface="+mn-lt"/>
+                    <a:ea typeface="+mn-ea"/>
+                    <a:cs typeface="+mn-cs"/>
+                  </a:defRPr>
+                </a:lvl4pPr>
+                <a:lvl5pPr marL="2057400" indent="-228600" algn="l" defTabSz="914400" rtl="0" eaLnBrk="1" latinLnBrk="0" hangingPunct="1">
+                  <a:spcBef>
+                    <a:spcPct val="20000"/>
+                  </a:spcBef>
+                  <a:buFont typeface="Arial" pitchFamily="34" charset="0"/>
+                  <a:buChar char="»"/>
+                  <a:defRPr sz="2000" kern="1200">
+                    <a:solidFill>
+                      <a:schemeClr val="tx1"/>
+                    </a:solidFill>
+                    <a:latin typeface="+mn-lt"/>
+                    <a:ea typeface="+mn-ea"/>
+                    <a:cs typeface="+mn-cs"/>
+                  </a:defRPr>
+                </a:lvl5pPr>
+                <a:lvl6pPr marL="2514600" indent="-228600" algn="l" defTabSz="914400" rtl="0" eaLnBrk="1" latinLnBrk="0" hangingPunct="1">
+                  <a:spcBef>
+                    <a:spcPct val="20000"/>
+                  </a:spcBef>
+                  <a:buFont typeface="Arial" pitchFamily="34" charset="0"/>
+                  <a:buChar char="•"/>
+                  <a:defRPr sz="2000" kern="1200">
+                    <a:solidFill>
+                      <a:schemeClr val="tx1"/>
+                    </a:solidFill>
+                    <a:latin typeface="+mn-lt"/>
+                    <a:ea typeface="+mn-ea"/>
+                    <a:cs typeface="+mn-cs"/>
+                  </a:defRPr>
+                </a:lvl6pPr>
+                <a:lvl7pPr marL="2971800" indent="-228600" algn="l" defTabSz="914400" rtl="0" eaLnBrk="1" latinLnBrk="0" hangingPunct="1">
+                  <a:spcBef>
+                    <a:spcPct val="20000"/>
+                  </a:spcBef>
+                  <a:buFont typeface="Arial" pitchFamily="34" charset="0"/>
+                  <a:buChar char="•"/>
+                  <a:defRPr sz="2000" kern="1200">
+                    <a:solidFill>
+                      <a:schemeClr val="tx1"/>
+                    </a:solidFill>
+                    <a:latin typeface="+mn-lt"/>
+                    <a:ea typeface="+mn-ea"/>
+                    <a:cs typeface="+mn-cs"/>
+                  </a:defRPr>
+                </a:lvl7pPr>
+                <a:lvl8pPr marL="3429000" indent="-228600" algn="l" defTabSz="914400" rtl="0" eaLnBrk="1" latinLnBrk="0" hangingPunct="1">
+                  <a:spcBef>
+                    <a:spcPct val="20000"/>
+                  </a:spcBef>
+                  <a:buFont typeface="Arial" pitchFamily="34" charset="0"/>
+                  <a:buChar char="•"/>
+                  <a:defRPr sz="2000" kern="1200">
+                    <a:solidFill>
+                      <a:schemeClr val="tx1"/>
+                    </a:solidFill>
+                    <a:latin typeface="+mn-lt"/>
+                    <a:ea typeface="+mn-ea"/>
+                    <a:cs typeface="+mn-cs"/>
+                  </a:defRPr>
+                </a:lvl8pPr>
+                <a:lvl9pPr marL="3886200" indent="-228600" algn="l" defTabSz="914400" rtl="0" eaLnBrk="1" latinLnBrk="0" hangingPunct="1">
+                  <a:spcBef>
+                    <a:spcPct val="20000"/>
+                  </a:spcBef>
+                  <a:buFont typeface="Arial" pitchFamily="34" charset="0"/>
+                  <a:buChar char="•"/>
+                  <a:defRPr sz="2000" kern="1200">
+                    <a:solidFill>
+                      <a:schemeClr val="tx1"/>
+                    </a:solidFill>
+                    <a:latin typeface="+mn-lt"/>
+                    <a:ea typeface="+mn-ea"/>
+                    <a:cs typeface="+mn-cs"/>
+                  </a:defRPr>
+                </a:lvl9pPr>
+              </a:lstStyle>
+              <a:p>
+                <a:pPr marL="0" indent="0">
+                  <a:buNone/>
+                </a:pPr>
+                <a14:m>
+                  <m:oMathPara xmlns:m="http://schemas.openxmlformats.org/officeDocument/2006/math">
+                    <m:oMathParaPr>
+                      <m:jc m:val="centerGroup"/>
+                    </m:oMathParaPr>
+                    <m:oMath xmlns:m="http://schemas.openxmlformats.org/officeDocument/2006/math">
+                      <m:r>
+                        <a:rPr lang="en-US" b="0" i="1" smtClean="0">
+                          <a:latin typeface="Cambria Math"/>
+                        </a:rPr>
+                        <m:t>𝑆𝑐𝑜𝑟𝑒</m:t>
+                      </m:r>
+                      <m:r>
+                        <a:rPr lang="en-US" b="0" i="1" smtClean="0">
+                          <a:latin typeface="Cambria Math"/>
+                          <a:ea typeface="Cambria Math"/>
+                        </a:rPr>
+                        <m:t>≈</m:t>
+                      </m:r>
                       <m:d>
                         <m:dPr>
+                          <m:ctrlPr>
+                            <a:rPr lang="en-US" b="0" i="1" smtClean="0">
+                              <a:latin typeface="Cambria Math"/>
+                            </a:rPr>
+                          </m:ctrlPr>
+                        </m:dPr>
+                        <m:e>
+                          <m:sSub>
+                            <m:sSubPr>
+                              <m:ctrlPr>
+                                <a:rPr lang="en-US" i="1">
+                                  <a:latin typeface="Cambria Math"/>
+                                </a:rPr>
+                              </m:ctrlPr>
+                            </m:sSubPr>
+                            <m:e>
+                              <m:r>
+                                <a:rPr lang="en-US" i="1">
+                                  <a:latin typeface="Cambria Math"/>
+                                </a:rPr>
+                                <m:t>𝑝</m:t>
+                              </m:r>
+                            </m:e>
+                            <m:sub>
+                              <m:r>
+                                <a:rPr lang="en-US" i="1">
+                                  <a:latin typeface="Cambria Math"/>
+                                </a:rPr>
+                                <m:t>𝑁</m:t>
+                              </m:r>
+                            </m:sub>
+                          </m:sSub>
+                          <m:r>
+                            <a:rPr lang="en-US" i="1">
+                              <a:latin typeface="Cambria Math"/>
+                            </a:rPr>
+                            <m:t>𝐻</m:t>
+                          </m:r>
+                          <m:d>
+                            <m:dPr>
+                              <m:ctrlPr>
+                                <a:rPr lang="en-US" i="1">
+                                  <a:latin typeface="Cambria Math"/>
+                                </a:rPr>
+                              </m:ctrlPr>
+                            </m:dPr>
+                            <m:e>
+                              <m:r>
+                                <a:rPr lang="en-US" i="1">
+                                  <a:latin typeface="Cambria Math"/>
+                                </a:rPr>
+                                <m:t>𝐵</m:t>
+                              </m:r>
+                              <m:r>
+                                <a:rPr lang="en-US" i="1">
+                                  <a:latin typeface="Cambria Math"/>
+                                </a:rPr>
+                                <m:t>,</m:t>
+                              </m:r>
+                              <m:r>
+                                <a:rPr lang="en-US" i="1">
+                                  <a:latin typeface="Cambria Math"/>
+                                </a:rPr>
+                                <m:t>𝑟</m:t>
+                              </m:r>
+                            </m:e>
+                          </m:d>
+                          <m:r>
+                            <a:rPr lang="en-US" i="1">
+                              <a:latin typeface="Cambria Math"/>
+                            </a:rPr>
+                            <m:t>+</m:t>
+                          </m:r>
+                          <m:r>
+                            <a:rPr lang="en-US" i="1">
+                              <a:latin typeface="Cambria Math"/>
+                            </a:rPr>
+                            <m:t>𝐹</m:t>
+                          </m:r>
+                          <m:d>
+                            <m:dPr>
+                              <m:ctrlPr>
+                                <a:rPr lang="en-US" i="1">
+                                  <a:latin typeface="Cambria Math"/>
+                                </a:rPr>
+                              </m:ctrlPr>
+                            </m:dPr>
+                            <m:e>
+                              <m:r>
+                                <a:rPr lang="en-US" i="1">
+                                  <a:latin typeface="Cambria Math"/>
+                                </a:rPr>
+                                <m:t>𝐵</m:t>
+                              </m:r>
+                              <m:r>
+                                <a:rPr lang="en-US" i="1">
+                                  <a:latin typeface="Cambria Math"/>
+                                </a:rPr>
+                                <m:t>,</m:t>
+                              </m:r>
+                              <m:r>
+                                <a:rPr lang="en-US" i="1">
+                                  <a:latin typeface="Cambria Math"/>
+                                </a:rPr>
+                                <m:t>𝑟</m:t>
+                              </m:r>
+                            </m:e>
+                          </m:d>
+                          <m:r>
+                            <a:rPr lang="en-US" i="1">
+                              <a:latin typeface="Cambria Math"/>
+                            </a:rPr>
+                            <m:t>+</m:t>
+                          </m:r>
+                          <m:r>
+                            <a:rPr lang="en-US" i="1">
+                              <a:latin typeface="Cambria Math"/>
+                            </a:rPr>
+                            <m:t>𝑀</m:t>
+                          </m:r>
+                          <m:d>
+                            <m:dPr>
+                              <m:ctrlPr>
+                                <a:rPr lang="en-US" i="1">
+                                  <a:latin typeface="Cambria Math"/>
+                                </a:rPr>
+                              </m:ctrlPr>
+                            </m:dPr>
+                            <m:e>
+                              <m:r>
+                                <a:rPr lang="en-US" i="1">
+                                  <a:latin typeface="Cambria Math"/>
+                                </a:rPr>
+                                <m:t>𝐵</m:t>
+                              </m:r>
+                              <m:r>
+                                <a:rPr lang="en-US" i="1">
+                                  <a:latin typeface="Cambria Math"/>
+                                </a:rPr>
+                                <m:t>,</m:t>
+                              </m:r>
+                              <m:r>
+                                <a:rPr lang="en-US" i="1">
+                                  <a:latin typeface="Cambria Math"/>
+                                </a:rPr>
+                                <m:t>𝑟</m:t>
+                              </m:r>
+                            </m:e>
+                          </m:d>
+                        </m:e>
+                      </m:d>
+                      <m:d>
+                        <m:dPr>
+                          <m:ctrlPr>
+                            <a:rPr lang="en-US" b="0" i="1" smtClean="0">
+                              <a:latin typeface="Cambria Math"/>
+                            </a:rPr>
+                          </m:ctrlPr>
+                        </m:dPr>
+                        <m:e>
+                          <m:r>
+                            <a:rPr lang="en-US" i="1" smtClean="0">
+                              <a:latin typeface="Cambria Math"/>
+                            </a:rPr>
+                            <m:t>𝐻</m:t>
+                          </m:r>
+                          <m:d>
+                            <m:dPr>
+                              <m:ctrlPr>
+                                <a:rPr lang="en-US" i="1">
+                                  <a:latin typeface="Cambria Math"/>
+                                </a:rPr>
+                              </m:ctrlPr>
+                            </m:dPr>
+                            <m:e>
+                              <m:r>
+                                <a:rPr lang="en-US" b="0" i="1" smtClean="0">
+                                  <a:latin typeface="Cambria Math"/>
+                                </a:rPr>
+                                <m:t>𝐴</m:t>
+                              </m:r>
+                              <m:r>
+                                <a:rPr lang="en-US" i="1">
+                                  <a:latin typeface="Cambria Math"/>
+                                </a:rPr>
+                                <m:t>,</m:t>
+                              </m:r>
+                              <m:r>
+                                <a:rPr lang="en-US" i="1">
+                                  <a:latin typeface="Cambria Math"/>
+                                </a:rPr>
+                                <m:t>𝑟</m:t>
+                              </m:r>
+                            </m:e>
+                          </m:d>
+                          <m:r>
+                            <a:rPr lang="en-US" i="1">
+                              <a:latin typeface="Cambria Math"/>
+                            </a:rPr>
+                            <m:t>+</m:t>
+                          </m:r>
+                          <m:r>
+                            <a:rPr lang="en-US" i="1">
+                              <a:latin typeface="Cambria Math"/>
+                            </a:rPr>
+                            <m:t>𝐹</m:t>
+                          </m:r>
+                          <m:d>
+                            <m:dPr>
+                              <m:ctrlPr>
+                                <a:rPr lang="en-US" i="1">
+                                  <a:latin typeface="Cambria Math"/>
+                                </a:rPr>
+                              </m:ctrlPr>
+                            </m:dPr>
+                            <m:e>
+                              <m:r>
+                                <a:rPr lang="en-US" b="0" i="1" smtClean="0">
+                                  <a:latin typeface="Cambria Math"/>
+                                </a:rPr>
+                                <m:t>𝐴</m:t>
+                              </m:r>
+                              <m:r>
+                                <a:rPr lang="en-US" i="1">
+                                  <a:latin typeface="Cambria Math"/>
+                                </a:rPr>
+                                <m:t>,</m:t>
+                              </m:r>
+                              <m:r>
+                                <a:rPr lang="en-US" i="1">
+                                  <a:latin typeface="Cambria Math"/>
+                                </a:rPr>
+                                <m:t>𝑟</m:t>
+                              </m:r>
+                            </m:e>
+                          </m:d>
+                        </m:e>
+                      </m:d>
+                      <m:d>
+                        <m:dPr>
+                          <m:begChr m:val="|"/>
+                          <m:endChr m:val="|"/>
                           <m:ctrlPr>
                             <a:rPr lang="en-US" i="1">
                               <a:latin typeface="Cambria Math"/>
@@ -30224,17 +31439,164 @@
                         </m:e>
                       </m:d>
                       <m:r>
-                        <a:rPr lang="en-US" i="1">
+                        <a:rPr lang="en-US" b="0" i="1" smtClean="0">
                           <a:latin typeface="Cambria Math"/>
                         </a:rPr>
                         <m:t>+</m:t>
                       </m:r>
-                      <m:r>
-                        <a:rPr lang="en-US" i="1">
-                          <a:latin typeface="Cambria Math"/>
-                        </a:rPr>
-                        <m:t>𝐶</m:t>
-                      </m:r>
+                      <m:d>
+                        <m:dPr>
+                          <m:ctrlPr>
+                            <a:rPr lang="en-US" i="1">
+                              <a:latin typeface="Cambria Math"/>
+                            </a:rPr>
+                          </m:ctrlPr>
+                        </m:dPr>
+                        <m:e>
+                          <m:sSub>
+                            <m:sSubPr>
+                              <m:ctrlPr>
+                                <a:rPr lang="en-US" i="1">
+                                  <a:latin typeface="Cambria Math"/>
+                                </a:rPr>
+                              </m:ctrlPr>
+                            </m:sSubPr>
+                            <m:e>
+                              <m:r>
+                                <a:rPr lang="en-US" b="0" i="1" smtClean="0">
+                                  <a:latin typeface="Cambria Math"/>
+                                </a:rPr>
+                                <m:t>𝑞</m:t>
+                              </m:r>
+                            </m:e>
+                            <m:sub>
+                              <m:r>
+                                <a:rPr lang="en-US" i="1">
+                                  <a:latin typeface="Cambria Math"/>
+                                </a:rPr>
+                                <m:t>𝑁</m:t>
+                              </m:r>
+                            </m:sub>
+                          </m:sSub>
+                          <m:r>
+                            <a:rPr lang="en-US" i="1">
+                              <a:latin typeface="Cambria Math"/>
+                            </a:rPr>
+                            <m:t>𝐻</m:t>
+                          </m:r>
+                          <m:d>
+                            <m:dPr>
+                              <m:ctrlPr>
+                                <a:rPr lang="en-US" i="1">
+                                  <a:latin typeface="Cambria Math"/>
+                                </a:rPr>
+                              </m:ctrlPr>
+                            </m:dPr>
+                            <m:e>
+                              <m:r>
+                                <a:rPr lang="en-US" b="0" i="1" smtClean="0">
+                                  <a:latin typeface="Cambria Math"/>
+                                </a:rPr>
+                                <m:t>𝐴</m:t>
+                              </m:r>
+                              <m:r>
+                                <a:rPr lang="en-US" i="1">
+                                  <a:latin typeface="Cambria Math"/>
+                                </a:rPr>
+                                <m:t>,</m:t>
+                              </m:r>
+                              <m:r>
+                                <a:rPr lang="en-US" i="1">
+                                  <a:latin typeface="Cambria Math"/>
+                                </a:rPr>
+                                <m:t>𝑟</m:t>
+                              </m:r>
+                            </m:e>
+                          </m:d>
+                          <m:r>
+                            <a:rPr lang="en-US" i="1">
+                              <a:latin typeface="Cambria Math"/>
+                            </a:rPr>
+                            <m:t>+</m:t>
+                          </m:r>
+                          <m:r>
+                            <a:rPr lang="en-US" i="1">
+                              <a:latin typeface="Cambria Math"/>
+                            </a:rPr>
+                            <m:t>𝐹</m:t>
+                          </m:r>
+                          <m:d>
+                            <m:dPr>
+                              <m:ctrlPr>
+                                <a:rPr lang="en-US" i="1">
+                                  <a:latin typeface="Cambria Math"/>
+                                </a:rPr>
+                              </m:ctrlPr>
+                            </m:dPr>
+                            <m:e>
+                              <m:r>
+                                <a:rPr lang="en-US" b="0" i="1" smtClean="0">
+                                  <a:latin typeface="Cambria Math"/>
+                                </a:rPr>
+                                <m:t>𝐴</m:t>
+                              </m:r>
+                              <m:r>
+                                <a:rPr lang="en-US" i="1">
+                                  <a:latin typeface="Cambria Math"/>
+                                </a:rPr>
+                                <m:t>,</m:t>
+                              </m:r>
+                              <m:r>
+                                <a:rPr lang="en-US" i="1">
+                                  <a:latin typeface="Cambria Math"/>
+                                </a:rPr>
+                                <m:t>𝑟</m:t>
+                              </m:r>
+                            </m:e>
+                          </m:d>
+                          <m:r>
+                            <a:rPr lang="en-US" i="1">
+                              <a:latin typeface="Cambria Math"/>
+                            </a:rPr>
+                            <m:t>+</m:t>
+                          </m:r>
+                          <m:r>
+                            <a:rPr lang="en-US" i="1">
+                              <a:latin typeface="Cambria Math"/>
+                            </a:rPr>
+                            <m:t>𝑀</m:t>
+                          </m:r>
+                          <m:d>
+                            <m:dPr>
+                              <m:ctrlPr>
+                                <a:rPr lang="en-US" i="1">
+                                  <a:latin typeface="Cambria Math"/>
+                                </a:rPr>
+                              </m:ctrlPr>
+                            </m:dPr>
+                            <m:e>
+                              <m:r>
+                                <a:rPr lang="en-US" b="0" i="1" smtClean="0">
+                                  <a:latin typeface="Cambria Math"/>
+                                </a:rPr>
+                                <m:t>𝐴</m:t>
+                              </m:r>
+                              <m:r>
+                                <a:rPr lang="en-US" i="1">
+                                  <a:latin typeface="Cambria Math"/>
+                                </a:rPr>
+                                <m:t>,</m:t>
+                              </m:r>
+                              <m:r>
+                                <a:rPr lang="en-US" i="1">
+                                  <a:latin typeface="Cambria Math"/>
+                                </a:rPr>
+                                <m:t>𝑟</m:t>
+                              </m:r>
+                            </m:e>
+                          </m:d>
+                        </m:e>
+                      </m:d>
                       <m:d>
                         <m:dPr>
                           <m:ctrlPr>
@@ -30246,6 +31608,95 @@
                         <m:e>
                           <m:r>
                             <a:rPr lang="en-US" i="1">
+                              <a:latin typeface="Cambria Math"/>
+                            </a:rPr>
+                            <m:t>𝐻</m:t>
+                          </m:r>
+                          <m:d>
+                            <m:dPr>
+                              <m:ctrlPr>
+                                <a:rPr lang="en-US" i="1">
+                                  <a:latin typeface="Cambria Math"/>
+                                </a:rPr>
+                              </m:ctrlPr>
+                            </m:dPr>
+                            <m:e>
+                              <m:r>
+                                <a:rPr lang="en-US" b="0" i="1" smtClean="0">
+                                  <a:latin typeface="Cambria Math"/>
+                                </a:rPr>
+                                <m:t>𝐵</m:t>
+                              </m:r>
+                              <m:r>
+                                <a:rPr lang="en-US" i="1">
+                                  <a:latin typeface="Cambria Math"/>
+                                </a:rPr>
+                                <m:t>,</m:t>
+                              </m:r>
+                              <m:r>
+                                <a:rPr lang="en-US" i="1">
+                                  <a:latin typeface="Cambria Math"/>
+                                </a:rPr>
+                                <m:t>𝑟</m:t>
+                              </m:r>
+                            </m:e>
+                          </m:d>
+                          <m:r>
+                            <a:rPr lang="en-US" i="1">
+                              <a:latin typeface="Cambria Math"/>
+                            </a:rPr>
+                            <m:t>+</m:t>
+                          </m:r>
+                          <m:r>
+                            <a:rPr lang="en-US" i="1">
+                              <a:latin typeface="Cambria Math"/>
+                            </a:rPr>
+                            <m:t>𝐹</m:t>
+                          </m:r>
+                          <m:d>
+                            <m:dPr>
+                              <m:ctrlPr>
+                                <a:rPr lang="en-US" i="1">
+                                  <a:latin typeface="Cambria Math"/>
+                                </a:rPr>
+                              </m:ctrlPr>
+                            </m:dPr>
+                            <m:e>
+                              <m:r>
+                                <a:rPr lang="en-US" i="1">
+                                  <a:latin typeface="Cambria Math"/>
+                                </a:rPr>
+                                <m:t>𝐵</m:t>
+                              </m:r>
+                              <m:r>
+                                <a:rPr lang="en-US" i="1">
+                                  <a:latin typeface="Cambria Math"/>
+                                </a:rPr>
+                                <m:t>,</m:t>
+                              </m:r>
+                              <m:r>
+                                <a:rPr lang="en-US" i="1">
+                                  <a:latin typeface="Cambria Math"/>
+                                </a:rPr>
+                                <m:t>𝑟</m:t>
+                              </m:r>
+                            </m:e>
+                          </m:d>
+                        </m:e>
+                      </m:d>
+                      <m:d>
+                        <m:dPr>
+                          <m:begChr m:val="|"/>
+                          <m:endChr m:val="|"/>
+                          <m:ctrlPr>
+                            <a:rPr lang="en-US" i="1">
+                              <a:latin typeface="Cambria Math"/>
+                            </a:rPr>
+                          </m:ctrlPr>
+                        </m:dPr>
+                        <m:e>
+                          <m:r>
+                            <a:rPr lang="en-US" b="0" i="1" smtClean="0">
                               <a:latin typeface="Cambria Math"/>
                             </a:rPr>
                             <m:t>𝐵</m:t>
@@ -30269,7 +31720,7 @@
         <mc:Fallback>
           <p:sp>
             <p:nvSpPr>
-              <p:cNvPr id="5" name="Subtitle 2"/>
+              <p:cNvPr id="11" name="Subtitle 2"/>
               <p:cNvSpPr txBox="1">
                 <a:spLocks noRot="1" noChangeAspect="1" noMove="1" noResize="1" noEditPoints="1" noAdjustHandles="1" noChangeArrowheads="1" noChangeShapeType="1" noTextEdit="1"/>
               </p:cNvSpPr>
@@ -30277,8 +31728,956 @@
             </p:nvSpPr>
             <p:spPr>
               <a:xfrm>
-                <a:off x="961311" y="2209800"/>
-                <a:ext cx="7344489" cy="903428"/>
+                <a:off x="1951911" y="4191000"/>
+                <a:ext cx="6963489" cy="903428"/>
+              </a:xfrm>
+              <a:prstGeom prst="rect">
+                <a:avLst/>
+              </a:prstGeom>
+              <a:blipFill rotWithShape="1">
+                <a:blip r:embed="rId4"/>
+                <a:stretch>
+                  <a:fillRect/>
+                </a:stretch>
+              </a:blipFill>
+            </p:spPr>
+            <p:txBody>
+              <a:bodyPr/>
+              <a:lstStyle/>
+              <a:p>
+                <a:r>
+                  <a:rPr lang="en-US">
+                    <a:noFill/>
+                  </a:rPr>
+                  <a:t> </a:t>
+                </a:r>
+              </a:p>
+            </p:txBody>
+          </p:sp>
+        </mc:Fallback>
+      </mc:AlternateContent>
+      <p:sp>
+        <p:nvSpPr>
+          <p:cNvPr id="12" name="TextBox 11"/>
+          <p:cNvSpPr txBox="1"/>
+          <p:nvPr/>
+        </p:nvSpPr>
+        <p:spPr>
+          <a:xfrm rot="20306675">
+            <a:off x="229519" y="3466296"/>
+            <a:ext cx="2891336" cy="1384995"/>
+          </a:xfrm>
+          <a:prstGeom prst="rect">
+            <a:avLst/>
+          </a:prstGeom>
+          <a:noFill/>
+        </p:spPr>
+        <p:txBody>
+          <a:bodyPr wrap="square" rtlCol="0">
+            <a:spAutoFit/>
+          </a:bodyPr>
+          <a:lstStyle/>
+          <a:p>
+            <a:r>
+              <a:rPr lang="en-US" sz="2800" b="1" spc="50" dirty="0" smtClean="0">
+                <a:ln w="12700" cmpd="sng">
+                  <a:solidFill>
+                    <a:schemeClr val="accent6">
+                      <a:satMod val="120000"/>
+                      <a:shade val="80000"/>
+                    </a:schemeClr>
+                  </a:solidFill>
+                  <a:prstDash val="solid"/>
+                </a:ln>
+                <a:solidFill>
+                  <a:schemeClr val="accent6">
+                    <a:tint val="1000"/>
+                  </a:schemeClr>
+                </a:solidFill>
+                <a:effectLst>
+                  <a:glow rad="53100">
+                    <a:schemeClr val="accent6">
+                      <a:satMod val="180000"/>
+                      <a:alpha val="30000"/>
+                    </a:schemeClr>
+                  </a:glow>
+                </a:effectLst>
+              </a:rPr>
+              <a:t>Shadow Ray Distribution </a:t>
+            </a:r>
+          </a:p>
+          <a:p>
+            <a:r>
+              <a:rPr lang="en-US" sz="2800" b="1" spc="50" dirty="0" smtClean="0">
+                <a:ln w="12700" cmpd="sng">
+                  <a:solidFill>
+                    <a:schemeClr val="accent6">
+                      <a:satMod val="120000"/>
+                      <a:shade val="80000"/>
+                    </a:schemeClr>
+                  </a:solidFill>
+                  <a:prstDash val="solid"/>
+                </a:ln>
+                <a:solidFill>
+                  <a:schemeClr val="accent6">
+                    <a:tint val="1000"/>
+                  </a:schemeClr>
+                </a:solidFill>
+                <a:effectLst>
+                  <a:glow rad="53100">
+                    <a:schemeClr val="accent6">
+                      <a:satMod val="180000"/>
+                      <a:alpha val="30000"/>
+                    </a:schemeClr>
+                  </a:glow>
+                </a:effectLst>
+              </a:rPr>
+              <a:t>Heuristic</a:t>
+            </a:r>
+            <a:endParaRPr lang="en-US" sz="2800" b="1" spc="50" dirty="0">
+              <a:ln w="12700" cmpd="sng">
+                <a:solidFill>
+                  <a:schemeClr val="accent6">
+                    <a:satMod val="120000"/>
+                    <a:shade val="80000"/>
+                  </a:schemeClr>
+                </a:solidFill>
+                <a:prstDash val="solid"/>
+              </a:ln>
+              <a:solidFill>
+                <a:schemeClr val="accent6">
+                  <a:tint val="1000"/>
+                </a:schemeClr>
+              </a:solidFill>
+              <a:effectLst>
+                <a:glow rad="53100">
+                  <a:schemeClr val="accent6">
+                    <a:satMod val="180000"/>
+                    <a:alpha val="30000"/>
+                  </a:schemeClr>
+                </a:glow>
+              </a:effectLst>
+            </a:endParaRPr>
+          </a:p>
+        </p:txBody>
+      </p:sp>
+    </p:spTree>
+    <p:extLst>
+      <p:ext uri="{BB962C8B-B14F-4D97-AF65-F5344CB8AC3E}">
+        <p14:creationId xmlns:p14="http://schemas.microsoft.com/office/powerpoint/2010/main" val="3463429030"/>
+      </p:ext>
+    </p:extLst>
+  </p:cSld>
+  <p:clrMapOvr>
+    <a:masterClrMapping/>
+  </p:clrMapOvr>
+  <p:timing>
+    <p:tnLst>
+      <p:par>
+        <p:cTn id="1" dur="indefinite" restart="never" nodeType="tmRoot"/>
+      </p:par>
+    </p:tnLst>
+  </p:timing>
+</p:sld>
+</file>
+
+<file path=ppt/slides/slide34.xml><?xml version="1.0" encoding="utf-8"?>
+<p:sld xmlns:a="http://schemas.openxmlformats.org/drawingml/2006/main" xmlns:r="http://schemas.openxmlformats.org/officeDocument/2006/relationships" xmlns:p="http://schemas.openxmlformats.org/presentationml/2006/main">
+  <p:cSld>
+    <p:spTree>
+      <p:nvGrpSpPr>
+        <p:cNvPr id="1" name=""/>
+        <p:cNvGrpSpPr/>
+        <p:nvPr/>
+      </p:nvGrpSpPr>
+      <p:grpSpPr>
+        <a:xfrm>
+          <a:off x="0" y="0"/>
+          <a:ext cx="0" cy="0"/>
+          <a:chOff x="0" y="0"/>
+          <a:chExt cx="0" cy="0"/>
+        </a:xfrm>
+      </p:grpSpPr>
+      <p:sp>
+        <p:nvSpPr>
+          <p:cNvPr id="13" name="Title 1"/>
+          <p:cNvSpPr txBox="1">
+            <a:spLocks/>
+          </p:cNvSpPr>
+          <p:nvPr/>
+        </p:nvSpPr>
+        <p:spPr>
+          <a:xfrm>
+            <a:off x="491947" y="535838"/>
+            <a:ext cx="8229600" cy="1143000"/>
+          </a:xfrm>
+          <a:prstGeom prst="rect">
+            <a:avLst/>
+          </a:prstGeom>
+        </p:spPr>
+        <p:txBody>
+          <a:bodyPr>
+            <a:normAutofit fontScale="85000" lnSpcReduction="10000"/>
+          </a:bodyPr>
+          <a:lstStyle>
+            <a:lvl1pPr algn="ctr" defTabSz="914400" rtl="0" eaLnBrk="1" latinLnBrk="0" hangingPunct="1">
+              <a:spcBef>
+                <a:spcPct val="0"/>
+              </a:spcBef>
+              <a:buNone/>
+              <a:defRPr sz="4400" kern="1200">
+                <a:solidFill>
+                  <a:schemeClr val="tx1"/>
+                </a:solidFill>
+                <a:latin typeface="+mj-lt"/>
+                <a:ea typeface="+mj-ea"/>
+                <a:cs typeface="+mj-cs"/>
+              </a:defRPr>
+            </a:lvl1pPr>
+          </a:lstStyle>
+          <a:p>
+            <a:r>
+              <a:rPr lang="en-US" dirty="0" smtClean="0"/>
+              <a:t>I can evaluate H,F,M because I have evaluated the whole trace ahead of time</a:t>
+            </a:r>
+            <a:endParaRPr lang="en-US" dirty="0"/>
+          </a:p>
+        </p:txBody>
+      </p:sp>
+      <mc:AlternateContent xmlns:mc="http://schemas.openxmlformats.org/markup-compatibility/2006">
+        <mc:Choice xmlns:a14="http://schemas.microsoft.com/office/drawing/2010/main" Requires="a14">
+          <p:sp>
+            <p:nvSpPr>
+              <p:cNvPr id="14" name="Subtitle 2"/>
+              <p:cNvSpPr txBox="1">
+                <a:spLocks/>
+              </p:cNvSpPr>
+              <p:nvPr/>
+            </p:nvSpPr>
+            <p:spPr>
+              <a:xfrm>
+                <a:off x="1219200" y="4191000"/>
+                <a:ext cx="7315200" cy="1126542"/>
+              </a:xfrm>
+              <a:prstGeom prst="rect">
+                <a:avLst/>
+              </a:prstGeom>
+            </p:spPr>
+            <p:txBody>
+              <a:bodyPr vert="horz" lIns="91440" tIns="45720" rIns="91440" bIns="45720" rtlCol="0">
+                <a:normAutofit fontScale="62500" lnSpcReduction="20000"/>
+              </a:bodyPr>
+              <a:lstStyle>
+                <a:lvl1pPr marL="342900" indent="-342900" algn="l" defTabSz="914400" rtl="0" eaLnBrk="1" latinLnBrk="0" hangingPunct="1">
+                  <a:spcBef>
+                    <a:spcPct val="20000"/>
+                  </a:spcBef>
+                  <a:buFont typeface="Arial" pitchFamily="34" charset="0"/>
+                  <a:buChar char="•"/>
+                  <a:defRPr sz="3200" kern="1200">
+                    <a:solidFill>
+                      <a:schemeClr val="tx1"/>
+                    </a:solidFill>
+                    <a:latin typeface="+mn-lt"/>
+                    <a:ea typeface="+mn-ea"/>
+                    <a:cs typeface="+mn-cs"/>
+                  </a:defRPr>
+                </a:lvl1pPr>
+                <a:lvl2pPr marL="742950" indent="-285750" algn="l" defTabSz="914400" rtl="0" eaLnBrk="1" latinLnBrk="0" hangingPunct="1">
+                  <a:spcBef>
+                    <a:spcPct val="20000"/>
+                  </a:spcBef>
+                  <a:buFont typeface="Arial" pitchFamily="34" charset="0"/>
+                  <a:buChar char="–"/>
+                  <a:defRPr sz="2800" kern="1200">
+                    <a:solidFill>
+                      <a:schemeClr val="tx1"/>
+                    </a:solidFill>
+                    <a:latin typeface="+mn-lt"/>
+                    <a:ea typeface="+mn-ea"/>
+                    <a:cs typeface="+mn-cs"/>
+                  </a:defRPr>
+                </a:lvl2pPr>
+                <a:lvl3pPr marL="1143000" indent="-228600" algn="l" defTabSz="914400" rtl="0" eaLnBrk="1" latinLnBrk="0" hangingPunct="1">
+                  <a:spcBef>
+                    <a:spcPct val="20000"/>
+                  </a:spcBef>
+                  <a:buFont typeface="Arial" pitchFamily="34" charset="0"/>
+                  <a:buChar char="•"/>
+                  <a:defRPr sz="2400" kern="1200">
+                    <a:solidFill>
+                      <a:schemeClr val="tx1"/>
+                    </a:solidFill>
+                    <a:latin typeface="+mn-lt"/>
+                    <a:ea typeface="+mn-ea"/>
+                    <a:cs typeface="+mn-cs"/>
+                  </a:defRPr>
+                </a:lvl3pPr>
+                <a:lvl4pPr marL="1600200" indent="-228600" algn="l" defTabSz="914400" rtl="0" eaLnBrk="1" latinLnBrk="0" hangingPunct="1">
+                  <a:spcBef>
+                    <a:spcPct val="20000"/>
+                  </a:spcBef>
+                  <a:buFont typeface="Arial" pitchFamily="34" charset="0"/>
+                  <a:buChar char="–"/>
+                  <a:defRPr sz="2000" kern="1200">
+                    <a:solidFill>
+                      <a:schemeClr val="tx1"/>
+                    </a:solidFill>
+                    <a:latin typeface="+mn-lt"/>
+                    <a:ea typeface="+mn-ea"/>
+                    <a:cs typeface="+mn-cs"/>
+                  </a:defRPr>
+                </a:lvl4pPr>
+                <a:lvl5pPr marL="2057400" indent="-228600" algn="l" defTabSz="914400" rtl="0" eaLnBrk="1" latinLnBrk="0" hangingPunct="1">
+                  <a:spcBef>
+                    <a:spcPct val="20000"/>
+                  </a:spcBef>
+                  <a:buFont typeface="Arial" pitchFamily="34" charset="0"/>
+                  <a:buChar char="»"/>
+                  <a:defRPr sz="2000" kern="1200">
+                    <a:solidFill>
+                      <a:schemeClr val="tx1"/>
+                    </a:solidFill>
+                    <a:latin typeface="+mn-lt"/>
+                    <a:ea typeface="+mn-ea"/>
+                    <a:cs typeface="+mn-cs"/>
+                  </a:defRPr>
+                </a:lvl5pPr>
+                <a:lvl6pPr marL="2514600" indent="-228600" algn="l" defTabSz="914400" rtl="0" eaLnBrk="1" latinLnBrk="0" hangingPunct="1">
+                  <a:spcBef>
+                    <a:spcPct val="20000"/>
+                  </a:spcBef>
+                  <a:buFont typeface="Arial" pitchFamily="34" charset="0"/>
+                  <a:buChar char="•"/>
+                  <a:defRPr sz="2000" kern="1200">
+                    <a:solidFill>
+                      <a:schemeClr val="tx1"/>
+                    </a:solidFill>
+                    <a:latin typeface="+mn-lt"/>
+                    <a:ea typeface="+mn-ea"/>
+                    <a:cs typeface="+mn-cs"/>
+                  </a:defRPr>
+                </a:lvl6pPr>
+                <a:lvl7pPr marL="2971800" indent="-228600" algn="l" defTabSz="914400" rtl="0" eaLnBrk="1" latinLnBrk="0" hangingPunct="1">
+                  <a:spcBef>
+                    <a:spcPct val="20000"/>
+                  </a:spcBef>
+                  <a:buFont typeface="Arial" pitchFamily="34" charset="0"/>
+                  <a:buChar char="•"/>
+                  <a:defRPr sz="2000" kern="1200">
+                    <a:solidFill>
+                      <a:schemeClr val="tx1"/>
+                    </a:solidFill>
+                    <a:latin typeface="+mn-lt"/>
+                    <a:ea typeface="+mn-ea"/>
+                    <a:cs typeface="+mn-cs"/>
+                  </a:defRPr>
+                </a:lvl7pPr>
+                <a:lvl8pPr marL="3429000" indent="-228600" algn="l" defTabSz="914400" rtl="0" eaLnBrk="1" latinLnBrk="0" hangingPunct="1">
+                  <a:spcBef>
+                    <a:spcPct val="20000"/>
+                  </a:spcBef>
+                  <a:buFont typeface="Arial" pitchFamily="34" charset="0"/>
+                  <a:buChar char="•"/>
+                  <a:defRPr sz="2000" kern="1200">
+                    <a:solidFill>
+                      <a:schemeClr val="tx1"/>
+                    </a:solidFill>
+                    <a:latin typeface="+mn-lt"/>
+                    <a:ea typeface="+mn-ea"/>
+                    <a:cs typeface="+mn-cs"/>
+                  </a:defRPr>
+                </a:lvl8pPr>
+                <a:lvl9pPr marL="3886200" indent="-228600" algn="l" defTabSz="914400" rtl="0" eaLnBrk="1" latinLnBrk="0" hangingPunct="1">
+                  <a:spcBef>
+                    <a:spcPct val="20000"/>
+                  </a:spcBef>
+                  <a:buFont typeface="Arial" pitchFamily="34" charset="0"/>
+                  <a:buChar char="•"/>
+                  <a:defRPr sz="2000" kern="1200">
+                    <a:solidFill>
+                      <a:schemeClr val="tx1"/>
+                    </a:solidFill>
+                    <a:latin typeface="+mn-lt"/>
+                    <a:ea typeface="+mn-ea"/>
+                    <a:cs typeface="+mn-cs"/>
+                  </a:defRPr>
+                </a:lvl9pPr>
+              </a:lstStyle>
+              <a:p>
+                <a:pPr marL="0" indent="0">
+                  <a:buNone/>
+                </a:pPr>
+                <a14:m>
+                  <m:oMathPara xmlns:m="http://schemas.openxmlformats.org/officeDocument/2006/math">
+                    <m:oMathParaPr>
+                      <m:jc m:val="centerGroup"/>
+                    </m:oMathParaPr>
+                    <m:oMath xmlns:m="http://schemas.openxmlformats.org/officeDocument/2006/math">
+                      <m:r>
+                        <a:rPr lang="en-US" b="0" i="1" smtClean="0">
+                          <a:latin typeface="Cambria Math"/>
+                        </a:rPr>
+                        <m:t>𝑆𝑐𝑜𝑟𝑒</m:t>
+                      </m:r>
+                      <m:r>
+                        <a:rPr lang="en-US" b="0" i="1" smtClean="0">
+                          <a:latin typeface="Cambria Math"/>
+                          <a:ea typeface="Cambria Math"/>
+                        </a:rPr>
+                        <m:t>≈</m:t>
+                      </m:r>
+                      <m:d>
+                        <m:dPr>
+                          <m:ctrlPr>
+                            <a:rPr lang="en-US" b="0" i="1" smtClean="0">
+                              <a:latin typeface="Cambria Math"/>
+                            </a:rPr>
+                          </m:ctrlPr>
+                        </m:dPr>
+                        <m:e>
+                          <m:sSub>
+                            <m:sSubPr>
+                              <m:ctrlPr>
+                                <a:rPr lang="en-US" i="1">
+                                  <a:latin typeface="Cambria Math"/>
+                                </a:rPr>
+                              </m:ctrlPr>
+                            </m:sSubPr>
+                            <m:e>
+                              <m:r>
+                                <a:rPr lang="en-US" i="1">
+                                  <a:latin typeface="Cambria Math"/>
+                                </a:rPr>
+                                <m:t>𝑝</m:t>
+                              </m:r>
+                            </m:e>
+                            <m:sub>
+                              <m:r>
+                                <a:rPr lang="en-US" i="1">
+                                  <a:latin typeface="Cambria Math"/>
+                                </a:rPr>
+                                <m:t>𝑁</m:t>
+                              </m:r>
+                            </m:sub>
+                          </m:sSub>
+                          <m:r>
+                            <a:rPr lang="en-US" i="1">
+                              <a:latin typeface="Cambria Math"/>
+                            </a:rPr>
+                            <m:t>𝐻</m:t>
+                          </m:r>
+                          <m:d>
+                            <m:dPr>
+                              <m:ctrlPr>
+                                <a:rPr lang="en-US" i="1">
+                                  <a:latin typeface="Cambria Math"/>
+                                </a:rPr>
+                              </m:ctrlPr>
+                            </m:dPr>
+                            <m:e>
+                              <m:r>
+                                <a:rPr lang="en-US" i="1">
+                                  <a:latin typeface="Cambria Math"/>
+                                </a:rPr>
+                                <m:t>𝐵</m:t>
+                              </m:r>
+                              <m:r>
+                                <a:rPr lang="en-US" i="1">
+                                  <a:latin typeface="Cambria Math"/>
+                                </a:rPr>
+                                <m:t>,</m:t>
+                              </m:r>
+                              <m:r>
+                                <a:rPr lang="en-US" i="1">
+                                  <a:latin typeface="Cambria Math"/>
+                                </a:rPr>
+                                <m:t>𝑟</m:t>
+                              </m:r>
+                            </m:e>
+                          </m:d>
+                          <m:r>
+                            <a:rPr lang="en-US" i="1">
+                              <a:latin typeface="Cambria Math"/>
+                            </a:rPr>
+                            <m:t>+</m:t>
+                          </m:r>
+                          <m:r>
+                            <a:rPr lang="en-US" i="1">
+                              <a:latin typeface="Cambria Math"/>
+                            </a:rPr>
+                            <m:t>𝐹</m:t>
+                          </m:r>
+                          <m:d>
+                            <m:dPr>
+                              <m:ctrlPr>
+                                <a:rPr lang="en-US" i="1">
+                                  <a:latin typeface="Cambria Math"/>
+                                </a:rPr>
+                              </m:ctrlPr>
+                            </m:dPr>
+                            <m:e>
+                              <m:r>
+                                <a:rPr lang="en-US" i="1">
+                                  <a:latin typeface="Cambria Math"/>
+                                </a:rPr>
+                                <m:t>𝐵</m:t>
+                              </m:r>
+                              <m:r>
+                                <a:rPr lang="en-US" i="1">
+                                  <a:latin typeface="Cambria Math"/>
+                                </a:rPr>
+                                <m:t>,</m:t>
+                              </m:r>
+                              <m:r>
+                                <a:rPr lang="en-US" i="1">
+                                  <a:latin typeface="Cambria Math"/>
+                                </a:rPr>
+                                <m:t>𝑟</m:t>
+                              </m:r>
+                            </m:e>
+                          </m:d>
+                          <m:r>
+                            <a:rPr lang="en-US" i="1">
+                              <a:latin typeface="Cambria Math"/>
+                            </a:rPr>
+                            <m:t>+</m:t>
+                          </m:r>
+                          <m:r>
+                            <a:rPr lang="en-US" i="1">
+                              <a:latin typeface="Cambria Math"/>
+                            </a:rPr>
+                            <m:t>𝑀</m:t>
+                          </m:r>
+                          <m:d>
+                            <m:dPr>
+                              <m:ctrlPr>
+                                <a:rPr lang="en-US" i="1">
+                                  <a:latin typeface="Cambria Math"/>
+                                </a:rPr>
+                              </m:ctrlPr>
+                            </m:dPr>
+                            <m:e>
+                              <m:r>
+                                <a:rPr lang="en-US" i="1">
+                                  <a:latin typeface="Cambria Math"/>
+                                </a:rPr>
+                                <m:t>𝐵</m:t>
+                              </m:r>
+                              <m:r>
+                                <a:rPr lang="en-US" i="1">
+                                  <a:latin typeface="Cambria Math"/>
+                                </a:rPr>
+                                <m:t>,</m:t>
+                              </m:r>
+                              <m:r>
+                                <a:rPr lang="en-US" i="1">
+                                  <a:latin typeface="Cambria Math"/>
+                                </a:rPr>
+                                <m:t>𝑟</m:t>
+                              </m:r>
+                            </m:e>
+                          </m:d>
+                        </m:e>
+                      </m:d>
+                      <m:d>
+                        <m:dPr>
+                          <m:ctrlPr>
+                            <a:rPr lang="en-US" b="0" i="1" smtClean="0">
+                              <a:latin typeface="Cambria Math"/>
+                            </a:rPr>
+                          </m:ctrlPr>
+                        </m:dPr>
+                        <m:e>
+                          <m:r>
+                            <a:rPr lang="en-US" i="1" smtClean="0">
+                              <a:latin typeface="Cambria Math"/>
+                            </a:rPr>
+                            <m:t>𝐻</m:t>
+                          </m:r>
+                          <m:d>
+                            <m:dPr>
+                              <m:ctrlPr>
+                                <a:rPr lang="en-US" i="1">
+                                  <a:latin typeface="Cambria Math"/>
+                                </a:rPr>
+                              </m:ctrlPr>
+                            </m:dPr>
+                            <m:e>
+                              <m:r>
+                                <a:rPr lang="en-US" b="0" i="1" smtClean="0">
+                                  <a:latin typeface="Cambria Math"/>
+                                </a:rPr>
+                                <m:t>𝐴</m:t>
+                              </m:r>
+                              <m:r>
+                                <a:rPr lang="en-US" i="1">
+                                  <a:latin typeface="Cambria Math"/>
+                                </a:rPr>
+                                <m:t>,</m:t>
+                              </m:r>
+                              <m:r>
+                                <a:rPr lang="en-US" i="1">
+                                  <a:latin typeface="Cambria Math"/>
+                                </a:rPr>
+                                <m:t>𝑟</m:t>
+                              </m:r>
+                            </m:e>
+                          </m:d>
+                          <m:r>
+                            <a:rPr lang="en-US" i="1">
+                              <a:latin typeface="Cambria Math"/>
+                            </a:rPr>
+                            <m:t>+</m:t>
+                          </m:r>
+                          <m:r>
+                            <a:rPr lang="en-US" i="1">
+                              <a:latin typeface="Cambria Math"/>
+                            </a:rPr>
+                            <m:t>𝐹</m:t>
+                          </m:r>
+                          <m:d>
+                            <m:dPr>
+                              <m:ctrlPr>
+                                <a:rPr lang="en-US" i="1">
+                                  <a:latin typeface="Cambria Math"/>
+                                </a:rPr>
+                              </m:ctrlPr>
+                            </m:dPr>
+                            <m:e>
+                              <m:r>
+                                <a:rPr lang="en-US" b="0" i="1" smtClean="0">
+                                  <a:latin typeface="Cambria Math"/>
+                                </a:rPr>
+                                <m:t>𝐴</m:t>
+                              </m:r>
+                              <m:r>
+                                <a:rPr lang="en-US" i="1">
+                                  <a:latin typeface="Cambria Math"/>
+                                </a:rPr>
+                                <m:t>,</m:t>
+                              </m:r>
+                              <m:r>
+                                <a:rPr lang="en-US" i="1">
+                                  <a:latin typeface="Cambria Math"/>
+                                </a:rPr>
+                                <m:t>𝑟</m:t>
+                              </m:r>
+                            </m:e>
+                          </m:d>
+                        </m:e>
+                      </m:d>
+                      <m:d>
+                        <m:dPr>
+                          <m:begChr m:val="|"/>
+                          <m:endChr m:val="|"/>
+                          <m:ctrlPr>
+                            <a:rPr lang="en-US" i="1">
+                              <a:latin typeface="Cambria Math"/>
+                            </a:rPr>
+                          </m:ctrlPr>
+                        </m:dPr>
+                        <m:e>
+                          <m:r>
+                            <a:rPr lang="en-US" i="1">
+                              <a:latin typeface="Cambria Math"/>
+                            </a:rPr>
+                            <m:t>𝐴</m:t>
+                          </m:r>
+                        </m:e>
+                      </m:d>
+                      <m:r>
+                        <a:rPr lang="en-US" b="0" i="1" smtClean="0">
+                          <a:latin typeface="Cambria Math"/>
+                        </a:rPr>
+                        <m:t>+</m:t>
+                      </m:r>
+                      <m:d>
+                        <m:dPr>
+                          <m:ctrlPr>
+                            <a:rPr lang="en-US" i="1">
+                              <a:latin typeface="Cambria Math"/>
+                            </a:rPr>
+                          </m:ctrlPr>
+                        </m:dPr>
+                        <m:e>
+                          <m:sSub>
+                            <m:sSubPr>
+                              <m:ctrlPr>
+                                <a:rPr lang="en-US" i="1">
+                                  <a:latin typeface="Cambria Math"/>
+                                </a:rPr>
+                              </m:ctrlPr>
+                            </m:sSubPr>
+                            <m:e>
+                              <m:r>
+                                <a:rPr lang="en-US" b="0" i="1" smtClean="0">
+                                  <a:latin typeface="Cambria Math"/>
+                                </a:rPr>
+                                <m:t>𝑞</m:t>
+                              </m:r>
+                            </m:e>
+                            <m:sub>
+                              <m:r>
+                                <a:rPr lang="en-US" i="1">
+                                  <a:latin typeface="Cambria Math"/>
+                                </a:rPr>
+                                <m:t>𝑁</m:t>
+                              </m:r>
+                            </m:sub>
+                          </m:sSub>
+                          <m:r>
+                            <a:rPr lang="en-US" i="1">
+                              <a:latin typeface="Cambria Math"/>
+                            </a:rPr>
+                            <m:t>𝐻</m:t>
+                          </m:r>
+                          <m:d>
+                            <m:dPr>
+                              <m:ctrlPr>
+                                <a:rPr lang="en-US" i="1">
+                                  <a:latin typeface="Cambria Math"/>
+                                </a:rPr>
+                              </m:ctrlPr>
+                            </m:dPr>
+                            <m:e>
+                              <m:r>
+                                <a:rPr lang="en-US" b="0" i="1" smtClean="0">
+                                  <a:latin typeface="Cambria Math"/>
+                                </a:rPr>
+                                <m:t>𝐴</m:t>
+                              </m:r>
+                              <m:r>
+                                <a:rPr lang="en-US" i="1">
+                                  <a:latin typeface="Cambria Math"/>
+                                </a:rPr>
+                                <m:t>,</m:t>
+                              </m:r>
+                              <m:r>
+                                <a:rPr lang="en-US" i="1">
+                                  <a:latin typeface="Cambria Math"/>
+                                </a:rPr>
+                                <m:t>𝑟</m:t>
+                              </m:r>
+                            </m:e>
+                          </m:d>
+                          <m:r>
+                            <a:rPr lang="en-US" i="1">
+                              <a:latin typeface="Cambria Math"/>
+                            </a:rPr>
+                            <m:t>+</m:t>
+                          </m:r>
+                          <m:r>
+                            <a:rPr lang="en-US" i="1">
+                              <a:latin typeface="Cambria Math"/>
+                            </a:rPr>
+                            <m:t>𝐹</m:t>
+                          </m:r>
+                          <m:d>
+                            <m:dPr>
+                              <m:ctrlPr>
+                                <a:rPr lang="en-US" i="1">
+                                  <a:latin typeface="Cambria Math"/>
+                                </a:rPr>
+                              </m:ctrlPr>
+                            </m:dPr>
+                            <m:e>
+                              <m:r>
+                                <a:rPr lang="en-US" b="0" i="1" smtClean="0">
+                                  <a:latin typeface="Cambria Math"/>
+                                </a:rPr>
+                                <m:t>𝐴</m:t>
+                              </m:r>
+                              <m:r>
+                                <a:rPr lang="en-US" i="1">
+                                  <a:latin typeface="Cambria Math"/>
+                                </a:rPr>
+                                <m:t>,</m:t>
+                              </m:r>
+                              <m:r>
+                                <a:rPr lang="en-US" i="1">
+                                  <a:latin typeface="Cambria Math"/>
+                                </a:rPr>
+                                <m:t>𝑟</m:t>
+                              </m:r>
+                            </m:e>
+                          </m:d>
+                          <m:r>
+                            <a:rPr lang="en-US" i="1">
+                              <a:latin typeface="Cambria Math"/>
+                            </a:rPr>
+                            <m:t>+</m:t>
+                          </m:r>
+                          <m:r>
+                            <a:rPr lang="en-US" i="1">
+                              <a:latin typeface="Cambria Math"/>
+                            </a:rPr>
+                            <m:t>𝑀</m:t>
+                          </m:r>
+                          <m:d>
+                            <m:dPr>
+                              <m:ctrlPr>
+                                <a:rPr lang="en-US" i="1">
+                                  <a:latin typeface="Cambria Math"/>
+                                </a:rPr>
+                              </m:ctrlPr>
+                            </m:dPr>
+                            <m:e>
+                              <m:r>
+                                <a:rPr lang="en-US" b="0" i="1" smtClean="0">
+                                  <a:latin typeface="Cambria Math"/>
+                                </a:rPr>
+                                <m:t>𝐴</m:t>
+                              </m:r>
+                              <m:r>
+                                <a:rPr lang="en-US" i="1">
+                                  <a:latin typeface="Cambria Math"/>
+                                </a:rPr>
+                                <m:t>,</m:t>
+                              </m:r>
+                              <m:r>
+                                <a:rPr lang="en-US" i="1">
+                                  <a:latin typeface="Cambria Math"/>
+                                </a:rPr>
+                                <m:t>𝑟</m:t>
+                              </m:r>
+                            </m:e>
+                          </m:d>
+                        </m:e>
+                      </m:d>
+                      <m:d>
+                        <m:dPr>
+                          <m:ctrlPr>
+                            <a:rPr lang="en-US" i="1">
+                              <a:latin typeface="Cambria Math"/>
+                            </a:rPr>
+                          </m:ctrlPr>
+                        </m:dPr>
+                        <m:e>
+                          <m:r>
+                            <a:rPr lang="en-US" i="1">
+                              <a:latin typeface="Cambria Math"/>
+                            </a:rPr>
+                            <m:t>𝐻</m:t>
+                          </m:r>
+                          <m:d>
+                            <m:dPr>
+                              <m:ctrlPr>
+                                <a:rPr lang="en-US" i="1">
+                                  <a:latin typeface="Cambria Math"/>
+                                </a:rPr>
+                              </m:ctrlPr>
+                            </m:dPr>
+                            <m:e>
+                              <m:r>
+                                <a:rPr lang="en-US" b="0" i="1" smtClean="0">
+                                  <a:latin typeface="Cambria Math"/>
+                                </a:rPr>
+                                <m:t>𝐵</m:t>
+                              </m:r>
+                              <m:r>
+                                <a:rPr lang="en-US" i="1">
+                                  <a:latin typeface="Cambria Math"/>
+                                </a:rPr>
+                                <m:t>,</m:t>
+                              </m:r>
+                              <m:r>
+                                <a:rPr lang="en-US" i="1">
+                                  <a:latin typeface="Cambria Math"/>
+                                </a:rPr>
+                                <m:t>𝑟</m:t>
+                              </m:r>
+                            </m:e>
+                          </m:d>
+                          <m:r>
+                            <a:rPr lang="en-US" i="1">
+                              <a:latin typeface="Cambria Math"/>
+                            </a:rPr>
+                            <m:t>+</m:t>
+                          </m:r>
+                          <m:r>
+                            <a:rPr lang="en-US" i="1">
+                              <a:latin typeface="Cambria Math"/>
+                            </a:rPr>
+                            <m:t>𝐹</m:t>
+                          </m:r>
+                          <m:d>
+                            <m:dPr>
+                              <m:ctrlPr>
+                                <a:rPr lang="en-US" i="1">
+                                  <a:latin typeface="Cambria Math"/>
+                                </a:rPr>
+                              </m:ctrlPr>
+                            </m:dPr>
+                            <m:e>
+                              <m:r>
+                                <a:rPr lang="en-US" i="1">
+                                  <a:latin typeface="Cambria Math"/>
+                                </a:rPr>
+                                <m:t>𝐵</m:t>
+                              </m:r>
+                              <m:r>
+                                <a:rPr lang="en-US" i="1">
+                                  <a:latin typeface="Cambria Math"/>
+                                </a:rPr>
+                                <m:t>,</m:t>
+                              </m:r>
+                              <m:r>
+                                <a:rPr lang="en-US" i="1">
+                                  <a:latin typeface="Cambria Math"/>
+                                </a:rPr>
+                                <m:t>𝑟</m:t>
+                              </m:r>
+                            </m:e>
+                          </m:d>
+                        </m:e>
+                      </m:d>
+                      <m:d>
+                        <m:dPr>
+                          <m:begChr m:val="|"/>
+                          <m:endChr m:val="|"/>
+                          <m:ctrlPr>
+                            <a:rPr lang="en-US" i="1">
+                              <a:latin typeface="Cambria Math"/>
+                            </a:rPr>
+                          </m:ctrlPr>
+                        </m:dPr>
+                        <m:e>
+                          <m:r>
+                            <a:rPr lang="en-US" b="0" i="1" smtClean="0">
+                              <a:latin typeface="Cambria Math"/>
+                            </a:rPr>
+                            <m:t>𝐵</m:t>
+                          </m:r>
+                        </m:e>
+                      </m:d>
+                    </m:oMath>
+                  </m:oMathPara>
+                </a14:m>
+                <a:endParaRPr lang="en-US" dirty="0"/>
+              </a:p>
+              <a:p>
+                <a:pPr marL="0" indent="0">
+                  <a:buNone/>
+                </a:pPr>
+                <a:endParaRPr lang="en-US" dirty="0"/>
+              </a:p>
+            </p:txBody>
+          </p:sp>
+        </mc:Choice>
+        <mc:Fallback>
+          <p:sp>
+            <p:nvSpPr>
+              <p:cNvPr id="14" name="Subtitle 2"/>
+              <p:cNvSpPr txBox="1">
+                <a:spLocks noRot="1" noChangeAspect="1" noMove="1" noResize="1" noEditPoints="1" noAdjustHandles="1" noChangeArrowheads="1" noChangeShapeType="1" noTextEdit="1"/>
+              </p:cNvSpPr>
+              <p:nvPr/>
+            </p:nvSpPr>
+            <p:spPr>
+              <a:xfrm>
+                <a:off x="1219200" y="4191000"/>
+                <a:ext cx="7315200" cy="1126542"/>
               </a:xfrm>
               <a:prstGeom prst="rect">
                 <a:avLst/>
@@ -30305,342 +32704,55 @@
           </p:sp>
         </mc:Fallback>
       </mc:AlternateContent>
-      <mc:AlternateContent xmlns:mc="http://schemas.openxmlformats.org/markup-compatibility/2006">
-        <mc:Choice xmlns:a14="http://schemas.microsoft.com/office/drawing/2010/main" Requires="a14">
-          <p:sp>
-            <p:nvSpPr>
-              <p:cNvPr id="6" name="Rectangle 5"/>
-              <p:cNvSpPr/>
-              <p:nvPr/>
-            </p:nvSpPr>
-            <p:spPr>
-              <a:xfrm>
-                <a:off x="1066800" y="4368225"/>
-                <a:ext cx="7086600" cy="584775"/>
-              </a:xfrm>
-              <a:prstGeom prst="rect">
-                <a:avLst/>
-              </a:prstGeom>
-            </p:spPr>
-            <p:txBody>
-              <a:bodyPr wrap="square">
-                <a:spAutoFit/>
-              </a:bodyPr>
-              <a:lstStyle/>
-              <a:p>
-                <a14:m>
-                  <m:oMathPara xmlns:m="http://schemas.openxmlformats.org/officeDocument/2006/math">
-                    <m:oMathParaPr>
-                      <m:jc m:val="centerGroup"/>
-                    </m:oMathParaPr>
-                    <m:oMath xmlns:m="http://schemas.openxmlformats.org/officeDocument/2006/math">
-                      <m:r>
-                        <a:rPr lang="en-US" sz="3200" b="0" i="1" smtClean="0">
-                          <a:latin typeface="Cambria Math"/>
-                          <a:ea typeface="Cambria Math"/>
-                        </a:rPr>
-                        <m:t>𝑆𝑐𝑜𝑟𝑒</m:t>
-                      </m:r>
-                      <m:r>
-                        <a:rPr lang="en-US" sz="3200" b="0" i="1" smtClean="0">
-                          <a:latin typeface="Cambria Math"/>
-                          <a:ea typeface="Cambria Math"/>
-                        </a:rPr>
-                        <m:t>≈</m:t>
-                      </m:r>
-                      <m:r>
-                        <a:rPr lang="en-US" sz="3200" i="1">
-                          <a:latin typeface="Cambria Math"/>
-                          <a:ea typeface="Cambria Math"/>
-                        </a:rPr>
-                        <m:t>𝐴𝑟𝑒𝑎</m:t>
-                      </m:r>
-                      <m:d>
-                        <m:dPr>
-                          <m:ctrlPr>
-                            <a:rPr lang="en-US" sz="3200" i="1">
-                              <a:latin typeface="Cambria Math"/>
-                              <a:ea typeface="Cambria Math"/>
-                            </a:rPr>
-                          </m:ctrlPr>
-                        </m:dPr>
-                        <m:e>
-                          <m:r>
-                            <a:rPr lang="en-US" sz="3200" i="1">
-                              <a:latin typeface="Cambria Math"/>
-                              <a:ea typeface="Cambria Math"/>
-                            </a:rPr>
-                            <m:t>𝐴</m:t>
-                          </m:r>
-                        </m:e>
-                      </m:d>
-                      <m:d>
-                        <m:dPr>
-                          <m:begChr m:val="|"/>
-                          <m:endChr m:val="|"/>
-                          <m:ctrlPr>
-                            <a:rPr lang="en-US" sz="3200" i="1">
-                              <a:latin typeface="Cambria Math"/>
-                              <a:ea typeface="Cambria Math"/>
-                            </a:rPr>
-                          </m:ctrlPr>
-                        </m:dPr>
-                        <m:e>
-                          <m:r>
-                            <a:rPr lang="en-US" sz="3200" i="1">
-                              <a:latin typeface="Cambria Math"/>
-                              <a:ea typeface="Cambria Math"/>
-                            </a:rPr>
-                            <m:t>𝐴</m:t>
-                          </m:r>
-                        </m:e>
-                      </m:d>
-                      <m:r>
-                        <a:rPr lang="en-US" sz="3200" i="1">
-                          <a:latin typeface="Cambria Math"/>
-                          <a:ea typeface="Cambria Math"/>
-                        </a:rPr>
-                        <m:t>+</m:t>
-                      </m:r>
-                      <m:r>
-                        <a:rPr lang="en-US" sz="3200" i="1">
-                          <a:latin typeface="Cambria Math"/>
-                          <a:ea typeface="Cambria Math"/>
-                        </a:rPr>
-                        <m:t>𝐴𝑟𝑒𝑎</m:t>
-                      </m:r>
-                      <m:d>
-                        <m:dPr>
-                          <m:ctrlPr>
-                            <a:rPr lang="en-US" sz="3200" i="1">
-                              <a:latin typeface="Cambria Math"/>
-                              <a:ea typeface="Cambria Math"/>
-                            </a:rPr>
-                          </m:ctrlPr>
-                        </m:dPr>
-                        <m:e>
-                          <m:r>
-                            <a:rPr lang="en-US" sz="3200" b="0" i="1" smtClean="0">
-                              <a:latin typeface="Cambria Math"/>
-                              <a:ea typeface="Cambria Math"/>
-                            </a:rPr>
-                            <m:t>𝐵</m:t>
-                          </m:r>
-                        </m:e>
-                      </m:d>
-                      <m:d>
-                        <m:dPr>
-                          <m:begChr m:val="|"/>
-                          <m:endChr m:val="|"/>
-                          <m:ctrlPr>
-                            <a:rPr lang="en-US" sz="3200" i="1">
-                              <a:latin typeface="Cambria Math"/>
-                              <a:ea typeface="Cambria Math"/>
-                            </a:rPr>
-                          </m:ctrlPr>
-                        </m:dPr>
-                        <m:e>
-                          <m:r>
-                            <a:rPr lang="en-US" sz="3200" b="0" i="1" smtClean="0">
-                              <a:latin typeface="Cambria Math"/>
-                              <a:ea typeface="Cambria Math"/>
-                            </a:rPr>
-                            <m:t>𝐵</m:t>
-                          </m:r>
-                        </m:e>
-                      </m:d>
-                    </m:oMath>
-                  </m:oMathPara>
-                </a14:m>
-                <a:endParaRPr lang="en-US" sz="3200" dirty="0"/>
-              </a:p>
-            </p:txBody>
-          </p:sp>
-        </mc:Choice>
-        <mc:Fallback>
-          <p:sp>
-            <p:nvSpPr>
-              <p:cNvPr id="6" name="Rectangle 5"/>
-              <p:cNvSpPr>
-                <a:spLocks noRot="1" noChangeAspect="1" noMove="1" noResize="1" noEditPoints="1" noAdjustHandles="1" noChangeArrowheads="1" noChangeShapeType="1" noTextEdit="1"/>
-              </p:cNvSpPr>
-              <p:nvPr/>
-            </p:nvSpPr>
-            <p:spPr>
-              <a:xfrm>
-                <a:off x="1066800" y="4368225"/>
-                <a:ext cx="7086600" cy="584775"/>
-              </a:xfrm>
-              <a:prstGeom prst="rect">
-                <a:avLst/>
-              </a:prstGeom>
-              <a:blipFill rotWithShape="1">
-                <a:blip r:embed="rId3"/>
-                <a:stretch>
-                  <a:fillRect/>
-                </a:stretch>
-              </a:blipFill>
-            </p:spPr>
-            <p:txBody>
-              <a:bodyPr/>
-              <a:lstStyle/>
-              <a:p>
-                <a:r>
-                  <a:rPr lang="en-US">
-                    <a:noFill/>
-                  </a:rPr>
-                  <a:t> </a:t>
-                </a:r>
-              </a:p>
-            </p:txBody>
-          </p:sp>
-        </mc:Fallback>
-      </mc:AlternateContent>
       <p:sp>
         <p:nvSpPr>
-          <p:cNvPr id="7" name="Down Arrow 6"/>
-          <p:cNvSpPr/>
+          <p:cNvPr id="3" name="TextBox 2"/>
+          <p:cNvSpPr txBox="1"/>
           <p:nvPr/>
         </p:nvSpPr>
         <p:spPr>
           <a:xfrm>
-            <a:off x="4023955" y="3048000"/>
-            <a:ext cx="1219200" cy="1066800"/>
+            <a:off x="2409750" y="2362200"/>
+            <a:ext cx="4600650" cy="830997"/>
           </a:xfrm>
-          <a:prstGeom prst="downArrow">
+          <a:prstGeom prst="rect">
             <a:avLst/>
           </a:prstGeom>
+          <a:noFill/>
         </p:spPr>
-        <p:style>
-          <a:lnRef idx="2">
-            <a:schemeClr val="accent2">
-              <a:shade val="50000"/>
-            </a:schemeClr>
-          </a:lnRef>
-          <a:fillRef idx="1">
-            <a:schemeClr val="accent2"/>
-          </a:fillRef>
-          <a:effectRef idx="0">
-            <a:schemeClr val="accent2"/>
-          </a:effectRef>
-          <a:fontRef idx="minor">
-            <a:schemeClr val="lt1"/>
-          </a:fontRef>
-        </p:style>
         <p:txBody>
-          <a:bodyPr rtlCol="0" anchor="ctr"/>
+          <a:bodyPr wrap="square" rtlCol="0">
+            <a:spAutoFit/>
+          </a:bodyPr>
           <a:lstStyle/>
           <a:p>
             <a:pPr algn="ctr"/>
-            <a:endParaRPr lang="en-US"/>
+            <a:r>
+              <a:rPr lang="en-US" sz="2400" dirty="0" smtClean="0">
+                <a:solidFill>
+                  <a:schemeClr val="accent6">
+                    <a:lumMod val="40000"/>
+                    <a:lumOff val="60000"/>
+                  </a:schemeClr>
+                </a:solidFill>
+              </a:rPr>
+              <a:t>For each ray, I have stored the entire set of triangles that it hits.</a:t>
+            </a:r>
+            <a:endParaRPr lang="en-US" sz="2400" dirty="0">
+              <a:solidFill>
+                <a:schemeClr val="accent6">
+                  <a:lumMod val="40000"/>
+                  <a:lumOff val="60000"/>
+                </a:schemeClr>
+              </a:solidFill>
+            </a:endParaRPr>
           </a:p>
         </p:txBody>
       </p:sp>
-      <mc:AlternateContent xmlns:mc="http://schemas.openxmlformats.org/markup-compatibility/2006">
-        <mc:Choice xmlns:a14="http://schemas.microsoft.com/office/drawing/2010/main" Requires="a14">
-          <p:sp>
-            <p:nvSpPr>
-              <p:cNvPr id="8" name="TextBox 7"/>
-              <p:cNvSpPr txBox="1"/>
-              <p:nvPr/>
-            </p:nvSpPr>
-            <p:spPr>
-              <a:xfrm>
-                <a:off x="1524000" y="6006260"/>
-                <a:ext cx="4724400" cy="369332"/>
-              </a:xfrm>
-              <a:prstGeom prst="rect">
-                <a:avLst/>
-              </a:prstGeom>
-              <a:noFill/>
-            </p:spPr>
-            <p:txBody>
-              <a:bodyPr wrap="square" rtlCol="0">
-                <a:spAutoFit/>
-              </a:bodyPr>
-              <a:lstStyle/>
-              <a:p>
-                <a14:m>
-                  <m:oMath xmlns:m="http://schemas.openxmlformats.org/officeDocument/2006/math">
-                    <m:d>
-                      <m:dPr>
-                        <m:begChr m:val="|"/>
-                        <m:endChr m:val="|"/>
-                        <m:ctrlPr>
-                          <a:rPr lang="en-US" b="0" i="1" smtClean="0">
-                            <a:latin typeface="Cambria Math"/>
-                          </a:rPr>
-                        </m:ctrlPr>
-                      </m:dPr>
-                      <m:e>
-                        <m:r>
-                          <a:rPr lang="en-US" b="0" i="1" smtClean="0">
-                            <a:latin typeface="Cambria Math"/>
-                          </a:rPr>
-                          <m:t>𝐴</m:t>
-                        </m:r>
-                      </m:e>
-                    </m:d>
-                    <m:r>
-                      <a:rPr lang="en-US" b="0" i="1" smtClean="0">
-                        <a:latin typeface="Cambria Math"/>
-                      </a:rPr>
-                      <m:t>= </m:t>
-                    </m:r>
-                  </m:oMath>
-                </a14:m>
-                <a:r>
-                  <a:rPr lang="en-US" dirty="0" smtClean="0"/>
-                  <a:t>Number of Leaves in A</a:t>
-                </a:r>
-                <a:endParaRPr lang="en-US" dirty="0"/>
-              </a:p>
-            </p:txBody>
-          </p:sp>
-        </mc:Choice>
-        <mc:Fallback>
-          <p:sp>
-            <p:nvSpPr>
-              <p:cNvPr id="8" name="TextBox 7"/>
-              <p:cNvSpPr txBox="1">
-                <a:spLocks noRot="1" noChangeAspect="1" noMove="1" noResize="1" noEditPoints="1" noAdjustHandles="1" noChangeArrowheads="1" noChangeShapeType="1" noTextEdit="1"/>
-              </p:cNvSpPr>
-              <p:nvPr/>
-            </p:nvSpPr>
-            <p:spPr>
-              <a:xfrm>
-                <a:off x="1524000" y="6006260"/>
-                <a:ext cx="4724400" cy="369332"/>
-              </a:xfrm>
-              <a:prstGeom prst="rect">
-                <a:avLst/>
-              </a:prstGeom>
-              <a:blipFill rotWithShape="1">
-                <a:blip r:embed="rId4"/>
-                <a:stretch>
-                  <a:fillRect t="-8197" b="-24590"/>
-                </a:stretch>
-              </a:blipFill>
-            </p:spPr>
-            <p:txBody>
-              <a:bodyPr/>
-              <a:lstStyle/>
-              <a:p>
-                <a:r>
-                  <a:rPr lang="en-US">
-                    <a:noFill/>
-                  </a:rPr>
-                  <a:t> </a:t>
-                </a:r>
-              </a:p>
-            </p:txBody>
-          </p:sp>
-        </mc:Fallback>
-      </mc:AlternateContent>
     </p:spTree>
     <p:extLst>
       <p:ext uri="{BB962C8B-B14F-4D97-AF65-F5344CB8AC3E}">
-        <p14:creationId xmlns:p14="http://schemas.microsoft.com/office/powerpoint/2010/main" val="3463429030"/>
+        <p14:creationId xmlns:p14="http://schemas.microsoft.com/office/powerpoint/2010/main" val="2447449697"/>
       </p:ext>
     </p:extLst>
   </p:cSld>
@@ -30657,7 +32769,7 @@
 </p:sld>
 </file>
 
-<file path=ppt/slides/slide34.xml><?xml version="1.0" encoding="utf-8"?>
+<file path=ppt/slides/slide35.xml><?xml version="1.0" encoding="utf-8"?>
 <p:sld xmlns:a="http://schemas.openxmlformats.org/drawingml/2006/main" xmlns:r="http://schemas.openxmlformats.org/officeDocument/2006/relationships" xmlns:p="http://schemas.openxmlformats.org/presentationml/2006/main">
   <p:cSld>
     <p:spTree>
@@ -30889,7 +33001,7 @@
         </p:spPr>
         <p:txBody>
           <a:bodyPr vert="horz" lIns="91440" tIns="45720" rIns="91440" bIns="45720" rtlCol="0" anchor="ctr">
-            <a:normAutofit fontScale="92500" lnSpcReduction="10000"/>
+            <a:normAutofit fontScale="85000" lnSpcReduction="10000"/>
           </a:bodyPr>
           <a:lstStyle>
             <a:lvl1pPr algn="ctr" defTabSz="914400" rtl="0" eaLnBrk="1" latinLnBrk="0" hangingPunct="1">
@@ -30910,7 +33022,7 @@
           <a:p>
             <a:r>
               <a:rPr lang="en-US" dirty="0" smtClean="0"/>
-              <a:t>LOCAL COVERGENCE IMPLIES GLOBAL CONVERGENCE</a:t>
+              <a:t>LOCAL COVERGENCE IMPLIES GLOBAL CONVERGENCE?</a:t>
             </a:r>
             <a:endParaRPr lang="en-US" dirty="0"/>
           </a:p>
@@ -30956,7 +33068,7 @@
           <a:p>
             <a:r>
               <a:rPr lang="en-US" dirty="0" smtClean="0"/>
-              <a:t>Four Remaining Problems</a:t>
+              <a:t>Four Major Issues</a:t>
             </a:r>
             <a:endParaRPr lang="en-US" dirty="0"/>
           </a:p>
@@ -31042,7 +33154,7 @@
           <a:p>
             <a:r>
               <a:rPr lang="en-US" dirty="0" smtClean="0"/>
-              <a:t>ALREADY AT OPTIMUM</a:t>
+              <a:t>ALREADY AT OPTIMUM?</a:t>
             </a:r>
             <a:endParaRPr lang="en-US" dirty="0"/>
           </a:p>
@@ -31068,7 +33180,148 @@
 </p:sld>
 </file>
 
-<file path=ppt/slides/slide35.xml><?xml version="1.0" encoding="utf-8"?>
+<file path=ppt/slides/slide36.xml><?xml version="1.0" encoding="utf-8"?>
+<p:sld xmlns:a="http://schemas.openxmlformats.org/drawingml/2006/main" xmlns:r="http://schemas.openxmlformats.org/officeDocument/2006/relationships" xmlns:p="http://schemas.openxmlformats.org/presentationml/2006/main">
+  <p:cSld>
+    <p:spTree>
+      <p:nvGrpSpPr>
+        <p:cNvPr id="1" name=""/>
+        <p:cNvGrpSpPr/>
+        <p:nvPr/>
+      </p:nvGrpSpPr>
+      <p:grpSpPr>
+        <a:xfrm>
+          <a:off x="0" y="0"/>
+          <a:ext cx="0" cy="0"/>
+          <a:chOff x="0" y="0"/>
+          <a:chExt cx="0" cy="0"/>
+        </a:xfrm>
+      </p:grpSpPr>
+      <p:sp>
+        <p:nvSpPr>
+          <p:cNvPr id="4" name="Rectangle 3"/>
+          <p:cNvSpPr/>
+          <p:nvPr/>
+        </p:nvSpPr>
+        <p:spPr>
+          <a:xfrm>
+            <a:off x="2362200" y="2362200"/>
+            <a:ext cx="4419600" cy="1905000"/>
+          </a:xfrm>
+          <a:prstGeom prst="rect">
+            <a:avLst/>
+          </a:prstGeom>
+        </p:spPr>
+        <p:style>
+          <a:lnRef idx="0">
+            <a:schemeClr val="accent2"/>
+          </a:lnRef>
+          <a:fillRef idx="3">
+            <a:schemeClr val="accent2"/>
+          </a:fillRef>
+          <a:effectRef idx="3">
+            <a:schemeClr val="accent2"/>
+          </a:effectRef>
+          <a:fontRef idx="minor">
+            <a:schemeClr val="lt1"/>
+          </a:fontRef>
+        </p:style>
+        <p:txBody>
+          <a:bodyPr rtlCol="0" anchor="ctr"/>
+          <a:lstStyle/>
+          <a:p>
+            <a:pPr algn="ctr"/>
+            <a:endParaRPr lang="en-US"/>
+          </a:p>
+        </p:txBody>
+      </p:sp>
+      <p:sp>
+        <p:nvSpPr>
+          <p:cNvPr id="2" name="Title 1"/>
+          <p:cNvSpPr>
+            <a:spLocks noGrp="1"/>
+          </p:cNvSpPr>
+          <p:nvPr>
+            <p:ph type="ctrTitle" idx="4294967295"/>
+          </p:nvPr>
+        </p:nvSpPr>
+        <p:spPr>
+          <a:xfrm>
+            <a:off x="1828800" y="2514600"/>
+            <a:ext cx="5638800" cy="1470025"/>
+          </a:xfrm>
+        </p:spPr>
+        <p:txBody>
+          <a:bodyPr>
+            <a:normAutofit/>
+            <a:scene3d>
+              <a:camera prst="orthographicFront"/>
+              <a:lightRig rig="soft" dir="t">
+                <a:rot lat="0" lon="0" rev="10800000"/>
+              </a:lightRig>
+            </a:scene3d>
+            <a:sp3d>
+              <a:bevelT w="27940" h="12700"/>
+              <a:contourClr>
+                <a:srgbClr val="DDDDDD"/>
+              </a:contourClr>
+            </a:sp3d>
+          </a:bodyPr>
+          <a:lstStyle/>
+          <a:p>
+            <a:r>
+              <a:rPr lang="en-US" b="1" spc="150" dirty="0" smtClean="0">
+                <a:ln w="11430"/>
+                <a:solidFill>
+                  <a:srgbClr val="F8F8F8"/>
+                </a:solidFill>
+                <a:effectLst>
+                  <a:outerShdw blurRad="25400" algn="tl" rotWithShape="0">
+                    <a:srgbClr val="000000">
+                      <a:alpha val="43000"/>
+                    </a:srgbClr>
+                  </a:outerShdw>
+                </a:effectLst>
+              </a:rPr>
+              <a:t>Results</a:t>
+            </a:r>
+            <a:endParaRPr lang="en-US" b="1" spc="150" dirty="0">
+              <a:ln w="11430"/>
+              <a:solidFill>
+                <a:srgbClr val="F8F8F8"/>
+              </a:solidFill>
+              <a:effectLst>
+                <a:outerShdw blurRad="25400" algn="tl" rotWithShape="0">
+                  <a:srgbClr val="000000">
+                    <a:alpha val="43000"/>
+                  </a:srgbClr>
+                </a:outerShdw>
+              </a:effectLst>
+            </a:endParaRPr>
+          </a:p>
+        </p:txBody>
+      </p:sp>
+    </p:spTree>
+    <p:extLst>
+      <p:ext uri="{BB962C8B-B14F-4D97-AF65-F5344CB8AC3E}">
+        <p14:creationId xmlns:p14="http://schemas.microsoft.com/office/powerpoint/2010/main" val="1659634831"/>
+      </p:ext>
+    </p:extLst>
+  </p:cSld>
+  <p:clrMapOvr>
+    <a:masterClrMapping/>
+  </p:clrMapOvr>
+  <p:timing>
+    <p:tnLst>
+      <p:par>
+        <p:cTn id="1" dur="indefinite" restart="never" nodeType="tmRoot"/>
+      </p:par>
+    </p:tnLst>
+  </p:timing>
+</p:sld>
+</file>
+
+<file path=ppt/slides/slide37.xml><?xml version="1.0" encoding="utf-8"?>
 <p:sld xmlns:a="http://schemas.openxmlformats.org/drawingml/2006/main" xmlns:r="http://schemas.openxmlformats.org/officeDocument/2006/relationships" xmlns:p="http://schemas.openxmlformats.org/presentationml/2006/main">
   <p:cSld>
     <p:spTree>
@@ -31559,7 +33812,7 @@
 </p:sld>
 </file>
 
-<file path=ppt/slides/slide36.xml><?xml version="1.0" encoding="utf-8"?>
+<file path=ppt/slides/slide38.xml><?xml version="1.0" encoding="utf-8"?>
 <p:sld xmlns:a="http://schemas.openxmlformats.org/drawingml/2006/main" xmlns:r="http://schemas.openxmlformats.org/officeDocument/2006/relationships" xmlns:p="http://schemas.openxmlformats.org/presentationml/2006/main">
   <p:cSld>
     <p:spTree>
@@ -31644,68 +33897,6 @@
           </a:p>
         </p:txBody>
       </p:sp>
-      <p:pic>
-        <p:nvPicPr>
-          <p:cNvPr id="2050" name="Picture 2"/>
-          <p:cNvPicPr>
-            <a:picLocks noChangeAspect="1" noChangeArrowheads="1"/>
-          </p:cNvPicPr>
-          <p:nvPr/>
-        </p:nvPicPr>
-        <p:blipFill rotWithShape="1">
-          <a:blip r:embed="rId3">
-            <a:extLst>
-              <a:ext uri="{28A0092B-C50C-407E-A947-70E740481C1C}">
-                <a14:useLocalDpi xmlns:a14="http://schemas.microsoft.com/office/drawing/2010/main" val="0"/>
-              </a:ext>
-            </a:extLst>
-          </a:blip>
-          <a:srcRect l="2823" t="14824" r="1999" b="12686"/>
-          <a:stretch/>
-        </p:blipFill>
-        <p:spPr bwMode="auto">
-          <a:xfrm>
-            <a:off x="3657600" y="2552395"/>
-            <a:ext cx="5076750" cy="2706625"/>
-          </a:xfrm>
-          <a:prstGeom prst="rect">
-            <a:avLst/>
-          </a:prstGeom>
-          <a:noFill/>
-          <a:ln>
-            <a:noFill/>
-          </a:ln>
-          <a:effectLst/>
-          <a:extLst>
-            <a:ext uri="{909E8E84-426E-40DD-AFC4-6F175D3DCCD1}">
-              <a14:hiddenFill xmlns:a14="http://schemas.microsoft.com/office/drawing/2010/main">
-                <a:solidFill>
-                  <a:schemeClr val="accent1"/>
-                </a:solidFill>
-              </a14:hiddenFill>
-            </a:ext>
-            <a:ext uri="{91240B29-F687-4F45-9708-019B960494DF}">
-              <a14:hiddenLine xmlns:a14="http://schemas.microsoft.com/office/drawing/2010/main" w="9525">
-                <a:solidFill>
-                  <a:schemeClr val="tx1"/>
-                </a:solidFill>
-                <a:miter lim="800000"/>
-                <a:headEnd/>
-                <a:tailEnd/>
-              </a14:hiddenLine>
-            </a:ext>
-            <a:ext uri="{AF507438-7753-43E0-B8FC-AC1667EBCBE1}">
-              <a14:hiddenEffects xmlns:a14="http://schemas.microsoft.com/office/drawing/2010/main">
-                <a:effectLst>
-                  <a:outerShdw dist="35921" dir="2700000" algn="ctr" rotWithShape="0">
-                    <a:schemeClr val="bg2"/>
-                  </a:outerShdw>
-                </a:effectLst>
-              </a14:hiddenEffects>
-            </a:ext>
-          </a:extLst>
-        </p:spPr>
-      </p:pic>
       <p:sp>
         <p:nvSpPr>
           <p:cNvPr id="4" name="TextBox 3"/>
@@ -31808,7 +33999,7 @@
         </p:nvSpPr>
         <p:spPr>
           <a:xfrm rot="16200000">
-            <a:off x="2025134" y="3625334"/>
+            <a:off x="2101334" y="3549134"/>
             <a:ext cx="2895600" cy="369332"/>
           </a:xfrm>
           <a:prstGeom prst="rect">
@@ -31875,6 +34066,68 @@
           </a:p>
         </p:txBody>
       </p:sp>
+      <p:pic>
+        <p:nvPicPr>
+          <p:cNvPr id="2052" name="Picture 4"/>
+          <p:cNvPicPr>
+            <a:picLocks noChangeAspect="1" noChangeArrowheads="1"/>
+          </p:cNvPicPr>
+          <p:nvPr/>
+        </p:nvPicPr>
+        <p:blipFill rotWithShape="1">
+          <a:blip r:embed="rId3">
+            <a:extLst>
+              <a:ext uri="{28A0092B-C50C-407E-A947-70E740481C1C}">
+                <a14:useLocalDpi xmlns:a14="http://schemas.microsoft.com/office/drawing/2010/main" val="0"/>
+              </a:ext>
+            </a:extLst>
+          </a:blip>
+          <a:srcRect l="2267" t="14629" r="2214" b="10629"/>
+          <a:stretch/>
+        </p:blipFill>
+        <p:spPr bwMode="auto">
+          <a:xfrm>
+            <a:off x="3733798" y="2378659"/>
+            <a:ext cx="5147343" cy="2819400"/>
+          </a:xfrm>
+          <a:prstGeom prst="rect">
+            <a:avLst/>
+          </a:prstGeom>
+          <a:noFill/>
+          <a:ln>
+            <a:noFill/>
+          </a:ln>
+          <a:effectLst/>
+          <a:extLst>
+            <a:ext uri="{909E8E84-426E-40DD-AFC4-6F175D3DCCD1}">
+              <a14:hiddenFill xmlns:a14="http://schemas.microsoft.com/office/drawing/2010/main">
+                <a:solidFill>
+                  <a:schemeClr val="accent1"/>
+                </a:solidFill>
+              </a14:hiddenFill>
+            </a:ext>
+            <a:ext uri="{91240B29-F687-4F45-9708-019B960494DF}">
+              <a14:hiddenLine xmlns:a14="http://schemas.microsoft.com/office/drawing/2010/main" w="9525">
+                <a:solidFill>
+                  <a:schemeClr val="tx1"/>
+                </a:solidFill>
+                <a:miter lim="800000"/>
+                <a:headEnd/>
+                <a:tailEnd/>
+              </a14:hiddenLine>
+            </a:ext>
+            <a:ext uri="{AF507438-7753-43E0-B8FC-AC1667EBCBE1}">
+              <a14:hiddenEffects xmlns:a14="http://schemas.microsoft.com/office/drawing/2010/main">
+                <a:effectLst>
+                  <a:outerShdw dist="35921" dir="2700000" algn="ctr" rotWithShape="0">
+                    <a:schemeClr val="bg2"/>
+                  </a:outerShdw>
+                </a:effectLst>
+              </a14:hiddenEffects>
+            </a:ext>
+          </a:extLst>
+        </p:spPr>
+      </p:pic>
     </p:spTree>
     <p:extLst>
       <p:ext uri="{BB962C8B-B14F-4D97-AF65-F5344CB8AC3E}">
@@ -31895,7 +34148,7 @@
 </p:sld>
 </file>
 
-<file path=ppt/slides/slide37.xml><?xml version="1.0" encoding="utf-8"?>
+<file path=ppt/slides/slide39.xml><?xml version="1.0" encoding="utf-8"?>
 <p:sld xmlns:a="http://schemas.openxmlformats.org/drawingml/2006/main" xmlns:r="http://schemas.openxmlformats.org/officeDocument/2006/relationships" xmlns:p="http://schemas.openxmlformats.org/presentationml/2006/main">
   <p:cSld>
     <p:spTree>
@@ -31980,68 +34233,6 @@
           </a:p>
         </p:txBody>
       </p:sp>
-      <p:pic>
-        <p:nvPicPr>
-          <p:cNvPr id="2050" name="Picture 2"/>
-          <p:cNvPicPr>
-            <a:picLocks noChangeAspect="1" noChangeArrowheads="1"/>
-          </p:cNvPicPr>
-          <p:nvPr/>
-        </p:nvPicPr>
-        <p:blipFill rotWithShape="1">
-          <a:blip r:embed="rId3">
-            <a:extLst>
-              <a:ext uri="{28A0092B-C50C-407E-A947-70E740481C1C}">
-                <a14:useLocalDpi xmlns:a14="http://schemas.microsoft.com/office/drawing/2010/main" val="0"/>
-              </a:ext>
-            </a:extLst>
-          </a:blip>
-          <a:srcRect l="2823" t="14824" r="1999" b="12686"/>
-          <a:stretch/>
-        </p:blipFill>
-        <p:spPr bwMode="auto">
-          <a:xfrm>
-            <a:off x="3657600" y="2552395"/>
-            <a:ext cx="5076750" cy="2706625"/>
-          </a:xfrm>
-          <a:prstGeom prst="rect">
-            <a:avLst/>
-          </a:prstGeom>
-          <a:noFill/>
-          <a:ln>
-            <a:noFill/>
-          </a:ln>
-          <a:effectLst/>
-          <a:extLst>
-            <a:ext uri="{909E8E84-426E-40DD-AFC4-6F175D3DCCD1}">
-              <a14:hiddenFill xmlns:a14="http://schemas.microsoft.com/office/drawing/2010/main">
-                <a:solidFill>
-                  <a:schemeClr val="accent1"/>
-                </a:solidFill>
-              </a14:hiddenFill>
-            </a:ext>
-            <a:ext uri="{91240B29-F687-4F45-9708-019B960494DF}">
-              <a14:hiddenLine xmlns:a14="http://schemas.microsoft.com/office/drawing/2010/main" w="9525">
-                <a:solidFill>
-                  <a:schemeClr val="tx1"/>
-                </a:solidFill>
-                <a:miter lim="800000"/>
-                <a:headEnd/>
-                <a:tailEnd/>
-              </a14:hiddenLine>
-            </a:ext>
-            <a:ext uri="{AF507438-7753-43E0-B8FC-AC1667EBCBE1}">
-              <a14:hiddenEffects xmlns:a14="http://schemas.microsoft.com/office/drawing/2010/main">
-                <a:effectLst>
-                  <a:outerShdw dist="35921" dir="2700000" algn="ctr" rotWithShape="0">
-                    <a:schemeClr val="bg2"/>
-                  </a:outerShdw>
-                </a:effectLst>
-              </a14:hiddenEffects>
-            </a:ext>
-          </a:extLst>
-        </p:spPr>
-      </p:pic>
       <p:sp>
         <p:nvSpPr>
           <p:cNvPr id="4" name="TextBox 3"/>
@@ -32144,7 +34335,7 @@
         </p:nvSpPr>
         <p:spPr>
           <a:xfrm rot="16200000">
-            <a:off x="1937266" y="3813091"/>
+            <a:off x="2101334" y="3701534"/>
             <a:ext cx="2895600" cy="369332"/>
           </a:xfrm>
           <a:prstGeom prst="rect">
@@ -32166,281 +34357,72 @@
           </a:p>
         </p:txBody>
       </p:sp>
+      <p:pic>
+        <p:nvPicPr>
+          <p:cNvPr id="9" name="Picture 3"/>
+          <p:cNvPicPr>
+            <a:picLocks noChangeAspect="1" noChangeArrowheads="1"/>
+          </p:cNvPicPr>
+          <p:nvPr/>
+        </p:nvPicPr>
+        <p:blipFill rotWithShape="1">
+          <a:blip r:embed="rId3">
+            <a:extLst>
+              <a:ext uri="{28A0092B-C50C-407E-A947-70E740481C1C}">
+                <a14:useLocalDpi xmlns:a14="http://schemas.microsoft.com/office/drawing/2010/main" val="0"/>
+              </a:ext>
+            </a:extLst>
+          </a:blip>
+          <a:srcRect l="2187" t="16134" r="1412" b="12781"/>
+          <a:stretch/>
+        </p:blipFill>
+        <p:spPr bwMode="auto">
+          <a:xfrm>
+            <a:off x="3733800" y="2672805"/>
+            <a:ext cx="5133753" cy="2649903"/>
+          </a:xfrm>
+          <a:prstGeom prst="rect">
+            <a:avLst/>
+          </a:prstGeom>
+          <a:noFill/>
+          <a:ln>
+            <a:noFill/>
+          </a:ln>
+          <a:effectLst/>
+          <a:extLst>
+            <a:ext uri="{909E8E84-426E-40DD-AFC4-6F175D3DCCD1}">
+              <a14:hiddenFill xmlns:a14="http://schemas.microsoft.com/office/drawing/2010/main">
+                <a:solidFill>
+                  <a:schemeClr val="accent1"/>
+                </a:solidFill>
+              </a14:hiddenFill>
+            </a:ext>
+            <a:ext uri="{91240B29-F687-4F45-9708-019B960494DF}">
+              <a14:hiddenLine xmlns:a14="http://schemas.microsoft.com/office/drawing/2010/main" w="9525">
+                <a:solidFill>
+                  <a:schemeClr val="tx1"/>
+                </a:solidFill>
+                <a:miter lim="800000"/>
+                <a:headEnd/>
+                <a:tailEnd/>
+              </a14:hiddenLine>
+            </a:ext>
+            <a:ext uri="{AF507438-7753-43E0-B8FC-AC1667EBCBE1}">
+              <a14:hiddenEffects xmlns:a14="http://schemas.microsoft.com/office/drawing/2010/main">
+                <a:effectLst>
+                  <a:outerShdw dist="35921" dir="2700000" algn="ctr" rotWithShape="0">
+                    <a:schemeClr val="bg2"/>
+                  </a:outerShdw>
+                </a:effectLst>
+              </a14:hiddenEffects>
+            </a:ext>
+          </a:extLst>
+        </p:spPr>
+      </p:pic>
     </p:spTree>
     <p:extLst>
       <p:ext uri="{BB962C8B-B14F-4D97-AF65-F5344CB8AC3E}">
         <p14:creationId xmlns:p14="http://schemas.microsoft.com/office/powerpoint/2010/main" val="1412285849"/>
-      </p:ext>
-    </p:extLst>
-  </p:cSld>
-  <p:clrMapOvr>
-    <a:masterClrMapping/>
-  </p:clrMapOvr>
-  <p:timing>
-    <p:tnLst>
-      <p:par>
-        <p:cTn id="1" dur="indefinite" restart="never" nodeType="tmRoot"/>
-      </p:par>
-    </p:tnLst>
-  </p:timing>
-</p:sld>
-</file>
-
-<file path=ppt/slides/slide38.xml><?xml version="1.0" encoding="utf-8"?>
-<p:sld xmlns:a="http://schemas.openxmlformats.org/drawingml/2006/main" xmlns:r="http://schemas.openxmlformats.org/officeDocument/2006/relationships" xmlns:p="http://schemas.openxmlformats.org/presentationml/2006/main">
-  <p:cSld>
-    <p:spTree>
-      <p:nvGrpSpPr>
-        <p:cNvPr id="1" name=""/>
-        <p:cNvGrpSpPr/>
-        <p:nvPr/>
-      </p:nvGrpSpPr>
-      <p:grpSpPr>
-        <a:xfrm>
-          <a:off x="0" y="0"/>
-          <a:ext cx="0" cy="0"/>
-          <a:chOff x="0" y="0"/>
-          <a:chExt cx="0" cy="0"/>
-        </a:xfrm>
-      </p:grpSpPr>
-      <p:sp>
-        <p:nvSpPr>
-          <p:cNvPr id="4" name="Rectangle 3"/>
-          <p:cNvSpPr/>
-          <p:nvPr/>
-        </p:nvSpPr>
-        <p:spPr>
-          <a:xfrm>
-            <a:off x="2362200" y="2362200"/>
-            <a:ext cx="4419600" cy="1905000"/>
-          </a:xfrm>
-          <a:prstGeom prst="rect">
-            <a:avLst/>
-          </a:prstGeom>
-        </p:spPr>
-        <p:style>
-          <a:lnRef idx="0">
-            <a:schemeClr val="accent2"/>
-          </a:lnRef>
-          <a:fillRef idx="3">
-            <a:schemeClr val="accent2"/>
-          </a:fillRef>
-          <a:effectRef idx="3">
-            <a:schemeClr val="accent2"/>
-          </a:effectRef>
-          <a:fontRef idx="minor">
-            <a:schemeClr val="lt1"/>
-          </a:fontRef>
-        </p:style>
-        <p:txBody>
-          <a:bodyPr rtlCol="0" anchor="ctr"/>
-          <a:lstStyle/>
-          <a:p>
-            <a:pPr algn="ctr"/>
-            <a:endParaRPr lang="en-US"/>
-          </a:p>
-        </p:txBody>
-      </p:sp>
-      <p:sp>
-        <p:nvSpPr>
-          <p:cNvPr id="2" name="Title 1"/>
-          <p:cNvSpPr>
-            <a:spLocks noGrp="1"/>
-          </p:cNvSpPr>
-          <p:nvPr>
-            <p:ph type="ctrTitle" idx="4294967295"/>
-          </p:nvPr>
-        </p:nvSpPr>
-        <p:spPr>
-          <a:xfrm>
-            <a:off x="1828800" y="2514600"/>
-            <a:ext cx="5638800" cy="1470025"/>
-          </a:xfrm>
-        </p:spPr>
-        <p:txBody>
-          <a:bodyPr>
-            <a:normAutofit/>
-            <a:scene3d>
-              <a:camera prst="orthographicFront"/>
-              <a:lightRig rig="soft" dir="t">
-                <a:rot lat="0" lon="0" rev="10800000"/>
-              </a:lightRig>
-            </a:scene3d>
-            <a:sp3d>
-              <a:bevelT w="27940" h="12700"/>
-              <a:contourClr>
-                <a:srgbClr val="DDDDDD"/>
-              </a:contourClr>
-            </a:sp3d>
-          </a:bodyPr>
-          <a:lstStyle/>
-          <a:p>
-            <a:r>
-              <a:rPr lang="en-US" b="1" spc="150" dirty="0" smtClean="0">
-                <a:ln w="11430"/>
-                <a:solidFill>
-                  <a:srgbClr val="F8F8F8"/>
-                </a:solidFill>
-                <a:effectLst>
-                  <a:outerShdw blurRad="25400" algn="tl" rotWithShape="0">
-                    <a:srgbClr val="000000">
-                      <a:alpha val="43000"/>
-                    </a:srgbClr>
-                  </a:outerShdw>
-                </a:effectLst>
-              </a:rPr>
-              <a:t>Building BVHs</a:t>
-            </a:r>
-            <a:br>
-              <a:rPr lang="en-US" b="1" spc="150" dirty="0" smtClean="0">
-                <a:ln w="11430"/>
-                <a:solidFill>
-                  <a:srgbClr val="F8F8F8"/>
-                </a:solidFill>
-                <a:effectLst>
-                  <a:outerShdw blurRad="25400" algn="tl" rotWithShape="0">
-                    <a:srgbClr val="000000">
-                      <a:alpha val="43000"/>
-                    </a:srgbClr>
-                  </a:outerShdw>
-                </a:effectLst>
-              </a:rPr>
-            </a:br>
-            <a:r>
-              <a:rPr lang="en-US" b="1" spc="150" dirty="0" smtClean="0">
-                <a:ln w="11430"/>
-                <a:solidFill>
-                  <a:srgbClr val="F8F8F8"/>
-                </a:solidFill>
-                <a:effectLst>
-                  <a:outerShdw blurRad="25400" algn="tl" rotWithShape="0">
-                    <a:srgbClr val="000000">
-                      <a:alpha val="43000"/>
-                    </a:srgbClr>
-                  </a:outerShdw>
-                </a:effectLst>
-              </a:rPr>
-              <a:t>(in practice)</a:t>
-            </a:r>
-            <a:endParaRPr lang="en-US" b="1" spc="150" dirty="0">
-              <a:ln w="11430"/>
-              <a:solidFill>
-                <a:srgbClr val="F8F8F8"/>
-              </a:solidFill>
-              <a:effectLst>
-                <a:outerShdw blurRad="25400" algn="tl" rotWithShape="0">
-                  <a:srgbClr val="000000">
-                    <a:alpha val="43000"/>
-                  </a:srgbClr>
-                </a:outerShdw>
-              </a:effectLst>
-            </a:endParaRPr>
-          </a:p>
-        </p:txBody>
-      </p:sp>
-    </p:spTree>
-    <p:extLst>
-      <p:ext uri="{BB962C8B-B14F-4D97-AF65-F5344CB8AC3E}">
-        <p14:creationId xmlns:p14="http://schemas.microsoft.com/office/powerpoint/2010/main" val="2856061138"/>
-      </p:ext>
-    </p:extLst>
-  </p:cSld>
-  <p:clrMapOvr>
-    <a:masterClrMapping/>
-  </p:clrMapOvr>
-  <p:timing>
-    <p:tnLst>
-      <p:par>
-        <p:cTn id="1" dur="indefinite" restart="never" nodeType="tmRoot"/>
-      </p:par>
-    </p:tnLst>
-  </p:timing>
-</p:sld>
-</file>
-
-<file path=ppt/slides/slide39.xml><?xml version="1.0" encoding="utf-8"?>
-<p:sld xmlns:a="http://schemas.openxmlformats.org/drawingml/2006/main" xmlns:r="http://schemas.openxmlformats.org/officeDocument/2006/relationships" xmlns:p="http://schemas.openxmlformats.org/presentationml/2006/main">
-  <p:cSld>
-    <p:spTree>
-      <p:nvGrpSpPr>
-        <p:cNvPr id="1" name=""/>
-        <p:cNvGrpSpPr/>
-        <p:nvPr/>
-      </p:nvGrpSpPr>
-      <p:grpSpPr>
-        <a:xfrm>
-          <a:off x="0" y="0"/>
-          <a:ext cx="0" cy="0"/>
-          <a:chOff x="0" y="0"/>
-          <a:chExt cx="0" cy="0"/>
-        </a:xfrm>
-      </p:grpSpPr>
-      <p:sp>
-        <p:nvSpPr>
-          <p:cNvPr id="2" name="Title 1"/>
-          <p:cNvSpPr>
-            <a:spLocks noGrp="1"/>
-          </p:cNvSpPr>
-          <p:nvPr>
-            <p:ph type="title"/>
-          </p:nvPr>
-        </p:nvSpPr>
-        <p:spPr/>
-        <p:txBody>
-          <a:bodyPr>
-            <a:normAutofit/>
-          </a:bodyPr>
-          <a:lstStyle/>
-          <a:p>
-            <a:r>
-              <a:rPr lang="en-US" dirty="0" smtClean="0"/>
-              <a:t>Experiments</a:t>
-            </a:r>
-            <a:endParaRPr lang="en-US" dirty="0"/>
-          </a:p>
-        </p:txBody>
-      </p:sp>
-      <p:sp>
-        <p:nvSpPr>
-          <p:cNvPr id="3" name="Content Placeholder 2"/>
-          <p:cNvSpPr>
-            <a:spLocks noGrp="1"/>
-          </p:cNvSpPr>
-          <p:nvPr>
-            <p:ph idx="1"/>
-          </p:nvPr>
-        </p:nvSpPr>
-        <p:spPr/>
-        <p:txBody>
-          <a:bodyPr/>
-          <a:lstStyle/>
-          <a:p>
-            <a:r>
-              <a:rPr lang="en-US" dirty="0" smtClean="0"/>
-              <a:t>Make a clear case that the state of the art is not optimal.  Quantitatively.</a:t>
-            </a:r>
-          </a:p>
-          <a:p>
-            <a:r>
-              <a:rPr lang="en-US" dirty="0" smtClean="0"/>
-              <a:t>Show split experiments.</a:t>
-            </a:r>
-          </a:p>
-          <a:p>
-            <a:r>
-              <a:rPr lang="en-US" dirty="0" smtClean="0"/>
-              <a:t>Show minima are different.</a:t>
-            </a:r>
-          </a:p>
-          <a:p>
-            <a:endParaRPr lang="en-US" dirty="0"/>
-          </a:p>
-        </p:txBody>
-      </p:sp>
-    </p:spTree>
-    <p:extLst>
-      <p:ext uri="{BB962C8B-B14F-4D97-AF65-F5344CB8AC3E}">
-        <p14:creationId xmlns:p14="http://schemas.microsoft.com/office/powerpoint/2010/main" val="2425124089"/>
       </p:ext>
     </p:extLst>
   </p:cSld>
@@ -33345,28 +35327,30 @@
       </p:grpSpPr>
       <p:sp>
         <p:nvSpPr>
-          <p:cNvPr id="4" name="Rectangle 3"/>
+          <p:cNvPr id="8" name="Rectangle 7"/>
           <p:cNvSpPr/>
           <p:nvPr/>
         </p:nvSpPr>
         <p:spPr>
           <a:xfrm>
-            <a:off x="2362200" y="2362200"/>
-            <a:ext cx="4419600" cy="1905000"/>
+            <a:off x="1281390" y="2854751"/>
+            <a:ext cx="3246730" cy="1343562"/>
           </a:xfrm>
           <a:prstGeom prst="rect">
             <a:avLst/>
           </a:prstGeom>
         </p:spPr>
         <p:style>
-          <a:lnRef idx="0">
-            <a:schemeClr val="accent2"/>
+          <a:lnRef idx="2">
+            <a:schemeClr val="accent5">
+              <a:shade val="50000"/>
+            </a:schemeClr>
           </a:lnRef>
-          <a:fillRef idx="3">
-            <a:schemeClr val="accent2"/>
+          <a:fillRef idx="1">
+            <a:schemeClr val="accent5"/>
           </a:fillRef>
-          <a:effectRef idx="3">
-            <a:schemeClr val="accent2"/>
+          <a:effectRef idx="0">
+            <a:schemeClr val="accent5"/>
           </a:effectRef>
           <a:fontRef idx="minor">
             <a:schemeClr val="lt1"/>
@@ -33393,64 +35377,492 @@
         </p:nvSpPr>
         <p:spPr>
           <a:xfrm>
-            <a:off x="1828800" y="2514600"/>
-            <a:ext cx="5638800" cy="1470025"/>
+            <a:off x="1128990" y="2802632"/>
+            <a:ext cx="3551530" cy="1470025"/>
           </a:xfrm>
         </p:spPr>
         <p:txBody>
           <a:bodyPr>
             <a:normAutofit/>
-            <a:scene3d>
-              <a:camera prst="orthographicFront"/>
-              <a:lightRig rig="soft" dir="t">
-                <a:rot lat="0" lon="0" rev="10800000"/>
-              </a:lightRig>
-            </a:scene3d>
-            <a:sp3d>
-              <a:bevelT w="27940" h="12700"/>
-              <a:contourClr>
-                <a:srgbClr val="DDDDDD"/>
-              </a:contourClr>
-            </a:sp3d>
           </a:bodyPr>
           <a:lstStyle/>
           <a:p>
             <a:r>
-              <a:rPr lang="en-US" b="1" spc="150" dirty="0" smtClean="0">
-                <a:ln w="11430"/>
-                <a:solidFill>
-                  <a:srgbClr val="F8F8F8"/>
-                </a:solidFill>
-                <a:effectLst>
-                  <a:outerShdw blurRad="25400" algn="tl" rotWithShape="0">
-                    <a:srgbClr val="000000">
-                      <a:alpha val="43000"/>
-                    </a:srgbClr>
-                  </a:outerShdw>
-                </a:effectLst>
-              </a:rPr>
-              <a:t>Novel Traversal Techniques</a:t>
-            </a:r>
-            <a:endParaRPr lang="en-US" b="1" spc="150" dirty="0">
-              <a:ln w="11430"/>
-              <a:solidFill>
-                <a:srgbClr val="F8F8F8"/>
-              </a:solidFill>
-              <a:effectLst>
-                <a:outerShdw blurRad="25400" algn="tl" rotWithShape="0">
-                  <a:srgbClr val="000000">
-                    <a:alpha val="43000"/>
-                  </a:srgbClr>
-                </a:outerShdw>
-              </a:effectLst>
-            </a:endParaRPr>
+              <a:rPr lang="en-US" dirty="0" smtClean="0"/>
+              <a:t>PARTITION GENERATION</a:t>
+            </a:r>
+            <a:endParaRPr lang="en-US" dirty="0"/>
+          </a:p>
+        </p:txBody>
+      </p:sp>
+      <p:sp>
+        <p:nvSpPr>
+          <p:cNvPr id="9" name="Rectangle 8"/>
+          <p:cNvSpPr/>
+          <p:nvPr/>
+        </p:nvSpPr>
+        <p:spPr>
+          <a:xfrm>
+            <a:off x="1286265" y="4479947"/>
+            <a:ext cx="3246730" cy="1295398"/>
+          </a:xfrm>
+          <a:prstGeom prst="rect">
+            <a:avLst/>
+          </a:prstGeom>
+        </p:spPr>
+        <p:style>
+          <a:lnRef idx="2">
+            <a:schemeClr val="accent5">
+              <a:shade val="50000"/>
+            </a:schemeClr>
+          </a:lnRef>
+          <a:fillRef idx="1">
+            <a:schemeClr val="accent5"/>
+          </a:fillRef>
+          <a:effectRef idx="0">
+            <a:schemeClr val="accent5"/>
+          </a:effectRef>
+          <a:fontRef idx="minor">
+            <a:schemeClr val="lt1"/>
+          </a:fontRef>
+        </p:style>
+        <p:txBody>
+          <a:bodyPr rtlCol="0" anchor="ctr"/>
+          <a:lstStyle/>
+          <a:p>
+            <a:pPr algn="ctr"/>
+            <a:endParaRPr lang="en-US"/>
+          </a:p>
+        </p:txBody>
+      </p:sp>
+      <p:sp>
+        <p:nvSpPr>
+          <p:cNvPr id="10" name="Title 1"/>
+          <p:cNvSpPr txBox="1">
+            <a:spLocks/>
+          </p:cNvSpPr>
+          <p:nvPr/>
+        </p:nvSpPr>
+        <p:spPr>
+          <a:xfrm>
+            <a:off x="951595" y="4403746"/>
+            <a:ext cx="3962400" cy="1470025"/>
+          </a:xfrm>
+          <a:prstGeom prst="rect">
+            <a:avLst/>
+          </a:prstGeom>
+        </p:spPr>
+        <p:txBody>
+          <a:bodyPr vert="horz" lIns="91440" tIns="45720" rIns="91440" bIns="45720" rtlCol="0" anchor="ctr">
+            <a:normAutofit/>
+          </a:bodyPr>
+          <a:lstStyle>
+            <a:lvl1pPr algn="ctr" defTabSz="914400" rtl="0" eaLnBrk="1" latinLnBrk="0" hangingPunct="1">
+              <a:spcBef>
+                <a:spcPct val="0"/>
+              </a:spcBef>
+              <a:buNone/>
+              <a:defRPr sz="4400" kern="1200">
+                <a:solidFill>
+                  <a:schemeClr val="tx1"/>
+                </a:solidFill>
+                <a:latin typeface="+mj-lt"/>
+                <a:ea typeface="+mj-ea"/>
+                <a:cs typeface="+mj-cs"/>
+              </a:defRPr>
+            </a:lvl1pPr>
+          </a:lstStyle>
+          <a:p>
+            <a:r>
+              <a:rPr lang="en-US" dirty="0" smtClean="0"/>
+              <a:t>PARTITION SELECTION</a:t>
+            </a:r>
+            <a:endParaRPr lang="en-US" dirty="0"/>
+          </a:p>
+        </p:txBody>
+      </p:sp>
+      <p:sp>
+        <p:nvSpPr>
+          <p:cNvPr id="11" name="Rectangle 10"/>
+          <p:cNvSpPr/>
+          <p:nvPr/>
+        </p:nvSpPr>
+        <p:spPr>
+          <a:xfrm>
+            <a:off x="4821349" y="2854751"/>
+            <a:ext cx="3411276" cy="2920594"/>
+          </a:xfrm>
+          <a:prstGeom prst="rect">
+            <a:avLst/>
+          </a:prstGeom>
+        </p:spPr>
+        <p:style>
+          <a:lnRef idx="2">
+            <a:schemeClr val="accent2">
+              <a:shade val="50000"/>
+            </a:schemeClr>
+          </a:lnRef>
+          <a:fillRef idx="1">
+            <a:schemeClr val="accent2"/>
+          </a:fillRef>
+          <a:effectRef idx="0">
+            <a:schemeClr val="accent2"/>
+          </a:effectRef>
+          <a:fontRef idx="minor">
+            <a:schemeClr val="lt1"/>
+          </a:fontRef>
+        </p:style>
+        <p:txBody>
+          <a:bodyPr rtlCol="0" anchor="ctr"/>
+          <a:lstStyle/>
+          <a:p>
+            <a:pPr algn="ctr"/>
+            <a:endParaRPr lang="en-US"/>
+          </a:p>
+        </p:txBody>
+      </p:sp>
+      <p:sp>
+        <p:nvSpPr>
+          <p:cNvPr id="12" name="Title 1"/>
+          <p:cNvSpPr txBox="1">
+            <a:spLocks/>
+          </p:cNvSpPr>
+          <p:nvPr/>
+        </p:nvSpPr>
+        <p:spPr>
+          <a:xfrm>
+            <a:off x="4751222" y="2817814"/>
+            <a:ext cx="3551530" cy="3067516"/>
+          </a:xfrm>
+          <a:prstGeom prst="rect">
+            <a:avLst/>
+          </a:prstGeom>
+        </p:spPr>
+        <p:txBody>
+          <a:bodyPr vert="horz" lIns="91440" tIns="45720" rIns="91440" bIns="45720" rtlCol="0" anchor="ctr">
+            <a:normAutofit fontScale="85000" lnSpcReduction="10000"/>
+          </a:bodyPr>
+          <a:lstStyle>
+            <a:lvl1pPr algn="ctr" defTabSz="914400" rtl="0" eaLnBrk="1" latinLnBrk="0" hangingPunct="1">
+              <a:spcBef>
+                <a:spcPct val="0"/>
+              </a:spcBef>
+              <a:buNone/>
+              <a:defRPr sz="4400" kern="1200">
+                <a:solidFill>
+                  <a:schemeClr val="tx1"/>
+                </a:solidFill>
+                <a:latin typeface="+mj-lt"/>
+                <a:ea typeface="+mj-ea"/>
+                <a:cs typeface="+mj-cs"/>
+              </a:defRPr>
+            </a:lvl1pPr>
+          </a:lstStyle>
+          <a:p>
+            <a:r>
+              <a:rPr lang="en-US" dirty="0" smtClean="0"/>
+              <a:t>LOCAL COVERGENCE IMPLIES GLOBAL CONVERGENCE?</a:t>
+            </a:r>
+            <a:endParaRPr lang="en-US" dirty="0"/>
+          </a:p>
+        </p:txBody>
+      </p:sp>
+      <p:sp>
+        <p:nvSpPr>
+          <p:cNvPr id="13" name="Title 1"/>
+          <p:cNvSpPr txBox="1">
+            <a:spLocks/>
+          </p:cNvSpPr>
+          <p:nvPr/>
+        </p:nvSpPr>
+        <p:spPr>
+          <a:xfrm>
+            <a:off x="491947" y="535838"/>
+            <a:ext cx="8229600" cy="1143000"/>
+          </a:xfrm>
+          <a:prstGeom prst="rect">
+            <a:avLst/>
+          </a:prstGeom>
+        </p:spPr>
+        <p:txBody>
+          <a:bodyPr>
+            <a:normAutofit/>
+          </a:bodyPr>
+          <a:lstStyle>
+            <a:lvl1pPr algn="ctr" defTabSz="914400" rtl="0" eaLnBrk="1" latinLnBrk="0" hangingPunct="1">
+              <a:spcBef>
+                <a:spcPct val="0"/>
+              </a:spcBef>
+              <a:buNone/>
+              <a:defRPr sz="4400" kern="1200">
+                <a:solidFill>
+                  <a:schemeClr val="tx1"/>
+                </a:solidFill>
+                <a:latin typeface="+mj-lt"/>
+                <a:ea typeface="+mj-ea"/>
+                <a:cs typeface="+mj-cs"/>
+              </a:defRPr>
+            </a:lvl1pPr>
+          </a:lstStyle>
+          <a:p>
+            <a:r>
+              <a:rPr lang="en-US" dirty="0" smtClean="0"/>
+              <a:t>Four Major Issues</a:t>
+            </a:r>
+            <a:endParaRPr lang="en-US" dirty="0"/>
+          </a:p>
+        </p:txBody>
+      </p:sp>
+      <p:sp>
+        <p:nvSpPr>
+          <p:cNvPr id="15" name="Rectangle 14"/>
+          <p:cNvSpPr/>
+          <p:nvPr/>
+        </p:nvSpPr>
+        <p:spPr>
+          <a:xfrm>
+            <a:off x="1281389" y="1905000"/>
+            <a:ext cx="6951235" cy="807150"/>
+          </a:xfrm>
+          <a:prstGeom prst="rect">
+            <a:avLst/>
+          </a:prstGeom>
+        </p:spPr>
+        <p:style>
+          <a:lnRef idx="2">
+            <a:schemeClr val="accent3">
+              <a:shade val="50000"/>
+            </a:schemeClr>
+          </a:lnRef>
+          <a:fillRef idx="1">
+            <a:schemeClr val="accent3"/>
+          </a:fillRef>
+          <a:effectRef idx="0">
+            <a:schemeClr val="accent3"/>
+          </a:effectRef>
+          <a:fontRef idx="minor">
+            <a:schemeClr val="lt1"/>
+          </a:fontRef>
+        </p:style>
+        <p:txBody>
+          <a:bodyPr rtlCol="0" anchor="ctr"/>
+          <a:lstStyle/>
+          <a:p>
+            <a:pPr algn="ctr"/>
+            <a:endParaRPr lang="en-US"/>
+          </a:p>
+        </p:txBody>
+      </p:sp>
+      <p:sp>
+        <p:nvSpPr>
+          <p:cNvPr id="16" name="Title 1"/>
+          <p:cNvSpPr txBox="1">
+            <a:spLocks/>
+          </p:cNvSpPr>
+          <p:nvPr/>
+        </p:nvSpPr>
+        <p:spPr>
+          <a:xfrm>
+            <a:off x="726788" y="1828801"/>
+            <a:ext cx="8188612" cy="981774"/>
+          </a:xfrm>
+          <a:prstGeom prst="rect">
+            <a:avLst/>
+          </a:prstGeom>
+        </p:spPr>
+        <p:txBody>
+          <a:bodyPr vert="horz" lIns="91440" tIns="45720" rIns="91440" bIns="45720" rtlCol="0" anchor="ctr">
+            <a:normAutofit/>
+          </a:bodyPr>
+          <a:lstStyle>
+            <a:lvl1pPr algn="ctr" defTabSz="914400" rtl="0" eaLnBrk="1" latinLnBrk="0" hangingPunct="1">
+              <a:spcBef>
+                <a:spcPct val="0"/>
+              </a:spcBef>
+              <a:buNone/>
+              <a:defRPr sz="4400" kern="1200">
+                <a:solidFill>
+                  <a:schemeClr val="tx1"/>
+                </a:solidFill>
+                <a:latin typeface="+mj-lt"/>
+                <a:ea typeface="+mj-ea"/>
+                <a:cs typeface="+mj-cs"/>
+              </a:defRPr>
+            </a:lvl1pPr>
+          </a:lstStyle>
+          <a:p>
+            <a:r>
+              <a:rPr lang="en-US" dirty="0" smtClean="0"/>
+              <a:t>ALREADY AT OPTIMUM?</a:t>
+            </a:r>
+            <a:endParaRPr lang="en-US" dirty="0"/>
+          </a:p>
+        </p:txBody>
+      </p:sp>
+      <p:sp>
+        <p:nvSpPr>
+          <p:cNvPr id="3" name="Smiley Face 2"/>
+          <p:cNvSpPr/>
+          <p:nvPr/>
+        </p:nvSpPr>
+        <p:spPr>
+          <a:xfrm>
+            <a:off x="491947" y="1981200"/>
+            <a:ext cx="651053" cy="609600"/>
+          </a:xfrm>
+          <a:prstGeom prst="smileyFace">
+            <a:avLst>
+              <a:gd name="adj" fmla="val 4653"/>
+            </a:avLst>
+          </a:prstGeom>
+        </p:spPr>
+        <p:style>
+          <a:lnRef idx="3">
+            <a:schemeClr val="lt1"/>
+          </a:lnRef>
+          <a:fillRef idx="1">
+            <a:schemeClr val="accent4"/>
+          </a:fillRef>
+          <a:effectRef idx="1">
+            <a:schemeClr val="accent4"/>
+          </a:effectRef>
+          <a:fontRef idx="minor">
+            <a:schemeClr val="lt1"/>
+          </a:fontRef>
+        </p:style>
+        <p:txBody>
+          <a:bodyPr rtlCol="0" anchor="ctr"/>
+          <a:lstStyle/>
+          <a:p>
+            <a:pPr algn="ctr"/>
+            <a:endParaRPr lang="en-US"/>
+          </a:p>
+        </p:txBody>
+      </p:sp>
+      <p:sp>
+        <p:nvSpPr>
+          <p:cNvPr id="14" name="Smiley Face 13"/>
+          <p:cNvSpPr/>
+          <p:nvPr/>
+        </p:nvSpPr>
+        <p:spPr>
+          <a:xfrm>
+            <a:off x="8302752" y="3794146"/>
+            <a:ext cx="651053" cy="609600"/>
+          </a:xfrm>
+          <a:prstGeom prst="smileyFace">
+            <a:avLst>
+              <a:gd name="adj" fmla="val -147"/>
+            </a:avLst>
+          </a:prstGeom>
+        </p:spPr>
+        <p:style>
+          <a:lnRef idx="3">
+            <a:schemeClr val="lt1"/>
+          </a:lnRef>
+          <a:fillRef idx="1">
+            <a:schemeClr val="accent4"/>
+          </a:fillRef>
+          <a:effectRef idx="1">
+            <a:schemeClr val="accent4"/>
+          </a:effectRef>
+          <a:fontRef idx="minor">
+            <a:schemeClr val="lt1"/>
+          </a:fontRef>
+        </p:style>
+        <p:txBody>
+          <a:bodyPr rtlCol="0" anchor="ctr"/>
+          <a:lstStyle/>
+          <a:p>
+            <a:pPr algn="ctr"/>
+            <a:endParaRPr lang="en-US"/>
+          </a:p>
+        </p:txBody>
+      </p:sp>
+      <p:sp>
+        <p:nvSpPr>
+          <p:cNvPr id="17" name="Smiley Face 16"/>
+          <p:cNvSpPr/>
+          <p:nvPr/>
+        </p:nvSpPr>
+        <p:spPr>
+          <a:xfrm>
+            <a:off x="491945" y="3184546"/>
+            <a:ext cx="651053" cy="609600"/>
+          </a:xfrm>
+          <a:prstGeom prst="smileyFace">
+            <a:avLst>
+              <a:gd name="adj" fmla="val -4653"/>
+            </a:avLst>
+          </a:prstGeom>
+        </p:spPr>
+        <p:style>
+          <a:lnRef idx="3">
+            <a:schemeClr val="lt1"/>
+          </a:lnRef>
+          <a:fillRef idx="1">
+            <a:schemeClr val="accent4"/>
+          </a:fillRef>
+          <a:effectRef idx="1">
+            <a:schemeClr val="accent4"/>
+          </a:effectRef>
+          <a:fontRef idx="minor">
+            <a:schemeClr val="lt1"/>
+          </a:fontRef>
+        </p:style>
+        <p:txBody>
+          <a:bodyPr rtlCol="0" anchor="ctr"/>
+          <a:lstStyle/>
+          <a:p>
+            <a:pPr algn="ctr"/>
+            <a:endParaRPr lang="en-US"/>
+          </a:p>
+        </p:txBody>
+      </p:sp>
+      <p:sp>
+        <p:nvSpPr>
+          <p:cNvPr id="18" name="Smiley Face 17"/>
+          <p:cNvSpPr/>
+          <p:nvPr/>
+        </p:nvSpPr>
+        <p:spPr>
+          <a:xfrm>
+            <a:off x="491944" y="4724400"/>
+            <a:ext cx="651053" cy="609600"/>
+          </a:xfrm>
+          <a:prstGeom prst="smileyFace">
+            <a:avLst>
+              <a:gd name="adj" fmla="val -4653"/>
+            </a:avLst>
+          </a:prstGeom>
+        </p:spPr>
+        <p:style>
+          <a:lnRef idx="3">
+            <a:schemeClr val="lt1"/>
+          </a:lnRef>
+          <a:fillRef idx="1">
+            <a:schemeClr val="accent4"/>
+          </a:fillRef>
+          <a:effectRef idx="1">
+            <a:schemeClr val="accent4"/>
+          </a:effectRef>
+          <a:fontRef idx="minor">
+            <a:schemeClr val="lt1"/>
+          </a:fontRef>
+        </p:style>
+        <p:txBody>
+          <a:bodyPr rtlCol="0" anchor="ctr"/>
+          <a:lstStyle/>
+          <a:p>
+            <a:pPr algn="ctr"/>
+            <a:endParaRPr lang="en-US"/>
           </a:p>
         </p:txBody>
       </p:sp>
     </p:spTree>
     <p:extLst>
       <p:ext uri="{BB962C8B-B14F-4D97-AF65-F5344CB8AC3E}">
-        <p14:creationId xmlns:p14="http://schemas.microsoft.com/office/powerpoint/2010/main" val="3573714989"/>
+        <p14:creationId xmlns:p14="http://schemas.microsoft.com/office/powerpoint/2010/main" val="2727882404"/>
       </p:ext>
     </p:extLst>
   </p:cSld>
@@ -33492,22 +35904,24 @@
         </p:nvSpPr>
         <p:spPr>
           <a:xfrm>
-            <a:off x="2362200" y="2362200"/>
-            <a:ext cx="4419600" cy="1905000"/>
+            <a:off x="953267" y="506423"/>
+            <a:ext cx="3246730" cy="1343562"/>
           </a:xfrm>
           <a:prstGeom prst="rect">
             <a:avLst/>
           </a:prstGeom>
         </p:spPr>
         <p:style>
-          <a:lnRef idx="0">
-            <a:schemeClr val="accent2"/>
+          <a:lnRef idx="2">
+            <a:schemeClr val="accent5">
+              <a:shade val="50000"/>
+            </a:schemeClr>
           </a:lnRef>
-          <a:fillRef idx="3">
-            <a:schemeClr val="accent2"/>
+          <a:fillRef idx="1">
+            <a:schemeClr val="accent5"/>
           </a:fillRef>
-          <a:effectRef idx="3">
-            <a:schemeClr val="accent2"/>
+          <a:effectRef idx="0">
+            <a:schemeClr val="accent5"/>
           </a:effectRef>
           <a:fontRef idx="minor">
             <a:schemeClr val="lt1"/>
@@ -33524,74 +35938,1490 @@
       </p:sp>
       <p:sp>
         <p:nvSpPr>
-          <p:cNvPr id="2" name="Title 1"/>
-          <p:cNvSpPr>
-            <a:spLocks noGrp="1"/>
+          <p:cNvPr id="5" name="Title 1"/>
+          <p:cNvSpPr txBox="1">
+            <a:spLocks/>
           </p:cNvSpPr>
-          <p:nvPr>
-            <p:ph type="ctrTitle" idx="4294967295"/>
-          </p:nvPr>
+          <p:nvPr/>
         </p:nvSpPr>
         <p:spPr>
           <a:xfrm>
-            <a:off x="1828800" y="2514600"/>
-            <a:ext cx="5638800" cy="1470025"/>
+            <a:off x="800867" y="443191"/>
+            <a:ext cx="3551530" cy="1470025"/>
           </a:xfrm>
+          <a:prstGeom prst="rect">
+            <a:avLst/>
+          </a:prstGeom>
         </p:spPr>
         <p:txBody>
-          <a:bodyPr>
+          <a:bodyPr vert="horz" lIns="91440" tIns="45720" rIns="91440" bIns="45720" rtlCol="0" anchor="ctr">
             <a:normAutofit/>
-            <a:scene3d>
-              <a:camera prst="orthographicFront"/>
-              <a:lightRig rig="soft" dir="t">
-                <a:rot lat="0" lon="0" rev="10800000"/>
-              </a:lightRig>
-            </a:scene3d>
-            <a:sp3d>
-              <a:bevelT w="27940" h="12700"/>
-              <a:contourClr>
-                <a:srgbClr val="DDDDDD"/>
-              </a:contourClr>
-            </a:sp3d>
           </a:bodyPr>
-          <a:lstStyle/>
-          <a:p>
-            <a:r>
-              <a:rPr lang="en-US" b="1" spc="150" dirty="0" smtClean="0">
-                <a:ln w="11430"/>
-                <a:solidFill>
-                  <a:srgbClr val="F8F8F8"/>
-                </a:solidFill>
-                <a:effectLst>
-                  <a:outerShdw blurRad="25400" algn="tl" rotWithShape="0">
-                    <a:srgbClr val="000000">
-                      <a:alpha val="43000"/>
-                    </a:srgbClr>
-                  </a:outerShdw>
-                </a:effectLst>
-              </a:rPr>
-              <a:t>Empty Space</a:t>
-            </a:r>
-            <a:endParaRPr lang="en-US" b="1" spc="150" dirty="0">
-              <a:ln w="11430"/>
-              <a:solidFill>
-                <a:srgbClr val="F8F8F8"/>
-              </a:solidFill>
-              <a:effectLst>
-                <a:outerShdw blurRad="25400" algn="tl" rotWithShape="0">
-                  <a:srgbClr val="000000">
-                    <a:alpha val="43000"/>
-                  </a:srgbClr>
-                </a:outerShdw>
-              </a:effectLst>
-            </a:endParaRPr>
+          <a:lstStyle>
+            <a:lvl1pPr algn="ctr" defTabSz="914400" rtl="0" eaLnBrk="1" latinLnBrk="0" hangingPunct="1">
+              <a:spcBef>
+                <a:spcPct val="0"/>
+              </a:spcBef>
+              <a:buNone/>
+              <a:defRPr sz="4400" kern="1200">
+                <a:solidFill>
+                  <a:schemeClr val="tx1"/>
+                </a:solidFill>
+                <a:latin typeface="+mj-lt"/>
+                <a:ea typeface="+mj-ea"/>
+                <a:cs typeface="+mj-cs"/>
+              </a:defRPr>
+            </a:lvl1pPr>
+          </a:lstStyle>
+          <a:p>
+            <a:r>
+              <a:rPr lang="en-US" smtClean="0"/>
+              <a:t>PARTITION GENERATION</a:t>
+            </a:r>
+            <a:endParaRPr lang="en-US" dirty="0"/>
           </a:p>
         </p:txBody>
       </p:sp>
+      <p:sp>
+        <p:nvSpPr>
+          <p:cNvPr id="6" name="Isosceles Triangle 5"/>
+          <p:cNvSpPr/>
+          <p:nvPr/>
+        </p:nvSpPr>
+        <p:spPr>
+          <a:xfrm rot="19812937">
+            <a:off x="6890539" y="4166432"/>
+            <a:ext cx="1143000" cy="1070313"/>
+          </a:xfrm>
+          <a:prstGeom prst="triangle">
+            <a:avLst>
+              <a:gd name="adj" fmla="val 27314"/>
+            </a:avLst>
+          </a:prstGeom>
+        </p:spPr>
+        <p:style>
+          <a:lnRef idx="2">
+            <a:schemeClr val="accent3">
+              <a:shade val="50000"/>
+            </a:schemeClr>
+          </a:lnRef>
+          <a:fillRef idx="1">
+            <a:schemeClr val="accent3"/>
+          </a:fillRef>
+          <a:effectRef idx="0">
+            <a:schemeClr val="accent3"/>
+          </a:effectRef>
+          <a:fontRef idx="minor">
+            <a:schemeClr val="lt1"/>
+          </a:fontRef>
+        </p:style>
+        <p:txBody>
+          <a:bodyPr rtlCol="0" anchor="ctr"/>
+          <a:lstStyle/>
+          <a:p>
+            <a:pPr algn="ctr"/>
+            <a:endParaRPr lang="en-US"/>
+          </a:p>
+        </p:txBody>
+      </p:sp>
+      <p:sp>
+        <p:nvSpPr>
+          <p:cNvPr id="7" name="Isosceles Triangle 6"/>
+          <p:cNvSpPr/>
+          <p:nvPr/>
+        </p:nvSpPr>
+        <p:spPr>
+          <a:xfrm rot="20286343">
+            <a:off x="5254753" y="3185070"/>
+            <a:ext cx="441681" cy="258677"/>
+          </a:xfrm>
+          <a:prstGeom prst="triangle">
+            <a:avLst>
+              <a:gd name="adj" fmla="val 27314"/>
+            </a:avLst>
+          </a:prstGeom>
+        </p:spPr>
+        <p:style>
+          <a:lnRef idx="2">
+            <a:schemeClr val="accent3">
+              <a:shade val="50000"/>
+            </a:schemeClr>
+          </a:lnRef>
+          <a:fillRef idx="1">
+            <a:schemeClr val="accent3"/>
+          </a:fillRef>
+          <a:effectRef idx="0">
+            <a:schemeClr val="accent3"/>
+          </a:effectRef>
+          <a:fontRef idx="minor">
+            <a:schemeClr val="lt1"/>
+          </a:fontRef>
+        </p:style>
+        <p:txBody>
+          <a:bodyPr rtlCol="0" anchor="ctr"/>
+          <a:lstStyle/>
+          <a:p>
+            <a:pPr algn="ctr"/>
+            <a:endParaRPr lang="en-US"/>
+          </a:p>
+        </p:txBody>
+      </p:sp>
+      <p:sp>
+        <p:nvSpPr>
+          <p:cNvPr id="8" name="Isosceles Triangle 7"/>
+          <p:cNvSpPr/>
+          <p:nvPr/>
+        </p:nvSpPr>
+        <p:spPr>
+          <a:xfrm rot="16200000">
+            <a:off x="5071763" y="4009198"/>
+            <a:ext cx="393476" cy="281558"/>
+          </a:xfrm>
+          <a:prstGeom prst="triangle">
+            <a:avLst>
+              <a:gd name="adj" fmla="val 76776"/>
+            </a:avLst>
+          </a:prstGeom>
+        </p:spPr>
+        <p:style>
+          <a:lnRef idx="2">
+            <a:schemeClr val="accent3">
+              <a:shade val="50000"/>
+            </a:schemeClr>
+          </a:lnRef>
+          <a:fillRef idx="1">
+            <a:schemeClr val="accent3"/>
+          </a:fillRef>
+          <a:effectRef idx="0">
+            <a:schemeClr val="accent3"/>
+          </a:effectRef>
+          <a:fontRef idx="minor">
+            <a:schemeClr val="lt1"/>
+          </a:fontRef>
+        </p:style>
+        <p:txBody>
+          <a:bodyPr rtlCol="0" anchor="ctr"/>
+          <a:lstStyle/>
+          <a:p>
+            <a:pPr algn="ctr"/>
+            <a:endParaRPr lang="en-US"/>
+          </a:p>
+        </p:txBody>
+      </p:sp>
+      <p:sp>
+        <p:nvSpPr>
+          <p:cNvPr id="9" name="Isosceles Triangle 8"/>
+          <p:cNvSpPr/>
+          <p:nvPr/>
+        </p:nvSpPr>
+        <p:spPr>
+          <a:xfrm rot="18693615">
+            <a:off x="5574966" y="4990682"/>
+            <a:ext cx="879114" cy="915754"/>
+          </a:xfrm>
+          <a:prstGeom prst="triangle">
+            <a:avLst>
+              <a:gd name="adj" fmla="val 27314"/>
+            </a:avLst>
+          </a:prstGeom>
+        </p:spPr>
+        <p:style>
+          <a:lnRef idx="2">
+            <a:schemeClr val="accent3">
+              <a:shade val="50000"/>
+            </a:schemeClr>
+          </a:lnRef>
+          <a:fillRef idx="1">
+            <a:schemeClr val="accent3"/>
+          </a:fillRef>
+          <a:effectRef idx="0">
+            <a:schemeClr val="accent3"/>
+          </a:effectRef>
+          <a:fontRef idx="minor">
+            <a:schemeClr val="lt1"/>
+          </a:fontRef>
+        </p:style>
+        <p:txBody>
+          <a:bodyPr rtlCol="0" anchor="ctr"/>
+          <a:lstStyle/>
+          <a:p>
+            <a:pPr algn="ctr"/>
+            <a:endParaRPr lang="en-US"/>
+          </a:p>
+        </p:txBody>
+      </p:sp>
+      <p:sp>
+        <p:nvSpPr>
+          <p:cNvPr id="10" name="Isosceles Triangle 9"/>
+          <p:cNvSpPr/>
+          <p:nvPr/>
+        </p:nvSpPr>
+        <p:spPr>
+          <a:xfrm rot="18000000">
+            <a:off x="5427490" y="3870371"/>
+            <a:ext cx="443615" cy="387609"/>
+          </a:xfrm>
+          <a:prstGeom prst="triangle">
+            <a:avLst>
+              <a:gd name="adj" fmla="val 48289"/>
+            </a:avLst>
+          </a:prstGeom>
+        </p:spPr>
+        <p:style>
+          <a:lnRef idx="2">
+            <a:schemeClr val="accent3">
+              <a:shade val="50000"/>
+            </a:schemeClr>
+          </a:lnRef>
+          <a:fillRef idx="1">
+            <a:schemeClr val="accent3"/>
+          </a:fillRef>
+          <a:effectRef idx="0">
+            <a:schemeClr val="accent3"/>
+          </a:effectRef>
+          <a:fontRef idx="minor">
+            <a:schemeClr val="lt1"/>
+          </a:fontRef>
+        </p:style>
+        <p:txBody>
+          <a:bodyPr rtlCol="0" anchor="ctr"/>
+          <a:lstStyle/>
+          <a:p>
+            <a:pPr algn="ctr"/>
+            <a:endParaRPr lang="en-US"/>
+          </a:p>
+        </p:txBody>
+      </p:sp>
+      <p:sp>
+        <p:nvSpPr>
+          <p:cNvPr id="11" name="Isosceles Triangle 10"/>
+          <p:cNvSpPr/>
+          <p:nvPr/>
+        </p:nvSpPr>
+        <p:spPr>
+          <a:xfrm rot="945712">
+            <a:off x="5083453" y="3348328"/>
+            <a:ext cx="277998" cy="204246"/>
+          </a:xfrm>
+          <a:prstGeom prst="triangle">
+            <a:avLst>
+              <a:gd name="adj" fmla="val 27314"/>
+            </a:avLst>
+          </a:prstGeom>
+        </p:spPr>
+        <p:style>
+          <a:lnRef idx="2">
+            <a:schemeClr val="accent3">
+              <a:shade val="50000"/>
+            </a:schemeClr>
+          </a:lnRef>
+          <a:fillRef idx="1">
+            <a:schemeClr val="accent3"/>
+          </a:fillRef>
+          <a:effectRef idx="0">
+            <a:schemeClr val="accent3"/>
+          </a:effectRef>
+          <a:fontRef idx="minor">
+            <a:schemeClr val="lt1"/>
+          </a:fontRef>
+        </p:style>
+        <p:txBody>
+          <a:bodyPr rtlCol="0" anchor="ctr"/>
+          <a:lstStyle/>
+          <a:p>
+            <a:pPr algn="ctr"/>
+            <a:endParaRPr lang="en-US"/>
+          </a:p>
+        </p:txBody>
+      </p:sp>
+      <p:sp>
+        <p:nvSpPr>
+          <p:cNvPr id="12" name="Isosceles Triangle 11"/>
+          <p:cNvSpPr/>
+          <p:nvPr/>
+        </p:nvSpPr>
+        <p:spPr>
+          <a:xfrm rot="5860246">
+            <a:off x="5719189" y="1414399"/>
+            <a:ext cx="417705" cy="1258329"/>
+          </a:xfrm>
+          <a:prstGeom prst="triangle">
+            <a:avLst>
+              <a:gd name="adj" fmla="val 36269"/>
+            </a:avLst>
+          </a:prstGeom>
+        </p:spPr>
+        <p:style>
+          <a:lnRef idx="2">
+            <a:schemeClr val="accent3">
+              <a:shade val="50000"/>
+            </a:schemeClr>
+          </a:lnRef>
+          <a:fillRef idx="1">
+            <a:schemeClr val="accent3"/>
+          </a:fillRef>
+          <a:effectRef idx="0">
+            <a:schemeClr val="accent3"/>
+          </a:effectRef>
+          <a:fontRef idx="minor">
+            <a:schemeClr val="lt1"/>
+          </a:fontRef>
+        </p:style>
+        <p:txBody>
+          <a:bodyPr rtlCol="0" anchor="ctr"/>
+          <a:lstStyle/>
+          <a:p>
+            <a:pPr algn="ctr"/>
+            <a:endParaRPr lang="en-US"/>
+          </a:p>
+        </p:txBody>
+      </p:sp>
+      <p:sp>
+        <p:nvSpPr>
+          <p:cNvPr id="13" name="Isosceles Triangle 12"/>
+          <p:cNvSpPr/>
+          <p:nvPr/>
+        </p:nvSpPr>
+        <p:spPr>
+          <a:xfrm rot="3023939">
+            <a:off x="3176467" y="4772020"/>
+            <a:ext cx="884677" cy="776709"/>
+          </a:xfrm>
+          <a:prstGeom prst="triangle">
+            <a:avLst>
+              <a:gd name="adj" fmla="val 27314"/>
+            </a:avLst>
+          </a:prstGeom>
+        </p:spPr>
+        <p:style>
+          <a:lnRef idx="2">
+            <a:schemeClr val="accent3">
+              <a:shade val="50000"/>
+            </a:schemeClr>
+          </a:lnRef>
+          <a:fillRef idx="1">
+            <a:schemeClr val="accent3"/>
+          </a:fillRef>
+          <a:effectRef idx="0">
+            <a:schemeClr val="accent3"/>
+          </a:effectRef>
+          <a:fontRef idx="minor">
+            <a:schemeClr val="lt1"/>
+          </a:fontRef>
+        </p:style>
+        <p:txBody>
+          <a:bodyPr rtlCol="0" anchor="ctr"/>
+          <a:lstStyle/>
+          <a:p>
+            <a:pPr algn="ctr"/>
+            <a:endParaRPr lang="en-US"/>
+          </a:p>
+        </p:txBody>
+      </p:sp>
+      <p:sp>
+        <p:nvSpPr>
+          <p:cNvPr id="14" name="Isosceles Triangle 13"/>
+          <p:cNvSpPr/>
+          <p:nvPr/>
+        </p:nvSpPr>
+        <p:spPr>
+          <a:xfrm rot="4500000">
+            <a:off x="5731528" y="3401034"/>
+            <a:ext cx="424584" cy="370915"/>
+          </a:xfrm>
+          <a:prstGeom prst="triangle">
+            <a:avLst>
+              <a:gd name="adj" fmla="val 27314"/>
+            </a:avLst>
+          </a:prstGeom>
+        </p:spPr>
+        <p:style>
+          <a:lnRef idx="2">
+            <a:schemeClr val="accent3">
+              <a:shade val="50000"/>
+            </a:schemeClr>
+          </a:lnRef>
+          <a:fillRef idx="1">
+            <a:schemeClr val="accent3"/>
+          </a:fillRef>
+          <a:effectRef idx="0">
+            <a:schemeClr val="accent3"/>
+          </a:effectRef>
+          <a:fontRef idx="minor">
+            <a:schemeClr val="lt1"/>
+          </a:fontRef>
+        </p:style>
+        <p:txBody>
+          <a:bodyPr rtlCol="0" anchor="ctr"/>
+          <a:lstStyle/>
+          <a:p>
+            <a:pPr algn="ctr"/>
+            <a:endParaRPr lang="en-US"/>
+          </a:p>
+        </p:txBody>
+      </p:sp>
+      <p:sp>
+        <p:nvSpPr>
+          <p:cNvPr id="15" name="Isosceles Triangle 14"/>
+          <p:cNvSpPr/>
+          <p:nvPr/>
+        </p:nvSpPr>
+        <p:spPr>
+          <a:xfrm rot="6385959">
+            <a:off x="4089962" y="5158735"/>
+            <a:ext cx="884677" cy="776709"/>
+          </a:xfrm>
+          <a:prstGeom prst="triangle">
+            <a:avLst>
+              <a:gd name="adj" fmla="val 27314"/>
+            </a:avLst>
+          </a:prstGeom>
+        </p:spPr>
+        <p:style>
+          <a:lnRef idx="2">
+            <a:schemeClr val="accent3">
+              <a:shade val="50000"/>
+            </a:schemeClr>
+          </a:lnRef>
+          <a:fillRef idx="1">
+            <a:schemeClr val="accent3"/>
+          </a:fillRef>
+          <a:effectRef idx="0">
+            <a:schemeClr val="accent3"/>
+          </a:effectRef>
+          <a:fontRef idx="minor">
+            <a:schemeClr val="lt1"/>
+          </a:fontRef>
+        </p:style>
+        <p:txBody>
+          <a:bodyPr rtlCol="0" anchor="ctr"/>
+          <a:lstStyle/>
+          <a:p>
+            <a:pPr algn="ctr"/>
+            <a:endParaRPr lang="en-US"/>
+          </a:p>
+        </p:txBody>
+      </p:sp>
+      <p:sp>
+        <p:nvSpPr>
+          <p:cNvPr id="16" name="Isosceles Triangle 15"/>
+          <p:cNvSpPr/>
+          <p:nvPr/>
+        </p:nvSpPr>
+        <p:spPr>
+          <a:xfrm rot="6385959">
+            <a:off x="6522077" y="1950368"/>
+            <a:ext cx="884677" cy="776709"/>
+          </a:xfrm>
+          <a:prstGeom prst="triangle">
+            <a:avLst>
+              <a:gd name="adj" fmla="val 27314"/>
+            </a:avLst>
+          </a:prstGeom>
+        </p:spPr>
+        <p:style>
+          <a:lnRef idx="2">
+            <a:schemeClr val="accent3">
+              <a:shade val="50000"/>
+            </a:schemeClr>
+          </a:lnRef>
+          <a:fillRef idx="1">
+            <a:schemeClr val="accent3"/>
+          </a:fillRef>
+          <a:effectRef idx="0">
+            <a:schemeClr val="accent3"/>
+          </a:effectRef>
+          <a:fontRef idx="minor">
+            <a:schemeClr val="lt1"/>
+          </a:fontRef>
+        </p:style>
+        <p:txBody>
+          <a:bodyPr rtlCol="0" anchor="ctr"/>
+          <a:lstStyle/>
+          <a:p>
+            <a:pPr algn="ctr"/>
+            <a:endParaRPr lang="en-US"/>
+          </a:p>
+        </p:txBody>
+      </p:sp>
+      <p:sp>
+        <p:nvSpPr>
+          <p:cNvPr id="17" name="Isosceles Triangle 16"/>
+          <p:cNvSpPr/>
+          <p:nvPr/>
+        </p:nvSpPr>
+        <p:spPr>
+          <a:xfrm rot="13500000">
+            <a:off x="4839130" y="3686570"/>
+            <a:ext cx="443615" cy="387609"/>
+          </a:xfrm>
+          <a:prstGeom prst="triangle">
+            <a:avLst>
+              <a:gd name="adj" fmla="val 48289"/>
+            </a:avLst>
+          </a:prstGeom>
+        </p:spPr>
+        <p:style>
+          <a:lnRef idx="2">
+            <a:schemeClr val="accent3">
+              <a:shade val="50000"/>
+            </a:schemeClr>
+          </a:lnRef>
+          <a:fillRef idx="1">
+            <a:schemeClr val="accent3"/>
+          </a:fillRef>
+          <a:effectRef idx="0">
+            <a:schemeClr val="accent3"/>
+          </a:effectRef>
+          <a:fontRef idx="minor">
+            <a:schemeClr val="lt1"/>
+          </a:fontRef>
+        </p:style>
+        <p:txBody>
+          <a:bodyPr rtlCol="0" anchor="ctr"/>
+          <a:lstStyle/>
+          <a:p>
+            <a:pPr algn="ctr"/>
+            <a:endParaRPr lang="en-US"/>
+          </a:p>
+        </p:txBody>
+      </p:sp>
+      <p:sp>
+        <p:nvSpPr>
+          <p:cNvPr id="18" name="Oval 17"/>
+          <p:cNvSpPr/>
+          <p:nvPr/>
+        </p:nvSpPr>
+        <p:spPr>
+          <a:xfrm>
+            <a:off x="5409280" y="3619939"/>
+            <a:ext cx="219611" cy="219611"/>
+          </a:xfrm>
+          <a:prstGeom prst="ellipse">
+            <a:avLst/>
+          </a:prstGeom>
+          <a:solidFill>
+            <a:srgbClr val="FFFF00"/>
+          </a:solidFill>
+          <a:ln>
+            <a:solidFill>
+              <a:srgbClr val="FFC000"/>
+            </a:solidFill>
+          </a:ln>
+        </p:spPr>
+        <p:style>
+          <a:lnRef idx="2">
+            <a:schemeClr val="accent1">
+              <a:shade val="50000"/>
+            </a:schemeClr>
+          </a:lnRef>
+          <a:fillRef idx="1">
+            <a:schemeClr val="accent1"/>
+          </a:fillRef>
+          <a:effectRef idx="0">
+            <a:schemeClr val="accent1"/>
+          </a:effectRef>
+          <a:fontRef idx="minor">
+            <a:schemeClr val="lt1"/>
+          </a:fontRef>
+        </p:style>
+        <p:txBody>
+          <a:bodyPr rtlCol="0" anchor="ctr"/>
+          <a:lstStyle/>
+          <a:p>
+            <a:pPr algn="ctr"/>
+            <a:endParaRPr lang="en-US"/>
+          </a:p>
+        </p:txBody>
+      </p:sp>
+      <p:sp>
+        <p:nvSpPr>
+          <p:cNvPr id="19" name="Isosceles Triangle 18"/>
+          <p:cNvSpPr/>
+          <p:nvPr/>
+        </p:nvSpPr>
+        <p:spPr>
+          <a:xfrm rot="7863555">
+            <a:off x="3214233" y="3270133"/>
+            <a:ext cx="417705" cy="1258329"/>
+          </a:xfrm>
+          <a:prstGeom prst="triangle">
+            <a:avLst>
+              <a:gd name="adj" fmla="val 100000"/>
+            </a:avLst>
+          </a:prstGeom>
+        </p:spPr>
+        <p:style>
+          <a:lnRef idx="2">
+            <a:schemeClr val="accent3">
+              <a:shade val="50000"/>
+            </a:schemeClr>
+          </a:lnRef>
+          <a:fillRef idx="1">
+            <a:schemeClr val="accent3"/>
+          </a:fillRef>
+          <a:effectRef idx="0">
+            <a:schemeClr val="accent3"/>
+          </a:effectRef>
+          <a:fontRef idx="minor">
+            <a:schemeClr val="lt1"/>
+          </a:fontRef>
+        </p:style>
+        <p:txBody>
+          <a:bodyPr rtlCol="0" anchor="ctr"/>
+          <a:lstStyle/>
+          <a:p>
+            <a:pPr algn="ctr"/>
+            <a:endParaRPr lang="en-US"/>
+          </a:p>
+        </p:txBody>
+      </p:sp>
+      <p:sp>
+        <p:nvSpPr>
+          <p:cNvPr id="20" name="Isosceles Triangle 19"/>
+          <p:cNvSpPr/>
+          <p:nvPr/>
+        </p:nvSpPr>
+        <p:spPr>
+          <a:xfrm rot="2868795">
+            <a:off x="4177674" y="1635586"/>
+            <a:ext cx="989637" cy="1070313"/>
+          </a:xfrm>
+          <a:prstGeom prst="triangle">
+            <a:avLst>
+              <a:gd name="adj" fmla="val 34161"/>
+            </a:avLst>
+          </a:prstGeom>
+        </p:spPr>
+        <p:style>
+          <a:lnRef idx="2">
+            <a:schemeClr val="accent3">
+              <a:shade val="50000"/>
+            </a:schemeClr>
+          </a:lnRef>
+          <a:fillRef idx="1">
+            <a:schemeClr val="accent3"/>
+          </a:fillRef>
+          <a:effectRef idx="0">
+            <a:schemeClr val="accent3"/>
+          </a:effectRef>
+          <a:fontRef idx="minor">
+            <a:schemeClr val="lt1"/>
+          </a:fontRef>
+        </p:style>
+        <p:txBody>
+          <a:bodyPr rtlCol="0" anchor="ctr"/>
+          <a:lstStyle/>
+          <a:p>
+            <a:pPr algn="ctr"/>
+            <a:endParaRPr lang="en-US"/>
+          </a:p>
+        </p:txBody>
+      </p:sp>
+      <p:sp>
+        <p:nvSpPr>
+          <p:cNvPr id="21" name="Isosceles Triangle 20"/>
+          <p:cNvSpPr/>
+          <p:nvPr/>
+        </p:nvSpPr>
+        <p:spPr>
+          <a:xfrm rot="18693615">
+            <a:off x="2903364" y="2371608"/>
+            <a:ext cx="1108051" cy="1002492"/>
+          </a:xfrm>
+          <a:prstGeom prst="triangle">
+            <a:avLst>
+              <a:gd name="adj" fmla="val 27314"/>
+            </a:avLst>
+          </a:prstGeom>
+        </p:spPr>
+        <p:style>
+          <a:lnRef idx="2">
+            <a:schemeClr val="accent3">
+              <a:shade val="50000"/>
+            </a:schemeClr>
+          </a:lnRef>
+          <a:fillRef idx="1">
+            <a:schemeClr val="accent3"/>
+          </a:fillRef>
+          <a:effectRef idx="0">
+            <a:schemeClr val="accent3"/>
+          </a:effectRef>
+          <a:fontRef idx="minor">
+            <a:schemeClr val="lt1"/>
+          </a:fontRef>
+        </p:style>
+        <p:txBody>
+          <a:bodyPr rtlCol="0" anchor="ctr"/>
+          <a:lstStyle/>
+          <a:p>
+            <a:pPr algn="ctr"/>
+            <a:endParaRPr lang="en-US"/>
+          </a:p>
+        </p:txBody>
+      </p:sp>
+      <p:sp>
+        <p:nvSpPr>
+          <p:cNvPr id="22" name="Isosceles Triangle 21"/>
+          <p:cNvSpPr/>
+          <p:nvPr/>
+        </p:nvSpPr>
+        <p:spPr>
+          <a:xfrm rot="17697099">
+            <a:off x="7156579" y="3292928"/>
+            <a:ext cx="1143000" cy="1070313"/>
+          </a:xfrm>
+          <a:prstGeom prst="triangle">
+            <a:avLst>
+              <a:gd name="adj" fmla="val 27314"/>
+            </a:avLst>
+          </a:prstGeom>
+        </p:spPr>
+        <p:style>
+          <a:lnRef idx="2">
+            <a:schemeClr val="accent3">
+              <a:shade val="50000"/>
+            </a:schemeClr>
+          </a:lnRef>
+          <a:fillRef idx="1">
+            <a:schemeClr val="accent3"/>
+          </a:fillRef>
+          <a:effectRef idx="0">
+            <a:schemeClr val="accent3"/>
+          </a:effectRef>
+          <a:fontRef idx="minor">
+            <a:schemeClr val="lt1"/>
+          </a:fontRef>
+        </p:style>
+        <p:txBody>
+          <a:bodyPr rtlCol="0" anchor="ctr"/>
+          <a:lstStyle/>
+          <a:p>
+            <a:pPr algn="ctr"/>
+            <a:endParaRPr lang="en-US"/>
+          </a:p>
+        </p:txBody>
+      </p:sp>
+      <p:sp>
+        <p:nvSpPr>
+          <p:cNvPr id="24" name="Isosceles Triangle 23"/>
+          <p:cNvSpPr/>
+          <p:nvPr/>
+        </p:nvSpPr>
+        <p:spPr>
+          <a:xfrm rot="4145565">
+            <a:off x="7152893" y="2547687"/>
+            <a:ext cx="1043883" cy="776709"/>
+          </a:xfrm>
+          <a:prstGeom prst="triangle">
+            <a:avLst>
+              <a:gd name="adj" fmla="val 27314"/>
+            </a:avLst>
+          </a:prstGeom>
+        </p:spPr>
+        <p:style>
+          <a:lnRef idx="2">
+            <a:schemeClr val="accent3">
+              <a:shade val="50000"/>
+            </a:schemeClr>
+          </a:lnRef>
+          <a:fillRef idx="1">
+            <a:schemeClr val="accent3"/>
+          </a:fillRef>
+          <a:effectRef idx="0">
+            <a:schemeClr val="accent3"/>
+          </a:effectRef>
+          <a:fontRef idx="minor">
+            <a:schemeClr val="lt1"/>
+          </a:fontRef>
+        </p:style>
+        <p:txBody>
+          <a:bodyPr rtlCol="0" anchor="ctr"/>
+          <a:lstStyle/>
+          <a:p>
+            <a:pPr algn="ctr"/>
+            <a:endParaRPr lang="en-US"/>
+          </a:p>
+        </p:txBody>
+      </p:sp>
+      <p:sp>
+        <p:nvSpPr>
+          <p:cNvPr id="25" name="Oval 24"/>
+          <p:cNvSpPr/>
+          <p:nvPr/>
+        </p:nvSpPr>
+        <p:spPr>
+          <a:xfrm>
+            <a:off x="4767055" y="3000915"/>
+            <a:ext cx="1534118" cy="1571086"/>
+          </a:xfrm>
+          <a:prstGeom prst="ellipse">
+            <a:avLst/>
+          </a:prstGeom>
+          <a:noFill/>
+          <a:ln w="57150">
+            <a:solidFill>
+              <a:schemeClr val="tx1"/>
+            </a:solidFill>
+            <a:prstDash val="sysDash"/>
+          </a:ln>
+        </p:spPr>
+        <p:style>
+          <a:lnRef idx="2">
+            <a:schemeClr val="accent1">
+              <a:shade val="50000"/>
+            </a:schemeClr>
+          </a:lnRef>
+          <a:fillRef idx="1">
+            <a:schemeClr val="accent1"/>
+          </a:fillRef>
+          <a:effectRef idx="0">
+            <a:schemeClr val="accent1"/>
+          </a:effectRef>
+          <a:fontRef idx="minor">
+            <a:schemeClr val="lt1"/>
+          </a:fontRef>
+        </p:style>
+        <p:txBody>
+          <a:bodyPr rtlCol="0" anchor="ctr"/>
+          <a:lstStyle/>
+          <a:p>
+            <a:pPr algn="ctr"/>
+            <a:endParaRPr lang="en-US"/>
+          </a:p>
+        </p:txBody>
+      </p:sp>
+      <p:sp>
+        <p:nvSpPr>
+          <p:cNvPr id="26" name="Isosceles Triangle 25"/>
+          <p:cNvSpPr/>
+          <p:nvPr/>
+        </p:nvSpPr>
+        <p:spPr>
+          <a:xfrm rot="16200000">
+            <a:off x="2601111" y="4517023"/>
+            <a:ext cx="393476" cy="281558"/>
+          </a:xfrm>
+          <a:prstGeom prst="triangle">
+            <a:avLst>
+              <a:gd name="adj" fmla="val 76776"/>
+            </a:avLst>
+          </a:prstGeom>
+        </p:spPr>
+        <p:style>
+          <a:lnRef idx="2">
+            <a:schemeClr val="accent3">
+              <a:shade val="50000"/>
+            </a:schemeClr>
+          </a:lnRef>
+          <a:fillRef idx="1">
+            <a:schemeClr val="accent3"/>
+          </a:fillRef>
+          <a:effectRef idx="0">
+            <a:schemeClr val="accent3"/>
+          </a:effectRef>
+          <a:fontRef idx="minor">
+            <a:schemeClr val="lt1"/>
+          </a:fontRef>
+        </p:style>
+        <p:txBody>
+          <a:bodyPr rtlCol="0" anchor="ctr"/>
+          <a:lstStyle/>
+          <a:p>
+            <a:pPr algn="ctr"/>
+            <a:endParaRPr lang="en-US"/>
+          </a:p>
+        </p:txBody>
+      </p:sp>
+      <p:sp>
+        <p:nvSpPr>
+          <p:cNvPr id="27" name="Isosceles Triangle 26"/>
+          <p:cNvSpPr/>
+          <p:nvPr/>
+        </p:nvSpPr>
+        <p:spPr>
+          <a:xfrm rot="18000000">
+            <a:off x="2956838" y="4378196"/>
+            <a:ext cx="443615" cy="387609"/>
+          </a:xfrm>
+          <a:prstGeom prst="triangle">
+            <a:avLst>
+              <a:gd name="adj" fmla="val 48289"/>
+            </a:avLst>
+          </a:prstGeom>
+        </p:spPr>
+        <p:style>
+          <a:lnRef idx="2">
+            <a:schemeClr val="accent3">
+              <a:shade val="50000"/>
+            </a:schemeClr>
+          </a:lnRef>
+          <a:fillRef idx="1">
+            <a:schemeClr val="accent3"/>
+          </a:fillRef>
+          <a:effectRef idx="0">
+            <a:schemeClr val="accent3"/>
+          </a:effectRef>
+          <a:fontRef idx="minor">
+            <a:schemeClr val="lt1"/>
+          </a:fontRef>
+        </p:style>
+        <p:txBody>
+          <a:bodyPr rtlCol="0" anchor="ctr"/>
+          <a:lstStyle/>
+          <a:p>
+            <a:pPr algn="ctr"/>
+            <a:endParaRPr lang="en-US"/>
+          </a:p>
+        </p:txBody>
+      </p:sp>
+      <p:sp>
+        <p:nvSpPr>
+          <p:cNvPr id="28" name="Isosceles Triangle 27"/>
+          <p:cNvSpPr/>
+          <p:nvPr/>
+        </p:nvSpPr>
+        <p:spPr>
+          <a:xfrm rot="6745636">
+            <a:off x="2875402" y="4132616"/>
+            <a:ext cx="424584" cy="370915"/>
+          </a:xfrm>
+          <a:prstGeom prst="triangle">
+            <a:avLst>
+              <a:gd name="adj" fmla="val 56617"/>
+            </a:avLst>
+          </a:prstGeom>
+        </p:spPr>
+        <p:style>
+          <a:lnRef idx="2">
+            <a:schemeClr val="accent3">
+              <a:shade val="50000"/>
+            </a:schemeClr>
+          </a:lnRef>
+          <a:fillRef idx="1">
+            <a:schemeClr val="accent3"/>
+          </a:fillRef>
+          <a:effectRef idx="0">
+            <a:schemeClr val="accent3"/>
+          </a:effectRef>
+          <a:fontRef idx="minor">
+            <a:schemeClr val="lt1"/>
+          </a:fontRef>
+        </p:style>
+        <p:txBody>
+          <a:bodyPr rtlCol="0" anchor="ctr"/>
+          <a:lstStyle/>
+          <a:p>
+            <a:pPr algn="ctr"/>
+            <a:endParaRPr lang="en-US"/>
+          </a:p>
+        </p:txBody>
+      </p:sp>
+      <p:sp>
+        <p:nvSpPr>
+          <p:cNvPr id="29" name="Isosceles Triangle 28"/>
+          <p:cNvSpPr/>
+          <p:nvPr/>
+        </p:nvSpPr>
+        <p:spPr>
+          <a:xfrm rot="15023521">
+            <a:off x="7689288" y="3248257"/>
+            <a:ext cx="393476" cy="281558"/>
+          </a:xfrm>
+          <a:prstGeom prst="triangle">
+            <a:avLst>
+              <a:gd name="adj" fmla="val 76776"/>
+            </a:avLst>
+          </a:prstGeom>
+        </p:spPr>
+        <p:style>
+          <a:lnRef idx="2">
+            <a:schemeClr val="accent3">
+              <a:shade val="50000"/>
+            </a:schemeClr>
+          </a:lnRef>
+          <a:fillRef idx="1">
+            <a:schemeClr val="accent3"/>
+          </a:fillRef>
+          <a:effectRef idx="0">
+            <a:schemeClr val="accent3"/>
+          </a:effectRef>
+          <a:fontRef idx="minor">
+            <a:schemeClr val="lt1"/>
+          </a:fontRef>
+        </p:style>
+        <p:txBody>
+          <a:bodyPr rtlCol="0" anchor="ctr"/>
+          <a:lstStyle/>
+          <a:p>
+            <a:pPr algn="ctr"/>
+            <a:endParaRPr lang="en-US"/>
+          </a:p>
+        </p:txBody>
+      </p:sp>
+      <p:sp>
+        <p:nvSpPr>
+          <p:cNvPr id="30" name="Isosceles Triangle 29"/>
+          <p:cNvSpPr/>
+          <p:nvPr/>
+        </p:nvSpPr>
+        <p:spPr>
+          <a:xfrm rot="2615354">
+            <a:off x="8104471" y="3015265"/>
+            <a:ext cx="443615" cy="387609"/>
+          </a:xfrm>
+          <a:prstGeom prst="triangle">
+            <a:avLst>
+              <a:gd name="adj" fmla="val 48289"/>
+            </a:avLst>
+          </a:prstGeom>
+        </p:spPr>
+        <p:style>
+          <a:lnRef idx="2">
+            <a:schemeClr val="accent3">
+              <a:shade val="50000"/>
+            </a:schemeClr>
+          </a:lnRef>
+          <a:fillRef idx="1">
+            <a:schemeClr val="accent3"/>
+          </a:fillRef>
+          <a:effectRef idx="0">
+            <a:schemeClr val="accent3"/>
+          </a:effectRef>
+          <a:fontRef idx="minor">
+            <a:schemeClr val="lt1"/>
+          </a:fontRef>
+        </p:style>
+        <p:txBody>
+          <a:bodyPr rtlCol="0" anchor="ctr"/>
+          <a:lstStyle/>
+          <a:p>
+            <a:pPr algn="ctr"/>
+            <a:endParaRPr lang="en-US"/>
+          </a:p>
+        </p:txBody>
+      </p:sp>
+      <p:sp>
+        <p:nvSpPr>
+          <p:cNvPr id="31" name="Isosceles Triangle 30"/>
+          <p:cNvSpPr/>
+          <p:nvPr/>
+        </p:nvSpPr>
+        <p:spPr>
+          <a:xfrm rot="6745636">
+            <a:off x="7926156" y="2746377"/>
+            <a:ext cx="424584" cy="370915"/>
+          </a:xfrm>
+          <a:prstGeom prst="triangle">
+            <a:avLst>
+              <a:gd name="adj" fmla="val 56617"/>
+            </a:avLst>
+          </a:prstGeom>
+        </p:spPr>
+        <p:style>
+          <a:lnRef idx="2">
+            <a:schemeClr val="accent3">
+              <a:shade val="50000"/>
+            </a:schemeClr>
+          </a:lnRef>
+          <a:fillRef idx="1">
+            <a:schemeClr val="accent3"/>
+          </a:fillRef>
+          <a:effectRef idx="0">
+            <a:schemeClr val="accent3"/>
+          </a:effectRef>
+          <a:fontRef idx="minor">
+            <a:schemeClr val="lt1"/>
+          </a:fontRef>
+        </p:style>
+        <p:txBody>
+          <a:bodyPr rtlCol="0" anchor="ctr"/>
+          <a:lstStyle/>
+          <a:p>
+            <a:pPr algn="ctr"/>
+            <a:endParaRPr lang="en-US"/>
+          </a:p>
+        </p:txBody>
+      </p:sp>
+      <p:sp>
+        <p:nvSpPr>
+          <p:cNvPr id="32" name="Isosceles Triangle 31"/>
+          <p:cNvSpPr/>
+          <p:nvPr/>
+        </p:nvSpPr>
+        <p:spPr>
+          <a:xfrm rot="17816970">
+            <a:off x="4793019" y="5758403"/>
+            <a:ext cx="393476" cy="281558"/>
+          </a:xfrm>
+          <a:prstGeom prst="triangle">
+            <a:avLst>
+              <a:gd name="adj" fmla="val 76776"/>
+            </a:avLst>
+          </a:prstGeom>
+        </p:spPr>
+        <p:style>
+          <a:lnRef idx="2">
+            <a:schemeClr val="accent3">
+              <a:shade val="50000"/>
+            </a:schemeClr>
+          </a:lnRef>
+          <a:fillRef idx="1">
+            <a:schemeClr val="accent3"/>
+          </a:fillRef>
+          <a:effectRef idx="0">
+            <a:schemeClr val="accent3"/>
+          </a:effectRef>
+          <a:fontRef idx="minor">
+            <a:schemeClr val="lt1"/>
+          </a:fontRef>
+        </p:style>
+        <p:txBody>
+          <a:bodyPr rtlCol="0" anchor="ctr"/>
+          <a:lstStyle/>
+          <a:p>
+            <a:pPr algn="ctr"/>
+            <a:endParaRPr lang="en-US"/>
+          </a:p>
+        </p:txBody>
+      </p:sp>
+      <p:sp>
+        <p:nvSpPr>
+          <p:cNvPr id="33" name="Isosceles Triangle 32"/>
+          <p:cNvSpPr/>
+          <p:nvPr/>
+        </p:nvSpPr>
+        <p:spPr>
+          <a:xfrm rot="19616970">
+            <a:off x="5187471" y="5705378"/>
+            <a:ext cx="443615" cy="387609"/>
+          </a:xfrm>
+          <a:prstGeom prst="triangle">
+            <a:avLst>
+              <a:gd name="adj" fmla="val 48289"/>
+            </a:avLst>
+          </a:prstGeom>
+        </p:spPr>
+        <p:style>
+          <a:lnRef idx="2">
+            <a:schemeClr val="accent3">
+              <a:shade val="50000"/>
+            </a:schemeClr>
+          </a:lnRef>
+          <a:fillRef idx="1">
+            <a:schemeClr val="accent3"/>
+          </a:fillRef>
+          <a:effectRef idx="0">
+            <a:schemeClr val="accent3"/>
+          </a:effectRef>
+          <a:fontRef idx="minor">
+            <a:schemeClr val="lt1"/>
+          </a:fontRef>
+        </p:style>
+        <p:txBody>
+          <a:bodyPr rtlCol="0" anchor="ctr"/>
+          <a:lstStyle/>
+          <a:p>
+            <a:pPr algn="ctr"/>
+            <a:endParaRPr lang="en-US"/>
+          </a:p>
+        </p:txBody>
+      </p:sp>
+      <p:sp>
+        <p:nvSpPr>
+          <p:cNvPr id="34" name="Isosceles Triangle 33"/>
+          <p:cNvSpPr/>
+          <p:nvPr/>
+        </p:nvSpPr>
+        <p:spPr>
+          <a:xfrm rot="8362606">
+            <a:off x="5067310" y="5373996"/>
+            <a:ext cx="424584" cy="370915"/>
+          </a:xfrm>
+          <a:prstGeom prst="triangle">
+            <a:avLst>
+              <a:gd name="adj" fmla="val 56617"/>
+            </a:avLst>
+          </a:prstGeom>
+        </p:spPr>
+        <p:style>
+          <a:lnRef idx="2">
+            <a:schemeClr val="accent3">
+              <a:shade val="50000"/>
+            </a:schemeClr>
+          </a:lnRef>
+          <a:fillRef idx="1">
+            <a:schemeClr val="accent3"/>
+          </a:fillRef>
+          <a:effectRef idx="0">
+            <a:schemeClr val="accent3"/>
+          </a:effectRef>
+          <a:fontRef idx="minor">
+            <a:schemeClr val="lt1"/>
+          </a:fontRef>
+        </p:style>
+        <p:txBody>
+          <a:bodyPr rtlCol="0" anchor="ctr"/>
+          <a:lstStyle/>
+          <a:p>
+            <a:pPr algn="ctr"/>
+            <a:endParaRPr lang="en-US"/>
+          </a:p>
+        </p:txBody>
+      </p:sp>
+      <p:sp>
+        <p:nvSpPr>
+          <p:cNvPr id="35" name="Isosceles Triangle 34"/>
+          <p:cNvSpPr/>
+          <p:nvPr/>
+        </p:nvSpPr>
+        <p:spPr>
+          <a:xfrm rot="16200000">
+            <a:off x="6495916" y="5737249"/>
+            <a:ext cx="393476" cy="281558"/>
+          </a:xfrm>
+          <a:prstGeom prst="triangle">
+            <a:avLst>
+              <a:gd name="adj" fmla="val 76776"/>
+            </a:avLst>
+          </a:prstGeom>
+        </p:spPr>
+        <p:style>
+          <a:lnRef idx="2">
+            <a:schemeClr val="accent3">
+              <a:shade val="50000"/>
+            </a:schemeClr>
+          </a:lnRef>
+          <a:fillRef idx="1">
+            <a:schemeClr val="accent3"/>
+          </a:fillRef>
+          <a:effectRef idx="0">
+            <a:schemeClr val="accent3"/>
+          </a:effectRef>
+          <a:fontRef idx="minor">
+            <a:schemeClr val="lt1"/>
+          </a:fontRef>
+        </p:style>
+        <p:txBody>
+          <a:bodyPr rtlCol="0" anchor="ctr"/>
+          <a:lstStyle/>
+          <a:p>
+            <a:pPr algn="ctr"/>
+            <a:endParaRPr lang="en-US"/>
+          </a:p>
+        </p:txBody>
+      </p:sp>
+      <p:sp>
+        <p:nvSpPr>
+          <p:cNvPr id="36" name="Isosceles Triangle 35"/>
+          <p:cNvSpPr/>
+          <p:nvPr/>
+        </p:nvSpPr>
+        <p:spPr>
+          <a:xfrm rot="18000000">
+            <a:off x="6851643" y="5598422"/>
+            <a:ext cx="443615" cy="387609"/>
+          </a:xfrm>
+          <a:prstGeom prst="triangle">
+            <a:avLst>
+              <a:gd name="adj" fmla="val 48289"/>
+            </a:avLst>
+          </a:prstGeom>
+        </p:spPr>
+        <p:style>
+          <a:lnRef idx="2">
+            <a:schemeClr val="accent3">
+              <a:shade val="50000"/>
+            </a:schemeClr>
+          </a:lnRef>
+          <a:fillRef idx="1">
+            <a:schemeClr val="accent3"/>
+          </a:fillRef>
+          <a:effectRef idx="0">
+            <a:schemeClr val="accent3"/>
+          </a:effectRef>
+          <a:fontRef idx="minor">
+            <a:schemeClr val="lt1"/>
+          </a:fontRef>
+        </p:style>
+        <p:txBody>
+          <a:bodyPr rtlCol="0" anchor="ctr"/>
+          <a:lstStyle/>
+          <a:p>
+            <a:pPr algn="ctr"/>
+            <a:endParaRPr lang="en-US"/>
+          </a:p>
+        </p:txBody>
+      </p:sp>
+      <p:sp>
+        <p:nvSpPr>
+          <p:cNvPr id="37" name="Isosceles Triangle 36"/>
+          <p:cNvSpPr/>
+          <p:nvPr/>
+        </p:nvSpPr>
+        <p:spPr>
+          <a:xfrm rot="6745636">
+            <a:off x="6770207" y="5352842"/>
+            <a:ext cx="424584" cy="370915"/>
+          </a:xfrm>
+          <a:prstGeom prst="triangle">
+            <a:avLst>
+              <a:gd name="adj" fmla="val 56617"/>
+            </a:avLst>
+          </a:prstGeom>
+        </p:spPr>
+        <p:style>
+          <a:lnRef idx="2">
+            <a:schemeClr val="accent3">
+              <a:shade val="50000"/>
+            </a:schemeClr>
+          </a:lnRef>
+          <a:fillRef idx="1">
+            <a:schemeClr val="accent3"/>
+          </a:fillRef>
+          <a:effectRef idx="0">
+            <a:schemeClr val="accent3"/>
+          </a:effectRef>
+          <a:fontRef idx="minor">
+            <a:schemeClr val="lt1"/>
+          </a:fontRef>
+        </p:style>
+        <p:txBody>
+          <a:bodyPr rtlCol="0" anchor="ctr"/>
+          <a:lstStyle/>
+          <a:p>
+            <a:pPr algn="ctr"/>
+            <a:endParaRPr lang="en-US"/>
+          </a:p>
+        </p:txBody>
+      </p:sp>
+      <p:sp>
+        <p:nvSpPr>
+          <p:cNvPr id="38" name="Isosceles Triangle 37"/>
+          <p:cNvSpPr/>
+          <p:nvPr/>
+        </p:nvSpPr>
+        <p:spPr>
+          <a:xfrm rot="16200000">
+            <a:off x="5403404" y="914581"/>
+            <a:ext cx="417705" cy="1258329"/>
+          </a:xfrm>
+          <a:prstGeom prst="triangle">
+            <a:avLst>
+              <a:gd name="adj" fmla="val 36269"/>
+            </a:avLst>
+          </a:prstGeom>
+        </p:spPr>
+        <p:style>
+          <a:lnRef idx="2">
+            <a:schemeClr val="accent3">
+              <a:shade val="50000"/>
+            </a:schemeClr>
+          </a:lnRef>
+          <a:fillRef idx="1">
+            <a:schemeClr val="accent3"/>
+          </a:fillRef>
+          <a:effectRef idx="0">
+            <a:schemeClr val="accent3"/>
+          </a:effectRef>
+          <a:fontRef idx="minor">
+            <a:schemeClr val="lt1"/>
+          </a:fontRef>
+        </p:style>
+        <p:txBody>
+          <a:bodyPr rtlCol="0" anchor="ctr"/>
+          <a:lstStyle/>
+          <a:p>
+            <a:pPr algn="ctr"/>
+            <a:endParaRPr lang="en-US"/>
+          </a:p>
+        </p:txBody>
+      </p:sp>
+      <p:sp>
+        <p:nvSpPr>
+          <p:cNvPr id="39" name="Isosceles Triangle 38"/>
+          <p:cNvSpPr/>
+          <p:nvPr/>
+        </p:nvSpPr>
+        <p:spPr>
+          <a:xfrm rot="6745636">
+            <a:off x="3658935" y="2252274"/>
+            <a:ext cx="424584" cy="370915"/>
+          </a:xfrm>
+          <a:prstGeom prst="triangle">
+            <a:avLst>
+              <a:gd name="adj" fmla="val 56617"/>
+            </a:avLst>
+          </a:prstGeom>
+        </p:spPr>
+        <p:style>
+          <a:lnRef idx="2">
+            <a:schemeClr val="accent3">
+              <a:shade val="50000"/>
+            </a:schemeClr>
+          </a:lnRef>
+          <a:fillRef idx="1">
+            <a:schemeClr val="accent3"/>
+          </a:fillRef>
+          <a:effectRef idx="0">
+            <a:schemeClr val="accent3"/>
+          </a:effectRef>
+          <a:fontRef idx="minor">
+            <a:schemeClr val="lt1"/>
+          </a:fontRef>
+        </p:style>
+        <p:txBody>
+          <a:bodyPr rtlCol="0" anchor="ctr"/>
+          <a:lstStyle/>
+          <a:p>
+            <a:pPr algn="ctr"/>
+            <a:endParaRPr lang="en-US"/>
+          </a:p>
+        </p:txBody>
+      </p:sp>
+      <p:pic>
+        <p:nvPicPr>
+          <p:cNvPr id="7170" name="Picture 2" descr="http://www.theforce.net/swtc/Pix/dvd/ep5/avenger2.jpg"/>
+          <p:cNvPicPr>
+            <a:picLocks noChangeAspect="1" noChangeArrowheads="1"/>
+          </p:cNvPicPr>
+          <p:nvPr/>
+        </p:nvPicPr>
+        <p:blipFill rotWithShape="1">
+          <a:blip r:embed="rId2" cstate="print">
+            <a:extLst>
+              <a:ext uri="{28A0092B-C50C-407E-A947-70E740481C1C}">
+                <a14:useLocalDpi xmlns:a14="http://schemas.microsoft.com/office/drawing/2010/main" val="0"/>
+              </a:ext>
+            </a:extLst>
+          </a:blip>
+          <a:srcRect l="22181" t="15090" r="30596" b="22174"/>
+          <a:stretch/>
+        </p:blipFill>
+        <p:spPr bwMode="auto">
+          <a:xfrm rot="2250816">
+            <a:off x="7287971" y="1560319"/>
+            <a:ext cx="927439" cy="690918"/>
+          </a:xfrm>
+          <a:prstGeom prst="rect">
+            <a:avLst/>
+          </a:prstGeom>
+          <a:noFill/>
+          <a:extLst>
+            <a:ext uri="{909E8E84-426E-40DD-AFC4-6F175D3DCCD1}">
+              <a14:hiddenFill xmlns:a14="http://schemas.microsoft.com/office/drawing/2010/main">
+                <a:solidFill>
+                  <a:srgbClr val="FFFFFF"/>
+                </a:solidFill>
+              </a14:hiddenFill>
+            </a:ext>
+          </a:extLst>
+        </p:spPr>
+      </p:pic>
     </p:spTree>
     <p:extLst>
       <p:ext uri="{BB962C8B-B14F-4D97-AF65-F5344CB8AC3E}">
-        <p14:creationId xmlns:p14="http://schemas.microsoft.com/office/powerpoint/2010/main" val="882171861"/>
+        <p14:creationId xmlns:p14="http://schemas.microsoft.com/office/powerpoint/2010/main" val="1934444672"/>
       </p:ext>
     </p:extLst>
   </p:cSld>
@@ -33657,6 +37487,801 @@
     <p:extLst>
       <p:ext uri="{BB962C8B-B14F-4D97-AF65-F5344CB8AC3E}">
         <p14:creationId xmlns:p14="http://schemas.microsoft.com/office/powerpoint/2010/main" val="3213876876"/>
+      </p:ext>
+    </p:extLst>
+  </p:cSld>
+  <p:clrMapOvr>
+    <a:masterClrMapping/>
+  </p:clrMapOvr>
+  <p:timing>
+    <p:tnLst>
+      <p:par>
+        <p:cTn id="1" dur="indefinite" restart="never" nodeType="tmRoot"/>
+      </p:par>
+    </p:tnLst>
+  </p:timing>
+</p:sld>
+</file>
+
+<file path=ppt/slides/slide43.xml><?xml version="1.0" encoding="utf-8"?>
+<p:sld xmlns:a="http://schemas.openxmlformats.org/drawingml/2006/main" xmlns:r="http://schemas.openxmlformats.org/officeDocument/2006/relationships" xmlns:p="http://schemas.openxmlformats.org/presentationml/2006/main">
+  <p:cSld>
+    <p:spTree>
+      <p:nvGrpSpPr>
+        <p:cNvPr id="1" name=""/>
+        <p:cNvGrpSpPr/>
+        <p:nvPr/>
+      </p:nvGrpSpPr>
+      <p:grpSpPr>
+        <a:xfrm>
+          <a:off x="0" y="0"/>
+          <a:ext cx="0" cy="0"/>
+          <a:chOff x="0" y="0"/>
+          <a:chExt cx="0" cy="0"/>
+        </a:xfrm>
+      </p:grpSpPr>
+      <p:sp>
+        <p:nvSpPr>
+          <p:cNvPr id="4" name="Rectangle 3"/>
+          <p:cNvSpPr/>
+          <p:nvPr/>
+        </p:nvSpPr>
+        <p:spPr>
+          <a:xfrm>
+            <a:off x="2362200" y="2362200"/>
+            <a:ext cx="4419600" cy="1905000"/>
+          </a:xfrm>
+          <a:prstGeom prst="rect">
+            <a:avLst/>
+          </a:prstGeom>
+        </p:spPr>
+        <p:style>
+          <a:lnRef idx="0">
+            <a:schemeClr val="accent2"/>
+          </a:lnRef>
+          <a:fillRef idx="3">
+            <a:schemeClr val="accent2"/>
+          </a:fillRef>
+          <a:effectRef idx="3">
+            <a:schemeClr val="accent2"/>
+          </a:effectRef>
+          <a:fontRef idx="minor">
+            <a:schemeClr val="lt1"/>
+          </a:fontRef>
+        </p:style>
+        <p:txBody>
+          <a:bodyPr rtlCol="0" anchor="ctr"/>
+          <a:lstStyle/>
+          <a:p>
+            <a:pPr algn="ctr"/>
+            <a:endParaRPr lang="en-US"/>
+          </a:p>
+        </p:txBody>
+      </p:sp>
+      <p:sp>
+        <p:nvSpPr>
+          <p:cNvPr id="2" name="Title 1"/>
+          <p:cNvSpPr>
+            <a:spLocks noGrp="1"/>
+          </p:cNvSpPr>
+          <p:nvPr>
+            <p:ph type="ctrTitle" idx="4294967295"/>
+          </p:nvPr>
+        </p:nvSpPr>
+        <p:spPr>
+          <a:xfrm>
+            <a:off x="1828800" y="2514600"/>
+            <a:ext cx="5638800" cy="1470025"/>
+          </a:xfrm>
+        </p:spPr>
+        <p:txBody>
+          <a:bodyPr>
+            <a:normAutofit/>
+            <a:scene3d>
+              <a:camera prst="orthographicFront"/>
+              <a:lightRig rig="soft" dir="t">
+                <a:rot lat="0" lon="0" rev="10800000"/>
+              </a:lightRig>
+            </a:scene3d>
+            <a:sp3d>
+              <a:bevelT w="27940" h="12700"/>
+              <a:contourClr>
+                <a:srgbClr val="DDDDDD"/>
+              </a:contourClr>
+            </a:sp3d>
+          </a:bodyPr>
+          <a:lstStyle/>
+          <a:p>
+            <a:r>
+              <a:rPr lang="en-US" b="1" spc="150" dirty="0" smtClean="0">
+                <a:ln w="11430"/>
+                <a:solidFill>
+                  <a:srgbClr val="F8F8F8"/>
+                </a:solidFill>
+                <a:effectLst>
+                  <a:outerShdw blurRad="25400" algn="tl" rotWithShape="0">
+                    <a:srgbClr val="000000">
+                      <a:alpha val="43000"/>
+                    </a:srgbClr>
+                  </a:outerShdw>
+                </a:effectLst>
+              </a:rPr>
+              <a:t>Novel Traversal Techniques</a:t>
+            </a:r>
+            <a:endParaRPr lang="en-US" b="1" spc="150" dirty="0">
+              <a:ln w="11430"/>
+              <a:solidFill>
+                <a:srgbClr val="F8F8F8"/>
+              </a:solidFill>
+              <a:effectLst>
+                <a:outerShdw blurRad="25400" algn="tl" rotWithShape="0">
+                  <a:srgbClr val="000000">
+                    <a:alpha val="43000"/>
+                  </a:srgbClr>
+                </a:outerShdw>
+              </a:effectLst>
+            </a:endParaRPr>
+          </a:p>
+        </p:txBody>
+      </p:sp>
+    </p:spTree>
+    <p:extLst>
+      <p:ext uri="{BB962C8B-B14F-4D97-AF65-F5344CB8AC3E}">
+        <p14:creationId xmlns:p14="http://schemas.microsoft.com/office/powerpoint/2010/main" val="3573714989"/>
+      </p:ext>
+    </p:extLst>
+  </p:cSld>
+  <p:clrMapOvr>
+    <a:masterClrMapping/>
+  </p:clrMapOvr>
+  <p:timing>
+    <p:tnLst>
+      <p:par>
+        <p:cTn id="1" dur="indefinite" restart="never" nodeType="tmRoot"/>
+      </p:par>
+    </p:tnLst>
+  </p:timing>
+</p:sld>
+</file>
+
+<file path=ppt/slides/slide44.xml><?xml version="1.0" encoding="utf-8"?>
+<p:sld xmlns:a="http://schemas.openxmlformats.org/drawingml/2006/main" xmlns:r="http://schemas.openxmlformats.org/officeDocument/2006/relationships" xmlns:p="http://schemas.openxmlformats.org/presentationml/2006/main">
+  <p:cSld>
+    <p:spTree>
+      <p:nvGrpSpPr>
+        <p:cNvPr id="1" name=""/>
+        <p:cNvGrpSpPr/>
+        <p:nvPr/>
+      </p:nvGrpSpPr>
+      <p:grpSpPr>
+        <a:xfrm>
+          <a:off x="0" y="0"/>
+          <a:ext cx="0" cy="0"/>
+          <a:chOff x="0" y="0"/>
+          <a:chExt cx="0" cy="0"/>
+        </a:xfrm>
+      </p:grpSpPr>
+      <p:grpSp>
+        <p:nvGrpSpPr>
+          <p:cNvPr id="6" name="Group 5"/>
+          <p:cNvGrpSpPr/>
+          <p:nvPr/>
+        </p:nvGrpSpPr>
+        <p:grpSpPr>
+          <a:xfrm>
+            <a:off x="3200400" y="1981200"/>
+            <a:ext cx="2743200" cy="2877730"/>
+            <a:chOff x="304800" y="1654456"/>
+            <a:chExt cx="876300" cy="919275"/>
+          </a:xfrm>
+        </p:grpSpPr>
+        <p:sp>
+          <p:nvSpPr>
+            <p:cNvPr id="7" name="Rectangle 6"/>
+            <p:cNvSpPr/>
+            <p:nvPr/>
+          </p:nvSpPr>
+          <p:spPr>
+            <a:xfrm>
+              <a:off x="552450" y="1654456"/>
+              <a:ext cx="342900" cy="315772"/>
+            </a:xfrm>
+            <a:prstGeom prst="rect">
+              <a:avLst/>
+            </a:prstGeom>
+            <a:ln>
+              <a:solidFill>
+                <a:schemeClr val="accent4">
+                  <a:lumMod val="60000"/>
+                  <a:lumOff val="40000"/>
+                </a:schemeClr>
+              </a:solidFill>
+            </a:ln>
+          </p:spPr>
+          <p:style>
+            <a:lnRef idx="2">
+              <a:schemeClr val="accent4">
+                <a:shade val="50000"/>
+              </a:schemeClr>
+            </a:lnRef>
+            <a:fillRef idx="1">
+              <a:schemeClr val="accent4"/>
+            </a:fillRef>
+            <a:effectRef idx="0">
+              <a:schemeClr val="accent4"/>
+            </a:effectRef>
+            <a:fontRef idx="minor">
+              <a:schemeClr val="lt1"/>
+            </a:fontRef>
+          </p:style>
+          <p:txBody>
+            <a:bodyPr rtlCol="0" anchor="ctr"/>
+            <a:lstStyle/>
+            <a:p>
+              <a:pPr algn="ctr"/>
+              <a:r>
+                <a:rPr lang="en-US" sz="6000" dirty="0" smtClean="0"/>
+                <a:t>N</a:t>
+              </a:r>
+              <a:endParaRPr lang="en-US" sz="6000" dirty="0"/>
+            </a:p>
+          </p:txBody>
+        </p:sp>
+        <p:sp>
+          <p:nvSpPr>
+            <p:cNvPr id="8" name="Rectangle 7"/>
+            <p:cNvSpPr/>
+            <p:nvPr/>
+          </p:nvSpPr>
+          <p:spPr>
+            <a:xfrm>
+              <a:off x="304800" y="2257959"/>
+              <a:ext cx="342900" cy="315772"/>
+            </a:xfrm>
+            <a:prstGeom prst="rect">
+              <a:avLst/>
+            </a:prstGeom>
+            <a:ln>
+              <a:solidFill>
+                <a:schemeClr val="accent4">
+                  <a:lumMod val="60000"/>
+                  <a:lumOff val="40000"/>
+                </a:schemeClr>
+              </a:solidFill>
+            </a:ln>
+          </p:spPr>
+          <p:style>
+            <a:lnRef idx="2">
+              <a:schemeClr val="accent4">
+                <a:shade val="50000"/>
+              </a:schemeClr>
+            </a:lnRef>
+            <a:fillRef idx="1">
+              <a:schemeClr val="accent4"/>
+            </a:fillRef>
+            <a:effectRef idx="0">
+              <a:schemeClr val="accent4"/>
+            </a:effectRef>
+            <a:fontRef idx="minor">
+              <a:schemeClr val="lt1"/>
+            </a:fontRef>
+          </p:style>
+          <p:txBody>
+            <a:bodyPr rtlCol="0" anchor="ctr"/>
+            <a:lstStyle/>
+            <a:p>
+              <a:pPr algn="ctr"/>
+              <a:r>
+                <a:rPr lang="en-US" sz="6000" dirty="0"/>
+                <a:t>A</a:t>
+              </a:r>
+            </a:p>
+          </p:txBody>
+        </p:sp>
+        <p:sp>
+          <p:nvSpPr>
+            <p:cNvPr id="9" name="Rectangle 8"/>
+            <p:cNvSpPr/>
+            <p:nvPr/>
+          </p:nvSpPr>
+          <p:spPr>
+            <a:xfrm>
+              <a:off x="838200" y="2257959"/>
+              <a:ext cx="342900" cy="315772"/>
+            </a:xfrm>
+            <a:prstGeom prst="rect">
+              <a:avLst/>
+            </a:prstGeom>
+            <a:ln>
+              <a:solidFill>
+                <a:schemeClr val="accent4">
+                  <a:lumMod val="60000"/>
+                  <a:lumOff val="40000"/>
+                </a:schemeClr>
+              </a:solidFill>
+            </a:ln>
+          </p:spPr>
+          <p:style>
+            <a:lnRef idx="2">
+              <a:schemeClr val="accent4">
+                <a:shade val="50000"/>
+              </a:schemeClr>
+            </a:lnRef>
+            <a:fillRef idx="1">
+              <a:schemeClr val="accent4"/>
+            </a:fillRef>
+            <a:effectRef idx="0">
+              <a:schemeClr val="accent4"/>
+            </a:effectRef>
+            <a:fontRef idx="minor">
+              <a:schemeClr val="lt1"/>
+            </a:fontRef>
+          </p:style>
+          <p:txBody>
+            <a:bodyPr rtlCol="0" anchor="ctr"/>
+            <a:lstStyle/>
+            <a:p>
+              <a:pPr algn="ctr"/>
+              <a:r>
+                <a:rPr lang="en-US" sz="6000" dirty="0" smtClean="0"/>
+                <a:t>B</a:t>
+              </a:r>
+              <a:endParaRPr lang="en-US" sz="6000" b="1" dirty="0"/>
+            </a:p>
+          </p:txBody>
+        </p:sp>
+        <p:cxnSp>
+          <p:nvCxnSpPr>
+            <p:cNvPr id="10" name="Straight Connector 9"/>
+            <p:cNvCxnSpPr>
+              <a:stCxn id="7" idx="2"/>
+              <a:endCxn id="8" idx="0"/>
+            </p:cNvCxnSpPr>
+            <p:nvPr/>
+          </p:nvCxnSpPr>
+          <p:spPr>
+            <a:xfrm flipH="1">
+              <a:off x="476250" y="1970228"/>
+              <a:ext cx="247650" cy="287731"/>
+            </a:xfrm>
+            <a:prstGeom prst="line">
+              <a:avLst/>
+            </a:prstGeom>
+            <a:ln w="28575"/>
+          </p:spPr>
+          <p:style>
+            <a:lnRef idx="1">
+              <a:schemeClr val="accent5"/>
+            </a:lnRef>
+            <a:fillRef idx="0">
+              <a:schemeClr val="accent5"/>
+            </a:fillRef>
+            <a:effectRef idx="0">
+              <a:schemeClr val="accent5"/>
+            </a:effectRef>
+            <a:fontRef idx="minor">
+              <a:schemeClr val="tx1"/>
+            </a:fontRef>
+          </p:style>
+        </p:cxnSp>
+        <p:cxnSp>
+          <p:nvCxnSpPr>
+            <p:cNvPr id="11" name="Straight Connector 10"/>
+            <p:cNvCxnSpPr>
+              <a:stCxn id="7" idx="2"/>
+              <a:endCxn id="9" idx="0"/>
+            </p:cNvCxnSpPr>
+            <p:nvPr/>
+          </p:nvCxnSpPr>
+          <p:spPr>
+            <a:xfrm>
+              <a:off x="723900" y="1970228"/>
+              <a:ext cx="285750" cy="287731"/>
+            </a:xfrm>
+            <a:prstGeom prst="line">
+              <a:avLst/>
+            </a:prstGeom>
+            <a:ln w="28575"/>
+          </p:spPr>
+          <p:style>
+            <a:lnRef idx="1">
+              <a:schemeClr val="accent5"/>
+            </a:lnRef>
+            <a:fillRef idx="0">
+              <a:schemeClr val="accent5"/>
+            </a:fillRef>
+            <a:effectRef idx="0">
+              <a:schemeClr val="accent5"/>
+            </a:effectRef>
+            <a:fontRef idx="minor">
+              <a:schemeClr val="tx1"/>
+            </a:fontRef>
+          </p:style>
+        </p:cxnSp>
+      </p:grpSp>
+      <p:sp>
+        <p:nvSpPr>
+          <p:cNvPr id="12" name="Title 1"/>
+          <p:cNvSpPr txBox="1">
+            <a:spLocks/>
+          </p:cNvSpPr>
+          <p:nvPr/>
+        </p:nvSpPr>
+        <p:spPr>
+          <a:xfrm>
+            <a:off x="491947" y="535838"/>
+            <a:ext cx="8229600" cy="1143000"/>
+          </a:xfrm>
+          <a:prstGeom prst="rect">
+            <a:avLst/>
+          </a:prstGeom>
+        </p:spPr>
+        <p:txBody>
+          <a:bodyPr>
+            <a:normAutofit fontScale="92500" lnSpcReduction="20000"/>
+          </a:bodyPr>
+          <a:lstStyle>
+            <a:lvl1pPr algn="ctr" defTabSz="914400" rtl="0" eaLnBrk="1" latinLnBrk="0" hangingPunct="1">
+              <a:spcBef>
+                <a:spcPct val="0"/>
+              </a:spcBef>
+              <a:buNone/>
+              <a:defRPr sz="4400" kern="1200">
+                <a:solidFill>
+                  <a:schemeClr val="tx1"/>
+                </a:solidFill>
+                <a:latin typeface="+mj-lt"/>
+                <a:ea typeface="+mj-ea"/>
+                <a:cs typeface="+mj-cs"/>
+              </a:defRPr>
+            </a:lvl1pPr>
+          </a:lstStyle>
+          <a:p>
+            <a:r>
+              <a:rPr lang="en-US" dirty="0" smtClean="0"/>
+              <a:t>What if I’m </a:t>
+            </a:r>
+            <a:r>
+              <a:rPr lang="en-US" dirty="0" err="1" smtClean="0"/>
+              <a:t>reeeeeeaaally</a:t>
+            </a:r>
+            <a:r>
+              <a:rPr lang="en-US" dirty="0" smtClean="0"/>
+              <a:t> sure that I’m going to pierce node N?</a:t>
+            </a:r>
+            <a:endParaRPr lang="en-US" dirty="0"/>
+          </a:p>
+        </p:txBody>
+      </p:sp>
+    </p:spTree>
+    <p:extLst>
+      <p:ext uri="{BB962C8B-B14F-4D97-AF65-F5344CB8AC3E}">
+        <p14:creationId xmlns:p14="http://schemas.microsoft.com/office/powerpoint/2010/main" val="2212090920"/>
+      </p:ext>
+    </p:extLst>
+  </p:cSld>
+  <p:clrMapOvr>
+    <a:masterClrMapping/>
+  </p:clrMapOvr>
+  <p:timing>
+    <p:tnLst>
+      <p:par>
+        <p:cTn id="1" dur="indefinite" restart="never" nodeType="tmRoot"/>
+      </p:par>
+    </p:tnLst>
+  </p:timing>
+</p:sld>
+</file>
+
+<file path=ppt/slides/slide45.xml><?xml version="1.0" encoding="utf-8"?>
+<p:sld xmlns:a="http://schemas.openxmlformats.org/drawingml/2006/main" xmlns:r="http://schemas.openxmlformats.org/officeDocument/2006/relationships" xmlns:p="http://schemas.openxmlformats.org/presentationml/2006/main">
+  <p:cSld>
+    <p:spTree>
+      <p:nvGrpSpPr>
+        <p:cNvPr id="1" name=""/>
+        <p:cNvGrpSpPr/>
+        <p:nvPr/>
+      </p:nvGrpSpPr>
+      <p:grpSpPr>
+        <a:xfrm>
+          <a:off x="0" y="0"/>
+          <a:ext cx="0" cy="0"/>
+          <a:chOff x="0" y="0"/>
+          <a:chExt cx="0" cy="0"/>
+        </a:xfrm>
+      </p:grpSpPr>
+      <p:sp>
+        <p:nvSpPr>
+          <p:cNvPr id="4" name="Rectangle 3"/>
+          <p:cNvSpPr/>
+          <p:nvPr/>
+        </p:nvSpPr>
+        <p:spPr>
+          <a:xfrm>
+            <a:off x="2362200" y="2362200"/>
+            <a:ext cx="4419600" cy="1905000"/>
+          </a:xfrm>
+          <a:prstGeom prst="rect">
+            <a:avLst/>
+          </a:prstGeom>
+        </p:spPr>
+        <p:style>
+          <a:lnRef idx="0">
+            <a:schemeClr val="accent2"/>
+          </a:lnRef>
+          <a:fillRef idx="3">
+            <a:schemeClr val="accent2"/>
+          </a:fillRef>
+          <a:effectRef idx="3">
+            <a:schemeClr val="accent2"/>
+          </a:effectRef>
+          <a:fontRef idx="minor">
+            <a:schemeClr val="lt1"/>
+          </a:fontRef>
+        </p:style>
+        <p:txBody>
+          <a:bodyPr rtlCol="0" anchor="ctr"/>
+          <a:lstStyle/>
+          <a:p>
+            <a:pPr algn="ctr"/>
+            <a:endParaRPr lang="en-US"/>
+          </a:p>
+        </p:txBody>
+      </p:sp>
+      <p:sp>
+        <p:nvSpPr>
+          <p:cNvPr id="2" name="Title 1"/>
+          <p:cNvSpPr>
+            <a:spLocks noGrp="1"/>
+          </p:cNvSpPr>
+          <p:nvPr>
+            <p:ph type="ctrTitle" idx="4294967295"/>
+          </p:nvPr>
+        </p:nvSpPr>
+        <p:spPr>
+          <a:xfrm>
+            <a:off x="1828800" y="2514600"/>
+            <a:ext cx="5638800" cy="1470025"/>
+          </a:xfrm>
+        </p:spPr>
+        <p:txBody>
+          <a:bodyPr>
+            <a:normAutofit/>
+            <a:scene3d>
+              <a:camera prst="orthographicFront"/>
+              <a:lightRig rig="soft" dir="t">
+                <a:rot lat="0" lon="0" rev="10800000"/>
+              </a:lightRig>
+            </a:scene3d>
+            <a:sp3d>
+              <a:bevelT w="27940" h="12700"/>
+              <a:contourClr>
+                <a:srgbClr val="DDDDDD"/>
+              </a:contourClr>
+            </a:sp3d>
+          </a:bodyPr>
+          <a:lstStyle/>
+          <a:p>
+            <a:r>
+              <a:rPr lang="en-US" b="1" spc="150" dirty="0" smtClean="0">
+                <a:ln w="11430"/>
+                <a:solidFill>
+                  <a:srgbClr val="F8F8F8"/>
+                </a:solidFill>
+                <a:effectLst>
+                  <a:outerShdw blurRad="25400" algn="tl" rotWithShape="0">
+                    <a:srgbClr val="000000">
+                      <a:alpha val="43000"/>
+                    </a:srgbClr>
+                  </a:outerShdw>
+                </a:effectLst>
+              </a:rPr>
+              <a:t>Empty Space</a:t>
+            </a:r>
+            <a:endParaRPr lang="en-US" b="1" spc="150" dirty="0">
+              <a:ln w="11430"/>
+              <a:solidFill>
+                <a:srgbClr val="F8F8F8"/>
+              </a:solidFill>
+              <a:effectLst>
+                <a:outerShdw blurRad="25400" algn="tl" rotWithShape="0">
+                  <a:srgbClr val="000000">
+                    <a:alpha val="43000"/>
+                  </a:srgbClr>
+                </a:outerShdw>
+              </a:effectLst>
+            </a:endParaRPr>
+          </a:p>
+        </p:txBody>
+      </p:sp>
+    </p:spTree>
+    <p:extLst>
+      <p:ext uri="{BB962C8B-B14F-4D97-AF65-F5344CB8AC3E}">
+        <p14:creationId xmlns:p14="http://schemas.microsoft.com/office/powerpoint/2010/main" val="882171861"/>
+      </p:ext>
+    </p:extLst>
+  </p:cSld>
+  <p:clrMapOvr>
+    <a:masterClrMapping/>
+  </p:clrMapOvr>
+  <p:timing>
+    <p:tnLst>
+      <p:par>
+        <p:cTn id="1" dur="indefinite" restart="never" nodeType="tmRoot"/>
+      </p:par>
+    </p:tnLst>
+  </p:timing>
+</p:sld>
+</file>
+
+<file path=ppt/slides/slide46.xml><?xml version="1.0" encoding="utf-8"?>
+<p:sld xmlns:a="http://schemas.openxmlformats.org/drawingml/2006/main" xmlns:r="http://schemas.openxmlformats.org/officeDocument/2006/relationships" xmlns:p="http://schemas.openxmlformats.org/presentationml/2006/main">
+  <p:cSld>
+    <p:spTree>
+      <p:nvGrpSpPr>
+        <p:cNvPr id="1" name=""/>
+        <p:cNvGrpSpPr/>
+        <p:nvPr/>
+      </p:nvGrpSpPr>
+      <p:grpSpPr>
+        <a:xfrm>
+          <a:off x="0" y="0"/>
+          <a:ext cx="0" cy="0"/>
+          <a:chOff x="0" y="0"/>
+          <a:chExt cx="0" cy="0"/>
+        </a:xfrm>
+      </p:grpSpPr>
+      <p:sp>
+        <p:nvSpPr>
+          <p:cNvPr id="2" name="Title 1"/>
+          <p:cNvSpPr>
+            <a:spLocks noGrp="1"/>
+          </p:cNvSpPr>
+          <p:nvPr>
+            <p:ph type="title"/>
+          </p:nvPr>
+        </p:nvSpPr>
+        <p:spPr/>
+        <p:txBody>
+          <a:bodyPr/>
+          <a:lstStyle/>
+          <a:p>
+            <a:r>
+              <a:rPr lang="en-US" dirty="0" smtClean="0"/>
+              <a:t>Appendix: Split Plots</a:t>
+            </a:r>
+            <a:endParaRPr lang="en-US" dirty="0"/>
+          </a:p>
+        </p:txBody>
+      </p:sp>
+      <p:pic>
+        <p:nvPicPr>
+          <p:cNvPr id="6146" name="Picture 2"/>
+          <p:cNvPicPr>
+            <a:picLocks noChangeAspect="1" noChangeArrowheads="1"/>
+          </p:cNvPicPr>
+          <p:nvPr/>
+        </p:nvPicPr>
+        <p:blipFill rotWithShape="1">
+          <a:blip r:embed="rId2">
+            <a:extLst>
+              <a:ext uri="{28A0092B-C50C-407E-A947-70E740481C1C}">
+                <a14:useLocalDpi xmlns:a14="http://schemas.microsoft.com/office/drawing/2010/main" val="0"/>
+              </a:ext>
+            </a:extLst>
+          </a:blip>
+          <a:srcRect l="13306" r="10534"/>
+          <a:stretch/>
+        </p:blipFill>
+        <p:spPr bwMode="auto">
+          <a:xfrm>
+            <a:off x="771753" y="2286000"/>
+            <a:ext cx="3482035" cy="3200400"/>
+          </a:xfrm>
+          <a:prstGeom prst="rect">
+            <a:avLst/>
+          </a:prstGeom>
+          <a:noFill/>
+          <a:ln>
+            <a:noFill/>
+          </a:ln>
+          <a:effectLst/>
+          <a:extLst>
+            <a:ext uri="{909E8E84-426E-40DD-AFC4-6F175D3DCCD1}">
+              <a14:hiddenFill xmlns:a14="http://schemas.microsoft.com/office/drawing/2010/main">
+                <a:solidFill>
+                  <a:schemeClr val="accent1"/>
+                </a:solidFill>
+              </a14:hiddenFill>
+            </a:ext>
+            <a:ext uri="{91240B29-F687-4F45-9708-019B960494DF}">
+              <a14:hiddenLine xmlns:a14="http://schemas.microsoft.com/office/drawing/2010/main" w="9525">
+                <a:solidFill>
+                  <a:schemeClr val="tx1"/>
+                </a:solidFill>
+                <a:miter lim="800000"/>
+                <a:headEnd/>
+                <a:tailEnd/>
+              </a14:hiddenLine>
+            </a:ext>
+            <a:ext uri="{AF507438-7753-43E0-B8FC-AC1667EBCBE1}">
+              <a14:hiddenEffects xmlns:a14="http://schemas.microsoft.com/office/drawing/2010/main">
+                <a:effectLst>
+                  <a:outerShdw dist="35921" dir="2700000" algn="ctr" rotWithShape="0">
+                    <a:schemeClr val="bg2"/>
+                  </a:outerShdw>
+                </a:effectLst>
+              </a14:hiddenEffects>
+            </a:ext>
+          </a:extLst>
+        </p:spPr>
+      </p:pic>
+      <p:pic>
+        <p:nvPicPr>
+          <p:cNvPr id="6147" name="Picture 3"/>
+          <p:cNvPicPr>
+            <a:picLocks noChangeAspect="1" noChangeArrowheads="1"/>
+          </p:cNvPicPr>
+          <p:nvPr/>
+        </p:nvPicPr>
+        <p:blipFill rotWithShape="1">
+          <a:blip r:embed="rId3">
+            <a:extLst>
+              <a:ext uri="{28A0092B-C50C-407E-A947-70E740481C1C}">
+                <a14:useLocalDpi xmlns:a14="http://schemas.microsoft.com/office/drawing/2010/main" val="0"/>
+              </a:ext>
+            </a:extLst>
+          </a:blip>
+          <a:srcRect l="7601" r="13359"/>
+          <a:stretch/>
+        </p:blipFill>
+        <p:spPr bwMode="auto">
+          <a:xfrm>
+            <a:off x="4800599" y="2286000"/>
+            <a:ext cx="3613709" cy="3200400"/>
+          </a:xfrm>
+          <a:prstGeom prst="rect">
+            <a:avLst/>
+          </a:prstGeom>
+          <a:noFill/>
+          <a:ln>
+            <a:noFill/>
+          </a:ln>
+          <a:effectLst/>
+          <a:extLst>
+            <a:ext uri="{909E8E84-426E-40DD-AFC4-6F175D3DCCD1}">
+              <a14:hiddenFill xmlns:a14="http://schemas.microsoft.com/office/drawing/2010/main">
+                <a:solidFill>
+                  <a:schemeClr val="accent1"/>
+                </a:solidFill>
+              </a14:hiddenFill>
+            </a:ext>
+            <a:ext uri="{91240B29-F687-4F45-9708-019B960494DF}">
+              <a14:hiddenLine xmlns:a14="http://schemas.microsoft.com/office/drawing/2010/main" w="9525">
+                <a:solidFill>
+                  <a:schemeClr val="tx1"/>
+                </a:solidFill>
+                <a:miter lim="800000"/>
+                <a:headEnd/>
+                <a:tailEnd/>
+              </a14:hiddenLine>
+            </a:ext>
+            <a:ext uri="{AF507438-7753-43E0-B8FC-AC1667EBCBE1}">
+              <a14:hiddenEffects xmlns:a14="http://schemas.microsoft.com/office/drawing/2010/main">
+                <a:effectLst>
+                  <a:outerShdw dist="35921" dir="2700000" algn="ctr" rotWithShape="0">
+                    <a:schemeClr val="bg2"/>
+                  </a:outerShdw>
+                </a:effectLst>
+              </a14:hiddenEffects>
+            </a:ext>
+          </a:extLst>
+        </p:spPr>
+      </p:pic>
+    </p:spTree>
+    <p:extLst>
+      <p:ext uri="{BB962C8B-B14F-4D97-AF65-F5344CB8AC3E}">
+        <p14:creationId xmlns:p14="http://schemas.microsoft.com/office/powerpoint/2010/main" val="3814458316"/>
       </p:ext>
     </p:extLst>
   </p:cSld>

--- a/documentation/GroupMeetingPresentation.pptx
+++ b/documentation/GroupMeetingPresentation.pptx
@@ -20412,6 +20412,70 @@
           </p:sp>
         </mc:Fallback>
       </mc:AlternateContent>
+      <p:pic>
+        <p:nvPicPr>
+          <p:cNvPr id="12290" name="Picture 2"/>
+          <p:cNvPicPr>
+            <a:picLocks noChangeAspect="1" noChangeArrowheads="1"/>
+          </p:cNvPicPr>
+          <p:nvPr/>
+        </p:nvPicPr>
+        <p:blipFill>
+          <a:blip r:embed="rId4">
+            <a:extLst>
+              <a:ext uri="{28A0092B-C50C-407E-A947-70E740481C1C}">
+                <a14:useLocalDpi xmlns:a14="http://schemas.microsoft.com/office/drawing/2010/main" val="0"/>
+              </a:ext>
+            </a:extLst>
+          </a:blip>
+          <a:srcRect/>
+          <a:stretch>
+            <a:fillRect/>
+          </a:stretch>
+        </p:blipFill>
+        <p:spPr bwMode="auto">
+          <a:xfrm>
+            <a:off x="3714092" y="2913336"/>
+            <a:ext cx="4522823" cy="1010418"/>
+          </a:xfrm>
+          <a:prstGeom prst="rect">
+            <a:avLst/>
+          </a:prstGeom>
+          <a:noFill/>
+          <a:ln>
+            <a:noFill/>
+          </a:ln>
+          <a:effectLst/>
+          <a:extLst>
+            <a:ext uri="{909E8E84-426E-40DD-AFC4-6F175D3DCCD1}">
+              <a14:hiddenFill xmlns:a14="http://schemas.microsoft.com/office/drawing/2010/main">
+                <a:solidFill>
+                  <a:schemeClr val="accent1"/>
+                </a:solidFill>
+              </a14:hiddenFill>
+            </a:ext>
+            <a:ext uri="{91240B29-F687-4F45-9708-019B960494DF}">
+              <a14:hiddenLine xmlns:a14="http://schemas.microsoft.com/office/drawing/2010/main" w="9525">
+                <a:solidFill>
+                  <a:schemeClr val="tx1"/>
+                </a:solidFill>
+                <a:miter lim="800000"/>
+                <a:headEnd/>
+                <a:tailEnd/>
+              </a14:hiddenLine>
+            </a:ext>
+            <a:ext uri="{AF507438-7753-43E0-B8FC-AC1667EBCBE1}">
+              <a14:hiddenEffects xmlns:a14="http://schemas.microsoft.com/office/drawing/2010/main">
+                <a:effectLst>
+                  <a:outerShdw dist="35921" dir="2700000" algn="ctr" rotWithShape="0">
+                    <a:schemeClr val="bg2"/>
+                  </a:outerShdw>
+                </a:effectLst>
+              </a14:hiddenEffects>
+            </a:ext>
+          </a:extLst>
+        </p:spPr>
+      </p:pic>
     </p:spTree>
     <p:extLst>
       <p:ext uri="{BB962C8B-B14F-4D97-AF65-F5344CB8AC3E}">
@@ -22349,6 +22413,70 @@
           </p:sp>
         </mc:Fallback>
       </mc:AlternateContent>
+      <p:pic>
+        <p:nvPicPr>
+          <p:cNvPr id="13314" name="Picture 2"/>
+          <p:cNvPicPr>
+            <a:picLocks noChangeAspect="1" noChangeArrowheads="1"/>
+          </p:cNvPicPr>
+          <p:nvPr/>
+        </p:nvPicPr>
+        <p:blipFill>
+          <a:blip r:embed="rId4">
+            <a:extLst>
+              <a:ext uri="{28A0092B-C50C-407E-A947-70E740481C1C}">
+                <a14:useLocalDpi xmlns:a14="http://schemas.microsoft.com/office/drawing/2010/main" val="0"/>
+              </a:ext>
+            </a:extLst>
+          </a:blip>
+          <a:srcRect/>
+          <a:stretch>
+            <a:fillRect/>
+          </a:stretch>
+        </p:blipFill>
+        <p:spPr bwMode="auto">
+          <a:xfrm>
+            <a:off x="381000" y="2777642"/>
+            <a:ext cx="8282023" cy="2937358"/>
+          </a:xfrm>
+          <a:prstGeom prst="rect">
+            <a:avLst/>
+          </a:prstGeom>
+          <a:noFill/>
+          <a:ln>
+            <a:noFill/>
+          </a:ln>
+          <a:effectLst/>
+          <a:extLst>
+            <a:ext uri="{909E8E84-426E-40DD-AFC4-6F175D3DCCD1}">
+              <a14:hiddenFill xmlns:a14="http://schemas.microsoft.com/office/drawing/2010/main">
+                <a:solidFill>
+                  <a:schemeClr val="accent1"/>
+                </a:solidFill>
+              </a14:hiddenFill>
+            </a:ext>
+            <a:ext uri="{91240B29-F687-4F45-9708-019B960494DF}">
+              <a14:hiddenLine xmlns:a14="http://schemas.microsoft.com/office/drawing/2010/main" w="9525">
+                <a:solidFill>
+                  <a:schemeClr val="tx1"/>
+                </a:solidFill>
+                <a:miter lim="800000"/>
+                <a:headEnd/>
+                <a:tailEnd/>
+              </a14:hiddenLine>
+            </a:ext>
+            <a:ext uri="{AF507438-7753-43E0-B8FC-AC1667EBCBE1}">
+              <a14:hiddenEffects xmlns:a14="http://schemas.microsoft.com/office/drawing/2010/main">
+                <a:effectLst>
+                  <a:outerShdw dist="35921" dir="2700000" algn="ctr" rotWithShape="0">
+                    <a:schemeClr val="bg2"/>
+                  </a:outerShdw>
+                </a:effectLst>
+              </a14:hiddenEffects>
+            </a:ext>
+          </a:extLst>
+        </p:spPr>
+      </p:pic>
     </p:spTree>
     <p:extLst>
       <p:ext uri="{BB962C8B-B14F-4D97-AF65-F5344CB8AC3E}">
@@ -27408,6 +27536,70 @@
           </p:sp>
         </mc:Fallback>
       </mc:AlternateContent>
+      <p:pic>
+        <p:nvPicPr>
+          <p:cNvPr id="4097" name="Picture 1"/>
+          <p:cNvPicPr>
+            <a:picLocks noChangeAspect="1" noChangeArrowheads="1"/>
+          </p:cNvPicPr>
+          <p:nvPr/>
+        </p:nvPicPr>
+        <p:blipFill>
+          <a:blip r:embed="rId5">
+            <a:extLst>
+              <a:ext uri="{28A0092B-C50C-407E-A947-70E740481C1C}">
+                <a14:useLocalDpi xmlns:a14="http://schemas.microsoft.com/office/drawing/2010/main" val="0"/>
+              </a:ext>
+            </a:extLst>
+          </a:blip>
+          <a:srcRect/>
+          <a:stretch>
+            <a:fillRect/>
+          </a:stretch>
+        </p:blipFill>
+        <p:spPr bwMode="auto">
+          <a:xfrm>
+            <a:off x="2267141" y="5583892"/>
+            <a:ext cx="6737013" cy="1179520"/>
+          </a:xfrm>
+          <a:prstGeom prst="rect">
+            <a:avLst/>
+          </a:prstGeom>
+          <a:noFill/>
+          <a:ln>
+            <a:noFill/>
+          </a:ln>
+          <a:effectLst/>
+          <a:extLst>
+            <a:ext uri="{909E8E84-426E-40DD-AFC4-6F175D3DCCD1}">
+              <a14:hiddenFill xmlns:a14="http://schemas.microsoft.com/office/drawing/2010/main">
+                <a:solidFill>
+                  <a:schemeClr val="accent1"/>
+                </a:solidFill>
+              </a14:hiddenFill>
+            </a:ext>
+            <a:ext uri="{91240B29-F687-4F45-9708-019B960494DF}">
+              <a14:hiddenLine xmlns:a14="http://schemas.microsoft.com/office/drawing/2010/main" w="9525">
+                <a:solidFill>
+                  <a:schemeClr val="tx1"/>
+                </a:solidFill>
+                <a:miter lim="800000"/>
+                <a:headEnd/>
+                <a:tailEnd/>
+              </a14:hiddenLine>
+            </a:ext>
+            <a:ext uri="{AF507438-7753-43E0-B8FC-AC1667EBCBE1}">
+              <a14:hiddenEffects xmlns:a14="http://schemas.microsoft.com/office/drawing/2010/main">
+                <a:effectLst>
+                  <a:outerShdw dist="35921" dir="2700000" algn="ctr" rotWithShape="0">
+                    <a:schemeClr val="bg2"/>
+                  </a:outerShdw>
+                </a:effectLst>
+              </a14:hiddenEffects>
+            </a:ext>
+          </a:extLst>
+        </p:spPr>
+      </p:pic>
     </p:spTree>
     <p:extLst>
       <p:ext uri="{BB962C8B-B14F-4D97-AF65-F5344CB8AC3E}">
@@ -28249,6 +28441,70 @@
           </a:p>
         </p:txBody>
       </p:sp>
+      <p:pic>
+        <p:nvPicPr>
+          <p:cNvPr id="10241" name="Picture 1"/>
+          <p:cNvPicPr>
+            <a:picLocks noChangeAspect="1" noChangeArrowheads="1"/>
+          </p:cNvPicPr>
+          <p:nvPr/>
+        </p:nvPicPr>
+        <p:blipFill>
+          <a:blip r:embed="rId5">
+            <a:extLst>
+              <a:ext uri="{28A0092B-C50C-407E-A947-70E740481C1C}">
+                <a14:useLocalDpi xmlns:a14="http://schemas.microsoft.com/office/drawing/2010/main" val="0"/>
+              </a:ext>
+            </a:extLst>
+          </a:blip>
+          <a:srcRect/>
+          <a:stretch>
+            <a:fillRect/>
+          </a:stretch>
+        </p:blipFill>
+        <p:spPr bwMode="auto">
+          <a:xfrm>
+            <a:off x="209320" y="1676400"/>
+            <a:ext cx="8629880" cy="4036799"/>
+          </a:xfrm>
+          <a:prstGeom prst="rect">
+            <a:avLst/>
+          </a:prstGeom>
+          <a:noFill/>
+          <a:ln>
+            <a:noFill/>
+          </a:ln>
+          <a:effectLst/>
+          <a:extLst>
+            <a:ext uri="{909E8E84-426E-40DD-AFC4-6F175D3DCCD1}">
+              <a14:hiddenFill xmlns:a14="http://schemas.microsoft.com/office/drawing/2010/main">
+                <a:solidFill>
+                  <a:schemeClr val="accent1"/>
+                </a:solidFill>
+              </a14:hiddenFill>
+            </a:ext>
+            <a:ext uri="{91240B29-F687-4F45-9708-019B960494DF}">
+              <a14:hiddenLine xmlns:a14="http://schemas.microsoft.com/office/drawing/2010/main" w="9525">
+                <a:solidFill>
+                  <a:schemeClr val="tx1"/>
+                </a:solidFill>
+                <a:miter lim="800000"/>
+                <a:headEnd/>
+                <a:tailEnd/>
+              </a14:hiddenLine>
+            </a:ext>
+            <a:ext uri="{AF507438-7753-43E0-B8FC-AC1667EBCBE1}">
+              <a14:hiddenEffects xmlns:a14="http://schemas.microsoft.com/office/drawing/2010/main">
+                <a:effectLst>
+                  <a:outerShdw dist="35921" dir="2700000" algn="ctr" rotWithShape="0">
+                    <a:schemeClr val="bg2"/>
+                  </a:outerShdw>
+                </a:effectLst>
+              </a14:hiddenEffects>
+            </a:ext>
+          </a:extLst>
+        </p:spPr>
+      </p:pic>
     </p:spTree>
     <p:extLst>
       <p:ext uri="{BB962C8B-B14F-4D97-AF65-F5344CB8AC3E}">
@@ -30099,6 +30355,70 @@
           </p:style>
         </p:cxnSp>
       </p:grpSp>
+      <p:pic>
+        <p:nvPicPr>
+          <p:cNvPr id="11265" name="Picture 1"/>
+          <p:cNvPicPr>
+            <a:picLocks noChangeAspect="1" noChangeArrowheads="1"/>
+          </p:cNvPicPr>
+          <p:nvPr/>
+        </p:nvPicPr>
+        <p:blipFill>
+          <a:blip r:embed="rId4">
+            <a:extLst>
+              <a:ext uri="{28A0092B-C50C-407E-A947-70E740481C1C}">
+                <a14:useLocalDpi xmlns:a14="http://schemas.microsoft.com/office/drawing/2010/main" val="0"/>
+              </a:ext>
+            </a:extLst>
+          </a:blip>
+          <a:srcRect/>
+          <a:stretch>
+            <a:fillRect/>
+          </a:stretch>
+        </p:blipFill>
+        <p:spPr bwMode="auto">
+          <a:xfrm>
+            <a:off x="2279013" y="5729131"/>
+            <a:ext cx="6788787" cy="1049510"/>
+          </a:xfrm>
+          <a:prstGeom prst="rect">
+            <a:avLst/>
+          </a:prstGeom>
+          <a:noFill/>
+          <a:ln>
+            <a:noFill/>
+          </a:ln>
+          <a:effectLst/>
+          <a:extLst>
+            <a:ext uri="{909E8E84-426E-40DD-AFC4-6F175D3DCCD1}">
+              <a14:hiddenFill xmlns:a14="http://schemas.microsoft.com/office/drawing/2010/main">
+                <a:solidFill>
+                  <a:schemeClr val="accent1"/>
+                </a:solidFill>
+              </a14:hiddenFill>
+            </a:ext>
+            <a:ext uri="{91240B29-F687-4F45-9708-019B960494DF}">
+              <a14:hiddenLine xmlns:a14="http://schemas.microsoft.com/office/drawing/2010/main" w="9525">
+                <a:solidFill>
+                  <a:schemeClr val="tx1"/>
+                </a:solidFill>
+                <a:miter lim="800000"/>
+                <a:headEnd/>
+                <a:tailEnd/>
+              </a14:hiddenLine>
+            </a:ext>
+            <a:ext uri="{AF507438-7753-43E0-B8FC-AC1667EBCBE1}">
+              <a14:hiddenEffects xmlns:a14="http://schemas.microsoft.com/office/drawing/2010/main">
+                <a:effectLst>
+                  <a:outerShdw dist="35921" dir="2700000" algn="ctr" rotWithShape="0">
+                    <a:schemeClr val="bg2"/>
+                  </a:outerShdw>
+                </a:effectLst>
+              </a14:hiddenEffects>
+            </a:ext>
+          </a:extLst>
+        </p:spPr>
+      </p:pic>
     </p:spTree>
     <p:extLst>
       <p:ext uri="{BB962C8B-B14F-4D97-AF65-F5344CB8AC3E}">
@@ -31861,6 +32181,70 @@
           </a:p>
         </p:txBody>
       </p:sp>
+      <p:pic>
+        <p:nvPicPr>
+          <p:cNvPr id="9217" name="Picture 1"/>
+          <p:cNvPicPr>
+            <a:picLocks noChangeAspect="1" noChangeArrowheads="1"/>
+          </p:cNvPicPr>
+          <p:nvPr/>
+        </p:nvPicPr>
+        <p:blipFill>
+          <a:blip r:embed="rId5">
+            <a:extLst>
+              <a:ext uri="{28A0092B-C50C-407E-A947-70E740481C1C}">
+                <a14:useLocalDpi xmlns:a14="http://schemas.microsoft.com/office/drawing/2010/main" val="0"/>
+              </a:ext>
+            </a:extLst>
+          </a:blip>
+          <a:srcRect/>
+          <a:stretch>
+            <a:fillRect/>
+          </a:stretch>
+        </p:blipFill>
+        <p:spPr bwMode="auto">
+          <a:xfrm>
+            <a:off x="84734" y="1351409"/>
+            <a:ext cx="8897663" cy="4459982"/>
+          </a:xfrm>
+          <a:prstGeom prst="rect">
+            <a:avLst/>
+          </a:prstGeom>
+          <a:noFill/>
+          <a:ln>
+            <a:noFill/>
+          </a:ln>
+          <a:effectLst/>
+          <a:extLst>
+            <a:ext uri="{909E8E84-426E-40DD-AFC4-6F175D3DCCD1}">
+              <a14:hiddenFill xmlns:a14="http://schemas.microsoft.com/office/drawing/2010/main">
+                <a:solidFill>
+                  <a:schemeClr val="accent1"/>
+                </a:solidFill>
+              </a14:hiddenFill>
+            </a:ext>
+            <a:ext uri="{91240B29-F687-4F45-9708-019B960494DF}">
+              <a14:hiddenLine xmlns:a14="http://schemas.microsoft.com/office/drawing/2010/main" w="9525">
+                <a:solidFill>
+                  <a:schemeClr val="tx1"/>
+                </a:solidFill>
+                <a:miter lim="800000"/>
+                <a:headEnd/>
+                <a:tailEnd/>
+              </a14:hiddenLine>
+            </a:ext>
+            <a:ext uri="{AF507438-7753-43E0-B8FC-AC1667EBCBE1}">
+              <a14:hiddenEffects xmlns:a14="http://schemas.microsoft.com/office/drawing/2010/main">
+                <a:effectLst>
+                  <a:outerShdw dist="35921" dir="2700000" algn="ctr" rotWithShape="0">
+                    <a:schemeClr val="bg2"/>
+                  </a:outerShdw>
+                </a:effectLst>
+              </a14:hiddenEffects>
+            </a:ext>
+          </a:extLst>
+        </p:spPr>
+      </p:pic>
     </p:spTree>
     <p:extLst>
       <p:ext uri="{BB962C8B-B14F-4D97-AF65-F5344CB8AC3E}">
@@ -32749,6 +33133,70 @@
           </a:p>
         </p:txBody>
       </p:sp>
+      <p:pic>
+        <p:nvPicPr>
+          <p:cNvPr id="8193" name="Picture 1"/>
+          <p:cNvPicPr>
+            <a:picLocks noChangeAspect="1" noChangeArrowheads="1"/>
+          </p:cNvPicPr>
+          <p:nvPr/>
+        </p:nvPicPr>
+        <p:blipFill>
+          <a:blip r:embed="rId3">
+            <a:extLst>
+              <a:ext uri="{28A0092B-C50C-407E-A947-70E740481C1C}">
+                <a14:useLocalDpi xmlns:a14="http://schemas.microsoft.com/office/drawing/2010/main" val="0"/>
+              </a:ext>
+            </a:extLst>
+          </a:blip>
+          <a:srcRect/>
+          <a:stretch>
+            <a:fillRect/>
+          </a:stretch>
+        </p:blipFill>
+        <p:spPr bwMode="auto">
+          <a:xfrm>
+            <a:off x="1244194" y="4191000"/>
+            <a:ext cx="7230466" cy="860944"/>
+          </a:xfrm>
+          <a:prstGeom prst="rect">
+            <a:avLst/>
+          </a:prstGeom>
+          <a:noFill/>
+          <a:ln>
+            <a:noFill/>
+          </a:ln>
+          <a:effectLst/>
+          <a:extLst>
+            <a:ext uri="{909E8E84-426E-40DD-AFC4-6F175D3DCCD1}">
+              <a14:hiddenFill xmlns:a14="http://schemas.microsoft.com/office/drawing/2010/main">
+                <a:solidFill>
+                  <a:schemeClr val="accent1"/>
+                </a:solidFill>
+              </a14:hiddenFill>
+            </a:ext>
+            <a:ext uri="{91240B29-F687-4F45-9708-019B960494DF}">
+              <a14:hiddenLine xmlns:a14="http://schemas.microsoft.com/office/drawing/2010/main" w="9525">
+                <a:solidFill>
+                  <a:schemeClr val="tx1"/>
+                </a:solidFill>
+                <a:miter lim="800000"/>
+                <a:headEnd/>
+                <a:tailEnd/>
+              </a14:hiddenLine>
+            </a:ext>
+            <a:ext uri="{AF507438-7753-43E0-B8FC-AC1667EBCBE1}">
+              <a14:hiddenEffects xmlns:a14="http://schemas.microsoft.com/office/drawing/2010/main">
+                <a:effectLst>
+                  <a:outerShdw dist="35921" dir="2700000" algn="ctr" rotWithShape="0">
+                    <a:schemeClr val="bg2"/>
+                  </a:outerShdw>
+                </a:effectLst>
+              </a14:hiddenEffects>
+            </a:ext>
+          </a:extLst>
+        </p:spPr>
+      </p:pic>
     </p:spTree>
     <p:extLst>
       <p:ext uri="{BB962C8B-B14F-4D97-AF65-F5344CB8AC3E}">
